--- a/app/src/main/assets/templates.pptx
+++ b/app/src/main/assets/templates.pptx
@@ -1,28 +1,35 @@
 
 <file path=ppt/presentation.xml><?xml version="1.0" encoding="utf-8"?>
-<p:presentation xmlns:a="http://schemas.openxmlformats.org/drawingml/2006/main" xmlns:r="http://schemas.openxmlformats.org/officeDocument/2006/relationships" xmlns:mc="http://schemas.openxmlformats.org/markup-compatibility/2006" xmlns:mv="urn:schemas-microsoft-com:mac:vml" xmlns:p="http://schemas.openxmlformats.org/presentationml/2006/main" xmlns:c="http://schemas.openxmlformats.org/drawingml/2006/chart" xmlns:dgm="http://schemas.openxmlformats.org/drawingml/2006/diagram" xmlns:o="urn:schemas-microsoft-com:office:office" xmlns:v="urn:schemas-microsoft-com:vml" xmlns:pvml="urn:schemas-microsoft-com:office:powerpoint" xmlns:com="http://schemas.openxmlformats.org/drawingml/2006/compatibility" xmlns:p14="http://schemas.microsoft.com/office/powerpoint/2010/main" xmlns:p15="http://schemas.microsoft.com/office/powerpoint/2012/main" xmlns:ahyp="http://schemas.microsoft.com/office/drawing/2018/hyperlinkcolor" autoCompressPictures="0" embedTrueTypeFonts="1" strictFirstAndLastChars="0" saveSubsetFonts="1">
+<p:presentation xmlns:a="http://schemas.openxmlformats.org/drawingml/2006/main" xmlns:r="http://schemas.openxmlformats.org/officeDocument/2006/relationships" xmlns:p="http://schemas.openxmlformats.org/presentationml/2006/main" strictFirstAndLastChars="0" embedTrueTypeFonts="1" saveSubsetFonts="1" autoCompressPictures="0">
   <p:sldMasterIdLst>
-    <p:sldMasterId id="2147483659" r:id="rId4"/>
+    <p:sldMasterId id="2147483659" r:id="rId1"/>
   </p:sldMasterIdLst>
   <p:notesMasterIdLst>
-    <p:notesMasterId r:id="rId5"/>
+    <p:notesMasterId r:id="rId3"/>
   </p:notesMasterIdLst>
   <p:sldIdLst>
-    <p:sldId id="256" r:id="rId6"/>
+    <p:sldId id="256" r:id="rId2"/>
   </p:sldIdLst>
-  <p:sldSz cy="5143500" cx="9144000"/>
+  <p:sldSz cx="9144000" cy="5143500" type="screen16x9"/>
   <p:notesSz cx="6858000" cy="9144000"/>
   <p:embeddedFontLst>
     <p:embeddedFont>
-      <p:font typeface="Nunito"/>
-      <p:regular r:id="rId7"/>
-      <p:bold r:id="rId8"/>
-      <p:italic r:id="rId9"/>
-      <p:boldItalic r:id="rId10"/>
+      <p:font typeface="Nunito" charset="0"/>
+      <p:regular r:id="rId4"/>
+      <p:bold r:id="rId5"/>
+      <p:italic r:id="rId6"/>
+      <p:boldItalic r:id="rId7"/>
+    </p:embeddedFont>
+    <p:embeddedFont>
+      <p:font typeface="Calibri" pitchFamily="34" charset="0"/>
+      <p:regular r:id="rId8"/>
+      <p:bold r:id="rId9"/>
+      <p:italic r:id="rId10"/>
+      <p:boldItalic r:id="rId11"/>
     </p:embeddedFont>
   </p:embeddedFontLst>
   <p:defaultTextStyle>
-    <a:defPPr lvl="0" marR="0" rtl="0" algn="l">
+    <a:defPPr marR="0" lvl="0" algn="l" rtl="0">
       <a:lnSpc>
         <a:spcPct val="100000"/>
       </a:lnSpc>
@@ -33,7 +40,7 @@
         <a:spcPts val="0"/>
       </a:spcAft>
     </a:defPPr>
-    <a:lvl1pPr lvl="0" marR="0" rtl="0" algn="l">
+    <a:lvl1pPr marR="0" lvl="0" algn="l" rtl="0">
       <a:lnSpc>
         <a:spcPct val="100000"/>
       </a:lnSpc>
@@ -47,7 +54,7 @@
         <a:srgbClr val="000000"/>
       </a:buClr>
       <a:buFont typeface="Arial"/>
-      <a:defRPr b="0" i="0" sz="1400" u="none" cap="none" strike="noStrike">
+      <a:defRPr sz="1400" b="0" i="0" u="none" strike="noStrike" cap="none">
         <a:solidFill>
           <a:srgbClr val="000000"/>
         </a:solidFill>
@@ -57,7 +64,7 @@
         <a:sym typeface="Arial"/>
       </a:defRPr>
     </a:lvl1pPr>
-    <a:lvl2pPr lvl="1" marR="0" rtl="0" algn="l">
+    <a:lvl2pPr marR="0" lvl="1" algn="l" rtl="0">
       <a:lnSpc>
         <a:spcPct val="100000"/>
       </a:lnSpc>
@@ -71,7 +78,7 @@
         <a:srgbClr val="000000"/>
       </a:buClr>
       <a:buFont typeface="Arial"/>
-      <a:defRPr b="0" i="0" sz="1400" u="none" cap="none" strike="noStrike">
+      <a:defRPr sz="1400" b="0" i="0" u="none" strike="noStrike" cap="none">
         <a:solidFill>
           <a:srgbClr val="000000"/>
         </a:solidFill>
@@ -81,7 +88,7 @@
         <a:sym typeface="Arial"/>
       </a:defRPr>
     </a:lvl2pPr>
-    <a:lvl3pPr lvl="2" marR="0" rtl="0" algn="l">
+    <a:lvl3pPr marR="0" lvl="2" algn="l" rtl="0">
       <a:lnSpc>
         <a:spcPct val="100000"/>
       </a:lnSpc>
@@ -95,7 +102,7 @@
         <a:srgbClr val="000000"/>
       </a:buClr>
       <a:buFont typeface="Arial"/>
-      <a:defRPr b="0" i="0" sz="1400" u="none" cap="none" strike="noStrike">
+      <a:defRPr sz="1400" b="0" i="0" u="none" strike="noStrike" cap="none">
         <a:solidFill>
           <a:srgbClr val="000000"/>
         </a:solidFill>
@@ -105,7 +112,7 @@
         <a:sym typeface="Arial"/>
       </a:defRPr>
     </a:lvl3pPr>
-    <a:lvl4pPr lvl="3" marR="0" rtl="0" algn="l">
+    <a:lvl4pPr marR="0" lvl="3" algn="l" rtl="0">
       <a:lnSpc>
         <a:spcPct val="100000"/>
       </a:lnSpc>
@@ -119,7 +126,7 @@
         <a:srgbClr val="000000"/>
       </a:buClr>
       <a:buFont typeface="Arial"/>
-      <a:defRPr b="0" i="0" sz="1400" u="none" cap="none" strike="noStrike">
+      <a:defRPr sz="1400" b="0" i="0" u="none" strike="noStrike" cap="none">
         <a:solidFill>
           <a:srgbClr val="000000"/>
         </a:solidFill>
@@ -129,7 +136,7 @@
         <a:sym typeface="Arial"/>
       </a:defRPr>
     </a:lvl4pPr>
-    <a:lvl5pPr lvl="4" marR="0" rtl="0" algn="l">
+    <a:lvl5pPr marR="0" lvl="4" algn="l" rtl="0">
       <a:lnSpc>
         <a:spcPct val="100000"/>
       </a:lnSpc>
@@ -143,7 +150,7 @@
         <a:srgbClr val="000000"/>
       </a:buClr>
       <a:buFont typeface="Arial"/>
-      <a:defRPr b="0" i="0" sz="1400" u="none" cap="none" strike="noStrike">
+      <a:defRPr sz="1400" b="0" i="0" u="none" strike="noStrike" cap="none">
         <a:solidFill>
           <a:srgbClr val="000000"/>
         </a:solidFill>
@@ -153,7 +160,7 @@
         <a:sym typeface="Arial"/>
       </a:defRPr>
     </a:lvl5pPr>
-    <a:lvl6pPr lvl="5" marR="0" rtl="0" algn="l">
+    <a:lvl6pPr marR="0" lvl="5" algn="l" rtl="0">
       <a:lnSpc>
         <a:spcPct val="100000"/>
       </a:lnSpc>
@@ -167,7 +174,7 @@
         <a:srgbClr val="000000"/>
       </a:buClr>
       <a:buFont typeface="Arial"/>
-      <a:defRPr b="0" i="0" sz="1400" u="none" cap="none" strike="noStrike">
+      <a:defRPr sz="1400" b="0" i="0" u="none" strike="noStrike" cap="none">
         <a:solidFill>
           <a:srgbClr val="000000"/>
         </a:solidFill>
@@ -177,7 +184,7 @@
         <a:sym typeface="Arial"/>
       </a:defRPr>
     </a:lvl6pPr>
-    <a:lvl7pPr lvl="6" marR="0" rtl="0" algn="l">
+    <a:lvl7pPr marR="0" lvl="6" algn="l" rtl="0">
       <a:lnSpc>
         <a:spcPct val="100000"/>
       </a:lnSpc>
@@ -191,7 +198,7 @@
         <a:srgbClr val="000000"/>
       </a:buClr>
       <a:buFont typeface="Arial"/>
-      <a:defRPr b="0" i="0" sz="1400" u="none" cap="none" strike="noStrike">
+      <a:defRPr sz="1400" b="0" i="0" u="none" strike="noStrike" cap="none">
         <a:solidFill>
           <a:srgbClr val="000000"/>
         </a:solidFill>
@@ -201,7 +208,7 @@
         <a:sym typeface="Arial"/>
       </a:defRPr>
     </a:lvl7pPr>
-    <a:lvl8pPr lvl="7" marR="0" rtl="0" algn="l">
+    <a:lvl8pPr marR="0" lvl="7" algn="l" rtl="0">
       <a:lnSpc>
         <a:spcPct val="100000"/>
       </a:lnSpc>
@@ -215,7 +222,7 @@
         <a:srgbClr val="000000"/>
       </a:buClr>
       <a:buFont typeface="Arial"/>
-      <a:defRPr b="0" i="0" sz="1400" u="none" cap="none" strike="noStrike">
+      <a:defRPr sz="1400" b="0" i="0" u="none" strike="noStrike" cap="none">
         <a:solidFill>
           <a:srgbClr val="000000"/>
         </a:solidFill>
@@ -225,7 +232,7 @@
         <a:sym typeface="Arial"/>
       </a:defRPr>
     </a:lvl8pPr>
-    <a:lvl9pPr lvl="8" marR="0" rtl="0" algn="l">
+    <a:lvl9pPr marR="0" lvl="8" algn="l" rtl="0">
       <a:lnSpc>
         <a:spcPct val="100000"/>
       </a:lnSpc>
@@ -239,7 +246,7 @@
         <a:srgbClr val="000000"/>
       </a:buClr>
       <a:buFont typeface="Arial"/>
-      <a:defRPr b="0" i="0" sz="1400" u="none" cap="none" strike="noStrike">
+      <a:defRPr sz="1400" b="0" i="0" u="none" strike="noStrike" cap="none">
         <a:solidFill>
           <a:srgbClr val="000000"/>
         </a:solidFill>
@@ -252,7 +259,7 @@
   </p:defaultTextStyle>
   <p:extLst>
     <p:ext uri="{EFAFB233-063F-42B5-8137-9DF3F51BA10A}">
-      <p15:sldGuideLst>
+      <p15:sldGuideLst xmlns:ahyp="http://schemas.microsoft.com/office/drawing/2018/hyperlinkcolor" xmlns:p15="http://schemas.microsoft.com/office/powerpoint/2012/main" xmlns:p14="http://schemas.microsoft.com/office/powerpoint/2010/main" xmlns:com="http://schemas.openxmlformats.org/drawingml/2006/compatibility" xmlns:pvml="urn:schemas-microsoft-com:office:powerpoint" xmlns:v="urn:schemas-microsoft-com:vml" xmlns:o="urn:schemas-microsoft-com:office:office" xmlns:dgm="http://schemas.openxmlformats.org/drawingml/2006/diagram" xmlns:c="http://schemas.openxmlformats.org/drawingml/2006/chart" xmlns:mv="urn:schemas-microsoft-com:mac:vml" xmlns:mc="http://schemas.openxmlformats.org/markup-compatibility/2006" xmlns="">
         <p15:guide id="1" orient="horz" pos="1620">
           <p15:clr>
             <a:srgbClr val="A4A3A4"/>
@@ -270,11 +277,16 @@
 </file>
 
 <file path=ppt/notesMasters/notesMaster1.xml><?xml version="1.0" encoding="utf-8"?>
-<p:notesMaster xmlns:a="http://schemas.openxmlformats.org/drawingml/2006/main" xmlns:r="http://schemas.openxmlformats.org/officeDocument/2006/relationships" xmlns:mc="http://schemas.openxmlformats.org/markup-compatibility/2006" xmlns:mv="urn:schemas-microsoft-com:mac:vml" xmlns:p="http://schemas.openxmlformats.org/presentationml/2006/main" xmlns:c="http://schemas.openxmlformats.org/drawingml/2006/chart" xmlns:dgm="http://schemas.openxmlformats.org/drawingml/2006/diagram" xmlns:o="urn:schemas-microsoft-com:office:office" xmlns:v="urn:schemas-microsoft-com:vml" xmlns:pvml="urn:schemas-microsoft-com:office:powerpoint" xmlns:com="http://schemas.openxmlformats.org/drawingml/2006/compatibility" xmlns:p14="http://schemas.microsoft.com/office/powerpoint/2010/main" xmlns:p15="http://schemas.microsoft.com/office/powerpoint/2012/main" xmlns:ahyp="http://schemas.microsoft.com/office/drawing/2018/hyperlinkcolor">
+<p:notesMaster xmlns:a="http://schemas.openxmlformats.org/drawingml/2006/main" xmlns:r="http://schemas.openxmlformats.org/officeDocument/2006/relationships" xmlns:p="http://schemas.openxmlformats.org/presentationml/2006/main">
   <p:cSld>
+    <p:bg>
+      <p:bgRef idx="1001">
+        <a:schemeClr val="bg1"/>
+      </p:bgRef>
+    </p:bg>
     <p:spTree>
       <p:nvGrpSpPr>
-        <p:cNvPr id="2" name="Shape 2"/>
+        <p:cNvPr id="1" name="Shape 2"/>
         <p:cNvGrpSpPr/>
         <p:nvPr/>
       </p:nvGrpSpPr>
@@ -289,9 +301,11 @@
       <p:sp>
         <p:nvSpPr>
           <p:cNvPr id="3" name="Google Shape;3;n"/>
-          <p:cNvSpPr/>
+          <p:cNvSpPr>
+            <a:spLocks noGrp="1" noRot="1" noChangeAspect="1"/>
+          </p:cNvSpPr>
           <p:nvPr>
-            <p:ph idx="2" type="sldImg"/>
+            <p:ph type="sldImg" idx="2"/>
           </p:nvPr>
         </p:nvSpPr>
         <p:spPr>
@@ -300,9 +314,13 @@
             <a:ext cx="6096075" cy="3429000"/>
           </a:xfrm>
           <a:custGeom>
-            <a:rect b="b" l="l" r="r" t="t"/>
+            <a:avLst/>
+            <a:gdLst/>
+            <a:ahLst/>
+            <a:cxnLst/>
+            <a:rect l="l" t="t" r="r" b="b"/>
             <a:pathLst>
-              <a:path extrusionOk="0" h="120000" w="120000">
+              <a:path w="120000" h="120000" extrusionOk="0">
                 <a:moveTo>
                   <a:pt x="0" y="0"/>
                 </a:moveTo>
@@ -320,23 +338,25 @@
             </a:pathLst>
           </a:custGeom>
           <a:noFill/>
-          <a:ln cap="flat" cmpd="sng" w="9525">
+          <a:ln w="9525" cap="flat" cmpd="sng">
             <a:solidFill>
               <a:srgbClr val="000000"/>
             </a:solidFill>
             <a:prstDash val="solid"/>
             <a:round/>
-            <a:headEnd len="sm" w="sm" type="none"/>
-            <a:tailEnd len="sm" w="sm" type="none"/>
+            <a:headEnd type="none" w="sm" len="sm"/>
+            <a:tailEnd type="none" w="sm" len="sm"/>
           </a:ln>
         </p:spPr>
       </p:sp>
       <p:sp>
         <p:nvSpPr>
           <p:cNvPr id="4" name="Google Shape;4;n"/>
-          <p:cNvSpPr txBox="1"/>
+          <p:cNvSpPr txBox="1">
+            <a:spLocks noGrp="1"/>
+          </p:cNvSpPr>
           <p:nvPr>
-            <p:ph idx="1" type="body"/>
+            <p:ph type="body" idx="1"/>
           </p:nvPr>
         </p:nvSpPr>
         <p:spPr>
@@ -353,11 +373,11 @@
           </a:ln>
         </p:spPr>
         <p:txBody>
-          <a:bodyPr anchorCtr="0" anchor="t" bIns="91425" lIns="91425" spcFirstLastPara="1" rIns="91425" wrap="square" tIns="91425">
+          <a:bodyPr spcFirstLastPara="1" wrap="square" lIns="91425" tIns="91425" rIns="91425" bIns="91425" anchor="t" anchorCtr="0">
             <a:noAutofit/>
           </a:bodyPr>
           <a:lstStyle>
-            <a:lvl1pPr indent="-298450" lvl="0" marL="457200">
+            <a:lvl1pPr marL="457200" lvl="0" indent="-298450">
               <a:spcBef>
                 <a:spcPts val="0"/>
               </a:spcBef>
@@ -368,7 +388,7 @@
               <a:buChar char="●"/>
               <a:defRPr sz="1100"/>
             </a:lvl1pPr>
-            <a:lvl2pPr indent="-298450" lvl="1" marL="914400">
+            <a:lvl2pPr marL="914400" lvl="1" indent="-298450">
               <a:spcBef>
                 <a:spcPts val="0"/>
               </a:spcBef>
@@ -379,7 +399,7 @@
               <a:buChar char="○"/>
               <a:defRPr sz="1100"/>
             </a:lvl2pPr>
-            <a:lvl3pPr indent="-298450" lvl="2" marL="1371600">
+            <a:lvl3pPr marL="1371600" lvl="2" indent="-298450">
               <a:spcBef>
                 <a:spcPts val="0"/>
               </a:spcBef>
@@ -390,7 +410,7 @@
               <a:buChar char="■"/>
               <a:defRPr sz="1100"/>
             </a:lvl3pPr>
-            <a:lvl4pPr indent="-298450" lvl="3" marL="1828800">
+            <a:lvl4pPr marL="1828800" lvl="3" indent="-298450">
               <a:spcBef>
                 <a:spcPts val="0"/>
               </a:spcBef>
@@ -401,7 +421,7 @@
               <a:buChar char="●"/>
               <a:defRPr sz="1100"/>
             </a:lvl4pPr>
-            <a:lvl5pPr indent="-298450" lvl="4" marL="2286000">
+            <a:lvl5pPr marL="2286000" lvl="4" indent="-298450">
               <a:spcBef>
                 <a:spcPts val="0"/>
               </a:spcBef>
@@ -412,7 +432,7 @@
               <a:buChar char="○"/>
               <a:defRPr sz="1100"/>
             </a:lvl5pPr>
-            <a:lvl6pPr indent="-298450" lvl="5" marL="2743200">
+            <a:lvl6pPr marL="2743200" lvl="5" indent="-298450">
               <a:spcBef>
                 <a:spcPts val="0"/>
               </a:spcBef>
@@ -423,7 +443,7 @@
               <a:buChar char="■"/>
               <a:defRPr sz="1100"/>
             </a:lvl6pPr>
-            <a:lvl7pPr indent="-298450" lvl="6" marL="3200400">
+            <a:lvl7pPr marL="3200400" lvl="6" indent="-298450">
               <a:spcBef>
                 <a:spcPts val="0"/>
               </a:spcBef>
@@ -434,7 +454,7 @@
               <a:buChar char="●"/>
               <a:defRPr sz="1100"/>
             </a:lvl7pPr>
-            <a:lvl8pPr indent="-298450" lvl="7" marL="3657600">
+            <a:lvl8pPr marL="3657600" lvl="7" indent="-298450">
               <a:spcBef>
                 <a:spcPts val="0"/>
               </a:spcBef>
@@ -445,7 +465,7 @@
               <a:buChar char="○"/>
               <a:defRPr sz="1100"/>
             </a:lvl8pPr>
-            <a:lvl9pPr indent="-298450" lvl="8" marL="4114800">
+            <a:lvl9pPr marL="4114800" lvl="8" indent="-298450">
               <a:spcBef>
                 <a:spcPts val="0"/>
               </a:spcBef>
@@ -457,14 +477,16 @@
               <a:defRPr sz="1100"/>
             </a:lvl9pPr>
           </a:lstStyle>
-          <a:p/>
+          <a:p>
+            <a:endParaRPr/>
+          </a:p>
         </p:txBody>
       </p:sp>
     </p:spTree>
   </p:cSld>
-  <p:clrMap accent1="accent1" accent2="accent2" accent3="accent3" accent4="accent4" accent5="accent5" accent6="accent6" bg1="lt1" bg2="dk2" tx1="dk1" tx2="lt2" folHlink="folHlink" hlink="hlink"/>
+  <p:clrMap bg1="lt1" tx1="dk1" bg2="dk2" tx2="lt2" accent1="accent1" accent2="accent2" accent3="accent3" accent4="accent4" accent5="accent5" accent6="accent6" hlink="hlink" folHlink="folHlink"/>
   <p:notesStyle>
-    <a:defPPr lvl="0" marR="0" rtl="0" algn="l">
+    <a:defPPr marR="0" lvl="0" algn="l" rtl="0">
       <a:lnSpc>
         <a:spcPct val="100000"/>
       </a:lnSpc>
@@ -475,7 +497,7 @@
         <a:spcPts val="0"/>
       </a:spcAft>
     </a:defPPr>
-    <a:lvl1pPr lvl="0" marR="0" rtl="0" algn="l">
+    <a:lvl1pPr marR="0" lvl="0" algn="l" rtl="0">
       <a:lnSpc>
         <a:spcPct val="100000"/>
       </a:lnSpc>
@@ -489,7 +511,7 @@
         <a:srgbClr val="000000"/>
       </a:buClr>
       <a:buFont typeface="Arial"/>
-      <a:defRPr b="0" i="0" sz="1400" u="none" cap="none" strike="noStrike">
+      <a:defRPr sz="1400" b="0" i="0" u="none" strike="noStrike" cap="none">
         <a:solidFill>
           <a:srgbClr val="000000"/>
         </a:solidFill>
@@ -499,7 +521,7 @@
         <a:sym typeface="Arial"/>
       </a:defRPr>
     </a:lvl1pPr>
-    <a:lvl2pPr lvl="1" marR="0" rtl="0" algn="l">
+    <a:lvl2pPr marR="0" lvl="1" algn="l" rtl="0">
       <a:lnSpc>
         <a:spcPct val="100000"/>
       </a:lnSpc>
@@ -513,7 +535,7 @@
         <a:srgbClr val="000000"/>
       </a:buClr>
       <a:buFont typeface="Arial"/>
-      <a:defRPr b="0" i="0" sz="1400" u="none" cap="none" strike="noStrike">
+      <a:defRPr sz="1400" b="0" i="0" u="none" strike="noStrike" cap="none">
         <a:solidFill>
           <a:srgbClr val="000000"/>
         </a:solidFill>
@@ -523,7 +545,7 @@
         <a:sym typeface="Arial"/>
       </a:defRPr>
     </a:lvl2pPr>
-    <a:lvl3pPr lvl="2" marR="0" rtl="0" algn="l">
+    <a:lvl3pPr marR="0" lvl="2" algn="l" rtl="0">
       <a:lnSpc>
         <a:spcPct val="100000"/>
       </a:lnSpc>
@@ -537,7 +559,7 @@
         <a:srgbClr val="000000"/>
       </a:buClr>
       <a:buFont typeface="Arial"/>
-      <a:defRPr b="0" i="0" sz="1400" u="none" cap="none" strike="noStrike">
+      <a:defRPr sz="1400" b="0" i="0" u="none" strike="noStrike" cap="none">
         <a:solidFill>
           <a:srgbClr val="000000"/>
         </a:solidFill>
@@ -547,7 +569,7 @@
         <a:sym typeface="Arial"/>
       </a:defRPr>
     </a:lvl3pPr>
-    <a:lvl4pPr lvl="3" marR="0" rtl="0" algn="l">
+    <a:lvl4pPr marR="0" lvl="3" algn="l" rtl="0">
       <a:lnSpc>
         <a:spcPct val="100000"/>
       </a:lnSpc>
@@ -561,7 +583,7 @@
         <a:srgbClr val="000000"/>
       </a:buClr>
       <a:buFont typeface="Arial"/>
-      <a:defRPr b="0" i="0" sz="1400" u="none" cap="none" strike="noStrike">
+      <a:defRPr sz="1400" b="0" i="0" u="none" strike="noStrike" cap="none">
         <a:solidFill>
           <a:srgbClr val="000000"/>
         </a:solidFill>
@@ -571,7 +593,7 @@
         <a:sym typeface="Arial"/>
       </a:defRPr>
     </a:lvl4pPr>
-    <a:lvl5pPr lvl="4" marR="0" rtl="0" algn="l">
+    <a:lvl5pPr marR="0" lvl="4" algn="l" rtl="0">
       <a:lnSpc>
         <a:spcPct val="100000"/>
       </a:lnSpc>
@@ -585,7 +607,7 @@
         <a:srgbClr val="000000"/>
       </a:buClr>
       <a:buFont typeface="Arial"/>
-      <a:defRPr b="0" i="0" sz="1400" u="none" cap="none" strike="noStrike">
+      <a:defRPr sz="1400" b="0" i="0" u="none" strike="noStrike" cap="none">
         <a:solidFill>
           <a:srgbClr val="000000"/>
         </a:solidFill>
@@ -595,7 +617,7 @@
         <a:sym typeface="Arial"/>
       </a:defRPr>
     </a:lvl5pPr>
-    <a:lvl6pPr lvl="5" marR="0" rtl="0" algn="l">
+    <a:lvl6pPr marR="0" lvl="5" algn="l" rtl="0">
       <a:lnSpc>
         <a:spcPct val="100000"/>
       </a:lnSpc>
@@ -609,7 +631,7 @@
         <a:srgbClr val="000000"/>
       </a:buClr>
       <a:buFont typeface="Arial"/>
-      <a:defRPr b="0" i="0" sz="1400" u="none" cap="none" strike="noStrike">
+      <a:defRPr sz="1400" b="0" i="0" u="none" strike="noStrike" cap="none">
         <a:solidFill>
           <a:srgbClr val="000000"/>
         </a:solidFill>
@@ -619,7 +641,7 @@
         <a:sym typeface="Arial"/>
       </a:defRPr>
     </a:lvl6pPr>
-    <a:lvl7pPr lvl="6" marR="0" rtl="0" algn="l">
+    <a:lvl7pPr marR="0" lvl="6" algn="l" rtl="0">
       <a:lnSpc>
         <a:spcPct val="100000"/>
       </a:lnSpc>
@@ -633,7 +655,7 @@
         <a:srgbClr val="000000"/>
       </a:buClr>
       <a:buFont typeface="Arial"/>
-      <a:defRPr b="0" i="0" sz="1400" u="none" cap="none" strike="noStrike">
+      <a:defRPr sz="1400" b="0" i="0" u="none" strike="noStrike" cap="none">
         <a:solidFill>
           <a:srgbClr val="000000"/>
         </a:solidFill>
@@ -643,7 +665,7 @@
         <a:sym typeface="Arial"/>
       </a:defRPr>
     </a:lvl7pPr>
-    <a:lvl8pPr lvl="7" marR="0" rtl="0" algn="l">
+    <a:lvl8pPr marR="0" lvl="7" algn="l" rtl="0">
       <a:lnSpc>
         <a:spcPct val="100000"/>
       </a:lnSpc>
@@ -657,7 +679,7 @@
         <a:srgbClr val="000000"/>
       </a:buClr>
       <a:buFont typeface="Arial"/>
-      <a:defRPr b="0" i="0" sz="1400" u="none" cap="none" strike="noStrike">
+      <a:defRPr sz="1400" b="0" i="0" u="none" strike="noStrike" cap="none">
         <a:solidFill>
           <a:srgbClr val="000000"/>
         </a:solidFill>
@@ -667,7 +689,7 @@
         <a:sym typeface="Arial"/>
       </a:defRPr>
     </a:lvl8pPr>
-    <a:lvl9pPr lvl="8" marR="0" rtl="0" algn="l">
+    <a:lvl9pPr marR="0" lvl="8" algn="l" rtl="0">
       <a:lnSpc>
         <a:spcPct val="100000"/>
       </a:lnSpc>
@@ -681,7 +703,7 @@
         <a:srgbClr val="000000"/>
       </a:buClr>
       <a:buFont typeface="Arial"/>
-      <a:defRPr b="0" i="0" sz="1400" u="none" cap="none" strike="noStrike">
+      <a:defRPr sz="1400" b="0" i="0" u="none" strike="noStrike" cap="none">
         <a:solidFill>
           <a:srgbClr val="000000"/>
         </a:solidFill>
@@ -696,11 +718,11 @@
 </file>
 
 <file path=ppt/notesSlides/notesSlide1.xml><?xml version="1.0" encoding="utf-8"?>
-<p:notes xmlns:a="http://schemas.openxmlformats.org/drawingml/2006/main" xmlns:r="http://schemas.openxmlformats.org/officeDocument/2006/relationships" xmlns:mc="http://schemas.openxmlformats.org/markup-compatibility/2006" xmlns:mv="urn:schemas-microsoft-com:mac:vml" xmlns:p="http://schemas.openxmlformats.org/presentationml/2006/main" xmlns:c="http://schemas.openxmlformats.org/drawingml/2006/chart" xmlns:dgm="http://schemas.openxmlformats.org/drawingml/2006/diagram" xmlns:o="urn:schemas-microsoft-com:office:office" xmlns:v="urn:schemas-microsoft-com:vml" xmlns:pvml="urn:schemas-microsoft-com:office:powerpoint" xmlns:com="http://schemas.openxmlformats.org/drawingml/2006/compatibility" xmlns:p14="http://schemas.microsoft.com/office/powerpoint/2010/main" xmlns:p15="http://schemas.microsoft.com/office/powerpoint/2012/main" xmlns:ahyp="http://schemas.microsoft.com/office/drawing/2018/hyperlinkcolor" showMasterPhAnim="0" showMasterSp="0">
+<p:notes xmlns:a="http://schemas.openxmlformats.org/drawingml/2006/main" xmlns:r="http://schemas.openxmlformats.org/officeDocument/2006/relationships" xmlns:p="http://schemas.openxmlformats.org/presentationml/2006/main" showMasterSp="0" showMasterPhAnim="0">
   <p:cSld>
     <p:spTree>
       <p:nvGrpSpPr>
-        <p:cNvPr id="124" name="Shape 124"/>
+        <p:cNvPr id="1" name="Shape 124"/>
         <p:cNvGrpSpPr/>
         <p:nvPr/>
       </p:nvGrpSpPr>
@@ -715,20 +737,26 @@
       <p:sp>
         <p:nvSpPr>
           <p:cNvPr id="125" name="Google Shape;125;p:notes"/>
-          <p:cNvSpPr/>
+          <p:cNvSpPr>
+            <a:spLocks noGrp="1" noRot="1" noChangeAspect="1"/>
+          </p:cNvSpPr>
           <p:nvPr>
-            <p:ph idx="2" type="sldImg"/>
+            <p:ph type="sldImg" idx="2"/>
           </p:nvPr>
         </p:nvSpPr>
         <p:spPr>
           <a:xfrm>
-            <a:off x="381300" y="685800"/>
-            <a:ext cx="6096075" cy="3429000"/>
+            <a:off x="381000" y="685800"/>
+            <a:ext cx="6096000" cy="3429000"/>
           </a:xfrm>
           <a:custGeom>
-            <a:rect b="b" l="l" r="r" t="t"/>
+            <a:avLst/>
+            <a:gdLst/>
+            <a:ahLst/>
+            <a:cxnLst/>
+            <a:rect l="l" t="t" r="r" b="b"/>
             <a:pathLst>
-              <a:path extrusionOk="0" h="120000" w="120000">
+              <a:path w="120000" h="120000" extrusionOk="0">
                 <a:moveTo>
                   <a:pt x="0" y="0"/>
                 </a:moveTo>
@@ -750,9 +778,11 @@
       <p:sp>
         <p:nvSpPr>
           <p:cNvPr id="126" name="Google Shape;126;p:notes"/>
-          <p:cNvSpPr txBox="1"/>
+          <p:cNvSpPr txBox="1">
+            <a:spLocks noGrp="1"/>
+          </p:cNvSpPr>
           <p:nvPr>
-            <p:ph idx="1" type="body"/>
+            <p:ph type="body" idx="1"/>
           </p:nvPr>
         </p:nvSpPr>
         <p:spPr>
@@ -765,12 +795,12 @@
           </a:prstGeom>
         </p:spPr>
         <p:txBody>
-          <a:bodyPr anchorCtr="0" anchor="t" bIns="91425" lIns="91425" spcFirstLastPara="1" rIns="91425" wrap="square" tIns="91425">
+          <a:bodyPr spcFirstLastPara="1" wrap="square" lIns="91425" tIns="91425" rIns="91425" bIns="91425" anchor="t" anchorCtr="0">
             <a:noAutofit/>
           </a:bodyPr>
           <a:lstStyle/>
           <a:p>
-            <a:pPr indent="0" lvl="0" marL="0" rtl="0" algn="l">
+            <a:pPr marL="0" lvl="0" indent="0" algn="l" rtl="0">
               <a:spcBef>
                 <a:spcPts val="0"/>
               </a:spcBef>
@@ -779,9 +809,6 @@
               </a:spcAft>
               <a:buNone/>
             </a:pPr>
-            <a:r>
-              <a:t/>
-            </a:r>
             <a:endParaRPr/>
           </a:p>
         </p:txBody>
@@ -795,18 +822,19 @@
 </file>
 
 <file path=ppt/slideLayouts/slideLayout1.xml><?xml version="1.0" encoding="utf-8"?>
-<p:sldLayout xmlns:a="http://schemas.openxmlformats.org/drawingml/2006/main" xmlns:r="http://schemas.openxmlformats.org/officeDocument/2006/relationships" xmlns:mc="http://schemas.openxmlformats.org/markup-compatibility/2006" xmlns:mv="urn:schemas-microsoft-com:mac:vml" xmlns:p="http://schemas.openxmlformats.org/presentationml/2006/main" xmlns:c="http://schemas.openxmlformats.org/drawingml/2006/chart" xmlns:dgm="http://schemas.openxmlformats.org/drawingml/2006/diagram" xmlns:o="urn:schemas-microsoft-com:office:office" xmlns:v="urn:schemas-microsoft-com:vml" xmlns:pvml="urn:schemas-microsoft-com:office:powerpoint" xmlns:com="http://schemas.openxmlformats.org/drawingml/2006/compatibility" xmlns:p14="http://schemas.microsoft.com/office/powerpoint/2010/main" xmlns:p15="http://schemas.microsoft.com/office/powerpoint/2012/main" xmlns:ahyp="http://schemas.microsoft.com/office/drawing/2018/hyperlinkcolor" matchingName="Title slide" type="title">
+<p:sldLayout xmlns:a="http://schemas.openxmlformats.org/drawingml/2006/main" xmlns:r="http://schemas.openxmlformats.org/officeDocument/2006/relationships" xmlns:p="http://schemas.openxmlformats.org/presentationml/2006/main" matchingName="Title slide" type="title">
   <p:cSld name="TITLE">
     <p:bg>
       <p:bgPr>
         <a:solidFill>
           <a:schemeClr val="accent6"/>
         </a:solidFill>
+        <a:effectLst/>
       </p:bgPr>
     </p:bg>
     <p:spTree>
       <p:nvGrpSpPr>
-        <p:cNvPr id="9" name="Shape 9"/>
+        <p:cNvPr id="1" name="Shape 9"/>
         <p:cNvGrpSpPr/>
         <p:nvPr/>
       </p:nvGrpSpPr>
@@ -840,12 +868,12 @@
           </a:ln>
         </p:spPr>
         <p:txBody>
-          <a:bodyPr anchorCtr="0" anchor="ctr" bIns="91425" lIns="91425" spcFirstLastPara="1" rIns="91425" wrap="square" tIns="91425">
+          <a:bodyPr spcFirstLastPara="1" wrap="square" lIns="91425" tIns="91425" rIns="91425" bIns="91425" anchor="ctr" anchorCtr="0">
             <a:noAutofit/>
           </a:bodyPr>
           <a:lstStyle/>
           <a:p>
-            <a:pPr indent="0" lvl="0" marL="0" rtl="0" algn="l">
+            <a:pPr marL="0" lvl="0" indent="0" algn="l" rtl="0">
               <a:spcBef>
                 <a:spcPts val="0"/>
               </a:spcBef>
@@ -854,9 +882,6 @@
               </a:spcAft>
               <a:buNone/>
             </a:pPr>
-            <a:r>
-              <a:t/>
-            </a:r>
             <a:endParaRPr/>
           </a:p>
         </p:txBody>
@@ -883,12 +908,12 @@
           </a:ln>
         </p:spPr>
         <p:txBody>
-          <a:bodyPr anchorCtr="0" anchor="ctr" bIns="91425" lIns="91425" spcFirstLastPara="1" rIns="91425" wrap="square" tIns="91425">
+          <a:bodyPr spcFirstLastPara="1" wrap="square" lIns="91425" tIns="91425" rIns="91425" bIns="91425" anchor="ctr" anchorCtr="0">
             <a:noAutofit/>
           </a:bodyPr>
           <a:lstStyle/>
           <a:p>
-            <a:pPr indent="0" lvl="0" marL="0" rtl="0" algn="l">
+            <a:pPr marL="0" lvl="0" indent="0" algn="l" rtl="0">
               <a:spcBef>
                 <a:spcPts val="0"/>
               </a:spcBef>
@@ -897,9 +922,6 @@
               </a:spcAft>
               <a:buNone/>
             </a:pPr>
-            <a:r>
-              <a:t/>
-            </a:r>
             <a:endParaRPr/>
           </a:p>
         </p:txBody>
@@ -926,12 +948,12 @@
           </a:ln>
         </p:spPr>
         <p:txBody>
-          <a:bodyPr anchorCtr="0" anchor="ctr" bIns="91425" lIns="91425" spcFirstLastPara="1" rIns="91425" wrap="square" tIns="91425">
+          <a:bodyPr spcFirstLastPara="1" wrap="square" lIns="91425" tIns="91425" rIns="91425" bIns="91425" anchor="ctr" anchorCtr="0">
             <a:noAutofit/>
           </a:bodyPr>
           <a:lstStyle/>
           <a:p>
-            <a:pPr indent="0" lvl="0" marL="0" rtl="0" algn="l">
+            <a:pPr marL="0" lvl="0" indent="0" algn="l" rtl="0">
               <a:spcBef>
                 <a:spcPts val="0"/>
               </a:spcBef>
@@ -940,9 +962,6 @@
               </a:spcAft>
               <a:buNone/>
             </a:pPr>
-            <a:r>
-              <a:t/>
-            </a:r>
             <a:endParaRPr/>
           </a:p>
         </p:txBody>
@@ -968,7 +987,7 @@
             <a:noFill/>
           </a:ln>
           <a:effectLst>
-            <a:outerShdw blurRad="228600" sx="101000" rotWithShape="0" algn="ctr" sy="101000">
+            <a:outerShdw blurRad="228600" sx="101000" sy="101000" algn="ctr" rotWithShape="0">
               <a:srgbClr val="000000">
                 <a:alpha val="40000"/>
               </a:srgbClr>
@@ -976,12 +995,12 @@
           </a:effectLst>
         </p:spPr>
         <p:txBody>
-          <a:bodyPr anchorCtr="0" anchor="ctr" bIns="91425" lIns="91425" spcFirstLastPara="1" rIns="91425" wrap="square" tIns="91425">
+          <a:bodyPr spcFirstLastPara="1" wrap="square" lIns="91425" tIns="91425" rIns="91425" bIns="91425" anchor="ctr" anchorCtr="0">
             <a:noAutofit/>
           </a:bodyPr>
           <a:lstStyle/>
           <a:p>
-            <a:pPr indent="0" lvl="0" marL="0" rtl="0" algn="l">
+            <a:pPr marL="0" lvl="0" indent="0" algn="l" rtl="0">
               <a:spcBef>
                 <a:spcPts val="0"/>
               </a:spcBef>
@@ -990,9 +1009,6 @@
               </a:spcAft>
               <a:buNone/>
             </a:pPr>
-            <a:r>
-              <a:t/>
-            </a:r>
             <a:endParaRPr/>
           </a:p>
         </p:txBody>
@@ -1024,7 +1040,7 @@
             </a:xfrm>
             <a:prstGeom prst="parallelogram">
               <a:avLst>
-                <a:gd fmla="val 153193" name="adj"/>
+                <a:gd name="adj" fmla="val 153193"/>
               </a:avLst>
             </a:prstGeom>
             <a:solidFill>
@@ -1035,12 +1051,12 @@
             </a:ln>
           </p:spPr>
           <p:txBody>
-            <a:bodyPr anchorCtr="0" anchor="ctr" bIns="91425" lIns="91425" spcFirstLastPara="1" rIns="91425" wrap="square" tIns="91425">
+            <a:bodyPr spcFirstLastPara="1" wrap="square" lIns="91425" tIns="91425" rIns="91425" bIns="91425" anchor="ctr" anchorCtr="0">
               <a:noAutofit/>
             </a:bodyPr>
             <a:lstStyle/>
             <a:p>
-              <a:pPr indent="0" lvl="0" marL="0" rtl="0" algn="l">
+              <a:pPr marL="0" lvl="0" indent="0" algn="l" rtl="0">
                 <a:spcBef>
                   <a:spcPts val="0"/>
                 </a:spcBef>
@@ -1049,9 +1065,6 @@
                 </a:spcAft>
                 <a:buNone/>
               </a:pPr>
-              <a:r>
-                <a:t/>
-              </a:r>
               <a:endParaRPr/>
             </a:p>
           </p:txBody>
@@ -1069,7 +1082,7 @@
             </a:xfrm>
             <a:prstGeom prst="parallelogram">
               <a:avLst>
-                <a:gd fmla="val 153193" name="adj"/>
+                <a:gd name="adj" fmla="val 153193"/>
               </a:avLst>
             </a:prstGeom>
             <a:solidFill>
@@ -1080,12 +1093,12 @@
             </a:ln>
           </p:spPr>
           <p:txBody>
-            <a:bodyPr anchorCtr="0" anchor="ctr" bIns="91425" lIns="91425" spcFirstLastPara="1" rIns="91425" wrap="square" tIns="91425">
+            <a:bodyPr spcFirstLastPara="1" wrap="square" lIns="91425" tIns="91425" rIns="91425" bIns="91425" anchor="ctr" anchorCtr="0">
               <a:noAutofit/>
             </a:bodyPr>
             <a:lstStyle/>
             <a:p>
-              <a:pPr indent="0" lvl="0" marL="0" rtl="0" algn="l">
+              <a:pPr marL="0" lvl="0" indent="0" algn="l" rtl="0">
                 <a:spcBef>
                   <a:spcPts val="0"/>
                 </a:spcBef>
@@ -1094,9 +1107,6 @@
                 </a:spcAft>
                 <a:buNone/>
               </a:pPr>
-              <a:r>
-                <a:t/>
-              </a:r>
               <a:endParaRPr/>
             </a:p>
           </p:txBody>
@@ -1114,7 +1124,7 @@
             </a:xfrm>
             <a:prstGeom prst="parallelogram">
               <a:avLst>
-                <a:gd fmla="val 153193" name="adj"/>
+                <a:gd name="adj" fmla="val 153193"/>
               </a:avLst>
             </a:prstGeom>
             <a:solidFill>
@@ -1125,12 +1135,12 @@
             </a:ln>
           </p:spPr>
           <p:txBody>
-            <a:bodyPr anchorCtr="0" anchor="ctr" bIns="91425" lIns="91425" spcFirstLastPara="1" rIns="91425" wrap="square" tIns="91425">
+            <a:bodyPr spcFirstLastPara="1" wrap="square" lIns="91425" tIns="91425" rIns="91425" bIns="91425" anchor="ctr" anchorCtr="0">
               <a:noAutofit/>
             </a:bodyPr>
             <a:lstStyle/>
             <a:p>
-              <a:pPr indent="0" lvl="0" marL="0" rtl="0" algn="l">
+              <a:pPr marL="0" lvl="0" indent="0" algn="l" rtl="0">
                 <a:spcBef>
                   <a:spcPts val="0"/>
                 </a:spcBef>
@@ -1139,9 +1149,6 @@
                 </a:spcAft>
                 <a:buNone/>
               </a:pPr>
-              <a:r>
-                <a:t/>
-              </a:r>
               <a:endParaRPr/>
             </a:p>
           </p:txBody>
@@ -1174,7 +1181,7 @@
             </a:xfrm>
             <a:prstGeom prst="parallelogram">
               <a:avLst>
-                <a:gd fmla="val 153193" name="adj"/>
+                <a:gd name="adj" fmla="val 153193"/>
               </a:avLst>
             </a:prstGeom>
             <a:solidFill>
@@ -1185,12 +1192,12 @@
             </a:ln>
           </p:spPr>
           <p:txBody>
-            <a:bodyPr anchorCtr="0" anchor="ctr" bIns="91425" lIns="91425" spcFirstLastPara="1" rIns="91425" wrap="square" tIns="91425">
+            <a:bodyPr spcFirstLastPara="1" wrap="square" lIns="91425" tIns="91425" rIns="91425" bIns="91425" anchor="ctr" anchorCtr="0">
               <a:noAutofit/>
             </a:bodyPr>
             <a:lstStyle/>
             <a:p>
-              <a:pPr indent="0" lvl="0" marL="0" rtl="0" algn="l">
+              <a:pPr marL="0" lvl="0" indent="0" algn="l" rtl="0">
                 <a:spcBef>
                   <a:spcPts val="0"/>
                 </a:spcBef>
@@ -1199,9 +1206,6 @@
                 </a:spcAft>
                 <a:buNone/>
               </a:pPr>
-              <a:r>
-                <a:t/>
-              </a:r>
               <a:endParaRPr/>
             </a:p>
           </p:txBody>
@@ -1219,7 +1223,7 @@
             </a:xfrm>
             <a:prstGeom prst="parallelogram">
               <a:avLst>
-                <a:gd fmla="val 153193" name="adj"/>
+                <a:gd name="adj" fmla="val 153193"/>
               </a:avLst>
             </a:prstGeom>
             <a:solidFill>
@@ -1230,12 +1234,12 @@
             </a:ln>
           </p:spPr>
           <p:txBody>
-            <a:bodyPr anchorCtr="0" anchor="ctr" bIns="91425" lIns="91425" spcFirstLastPara="1" rIns="91425" wrap="square" tIns="91425">
+            <a:bodyPr spcFirstLastPara="1" wrap="square" lIns="91425" tIns="91425" rIns="91425" bIns="91425" anchor="ctr" anchorCtr="0">
               <a:noAutofit/>
             </a:bodyPr>
             <a:lstStyle/>
             <a:p>
-              <a:pPr indent="0" lvl="0" marL="0" rtl="0" algn="l">
+              <a:pPr marL="0" lvl="0" indent="0" algn="l" rtl="0">
                 <a:spcBef>
                   <a:spcPts val="0"/>
                 </a:spcBef>
@@ -1244,9 +1248,6 @@
                 </a:spcAft>
                 <a:buNone/>
               </a:pPr>
-              <a:r>
-                <a:t/>
-              </a:r>
               <a:endParaRPr/>
             </a:p>
           </p:txBody>
@@ -1264,7 +1265,7 @@
             </a:xfrm>
             <a:prstGeom prst="parallelogram">
               <a:avLst>
-                <a:gd fmla="val 153193" name="adj"/>
+                <a:gd name="adj" fmla="val 153193"/>
               </a:avLst>
             </a:prstGeom>
             <a:solidFill>
@@ -1275,12 +1276,12 @@
             </a:ln>
           </p:spPr>
           <p:txBody>
-            <a:bodyPr anchorCtr="0" anchor="ctr" bIns="91425" lIns="91425" spcFirstLastPara="1" rIns="91425" wrap="square" tIns="91425">
+            <a:bodyPr spcFirstLastPara="1" wrap="square" lIns="91425" tIns="91425" rIns="91425" bIns="91425" anchor="ctr" anchorCtr="0">
               <a:noAutofit/>
             </a:bodyPr>
             <a:lstStyle/>
             <a:p>
-              <a:pPr indent="0" lvl="0" marL="0" rtl="0" algn="l">
+              <a:pPr marL="0" lvl="0" indent="0" algn="l" rtl="0">
                 <a:spcBef>
                   <a:spcPts val="0"/>
                 </a:spcBef>
@@ -1289,9 +1290,6 @@
                 </a:spcAft>
                 <a:buNone/>
               </a:pPr>
-              <a:r>
-                <a:t/>
-              </a:r>
               <a:endParaRPr/>
             </a:p>
           </p:txBody>
@@ -1324,7 +1322,7 @@
             </a:xfrm>
             <a:prstGeom prst="parallelogram">
               <a:avLst>
-                <a:gd fmla="val 158024" name="adj"/>
+                <a:gd name="adj" fmla="val 158024"/>
               </a:avLst>
             </a:prstGeom>
             <a:solidFill>
@@ -1335,12 +1333,12 @@
             </a:ln>
           </p:spPr>
           <p:txBody>
-            <a:bodyPr anchorCtr="0" anchor="ctr" bIns="91425" lIns="91425" spcFirstLastPara="1" rIns="91425" wrap="square" tIns="91425">
+            <a:bodyPr spcFirstLastPara="1" wrap="square" lIns="91425" tIns="91425" rIns="91425" bIns="91425" anchor="ctr" anchorCtr="0">
               <a:noAutofit/>
             </a:bodyPr>
             <a:lstStyle/>
             <a:p>
-              <a:pPr indent="0" lvl="0" marL="0" rtl="0" algn="l">
+              <a:pPr marL="0" lvl="0" indent="0" algn="l" rtl="0">
                 <a:spcBef>
                   <a:spcPts val="0"/>
                 </a:spcBef>
@@ -1349,9 +1347,6 @@
                 </a:spcAft>
                 <a:buNone/>
               </a:pPr>
-              <a:r>
-                <a:t/>
-              </a:r>
               <a:endParaRPr/>
             </a:p>
           </p:txBody>
@@ -1369,7 +1364,7 @@
             </a:xfrm>
             <a:prstGeom prst="parallelogram">
               <a:avLst>
-                <a:gd fmla="val 158024" name="adj"/>
+                <a:gd name="adj" fmla="val 158024"/>
               </a:avLst>
             </a:prstGeom>
             <a:solidFill>
@@ -1380,12 +1375,12 @@
             </a:ln>
           </p:spPr>
           <p:txBody>
-            <a:bodyPr anchorCtr="0" anchor="ctr" bIns="91425" lIns="91425" spcFirstLastPara="1" rIns="91425" wrap="square" tIns="91425">
+            <a:bodyPr spcFirstLastPara="1" wrap="square" lIns="91425" tIns="91425" rIns="91425" bIns="91425" anchor="ctr" anchorCtr="0">
               <a:noAutofit/>
             </a:bodyPr>
             <a:lstStyle/>
             <a:p>
-              <a:pPr indent="0" lvl="0" marL="0" rtl="0" algn="l">
+              <a:pPr marL="0" lvl="0" indent="0" algn="l" rtl="0">
                 <a:spcBef>
                   <a:spcPts val="0"/>
                 </a:spcBef>
@@ -1394,9 +1389,6 @@
                 </a:spcAft>
                 <a:buNone/>
               </a:pPr>
-              <a:r>
-                <a:t/>
-              </a:r>
               <a:endParaRPr/>
             </a:p>
           </p:txBody>
@@ -1414,7 +1406,7 @@
             </a:xfrm>
             <a:prstGeom prst="parallelogram">
               <a:avLst>
-                <a:gd fmla="val 158024" name="adj"/>
+                <a:gd name="adj" fmla="val 158024"/>
               </a:avLst>
             </a:prstGeom>
             <a:solidFill>
@@ -1425,12 +1417,12 @@
             </a:ln>
           </p:spPr>
           <p:txBody>
-            <a:bodyPr anchorCtr="0" anchor="ctr" bIns="91425" lIns="91425" spcFirstLastPara="1" rIns="91425" wrap="square" tIns="91425">
+            <a:bodyPr spcFirstLastPara="1" wrap="square" lIns="91425" tIns="91425" rIns="91425" bIns="91425" anchor="ctr" anchorCtr="0">
               <a:noAutofit/>
             </a:bodyPr>
             <a:lstStyle/>
             <a:p>
-              <a:pPr indent="0" lvl="0" marL="0" rtl="0" algn="l">
+              <a:pPr marL="0" lvl="0" indent="0" algn="l" rtl="0">
                 <a:spcBef>
                   <a:spcPts val="0"/>
                 </a:spcBef>
@@ -1439,9 +1431,6 @@
                 </a:spcAft>
                 <a:buNone/>
               </a:pPr>
-              <a:r>
-                <a:t/>
-              </a:r>
               <a:endParaRPr/>
             </a:p>
           </p:txBody>
@@ -1474,7 +1463,7 @@
             </a:xfrm>
             <a:prstGeom prst="parallelogram">
               <a:avLst>
-                <a:gd fmla="val 158024" name="adj"/>
+                <a:gd name="adj" fmla="val 158024"/>
               </a:avLst>
             </a:prstGeom>
             <a:solidFill>
@@ -1485,12 +1474,12 @@
             </a:ln>
           </p:spPr>
           <p:txBody>
-            <a:bodyPr anchorCtr="0" anchor="ctr" bIns="91425" lIns="91425" spcFirstLastPara="1" rIns="91425" wrap="square" tIns="91425">
+            <a:bodyPr spcFirstLastPara="1" wrap="square" lIns="91425" tIns="91425" rIns="91425" bIns="91425" anchor="ctr" anchorCtr="0">
               <a:noAutofit/>
             </a:bodyPr>
             <a:lstStyle/>
             <a:p>
-              <a:pPr indent="0" lvl="0" marL="0" rtl="0" algn="l">
+              <a:pPr marL="0" lvl="0" indent="0" algn="l" rtl="0">
                 <a:spcBef>
                   <a:spcPts val="0"/>
                 </a:spcBef>
@@ -1499,9 +1488,6 @@
                 </a:spcAft>
                 <a:buNone/>
               </a:pPr>
-              <a:r>
-                <a:t/>
-              </a:r>
               <a:endParaRPr/>
             </a:p>
           </p:txBody>
@@ -1519,7 +1505,7 @@
             </a:xfrm>
             <a:prstGeom prst="parallelogram">
               <a:avLst>
-                <a:gd fmla="val 158024" name="adj"/>
+                <a:gd name="adj" fmla="val 158024"/>
               </a:avLst>
             </a:prstGeom>
             <a:solidFill>
@@ -1530,12 +1516,12 @@
             </a:ln>
           </p:spPr>
           <p:txBody>
-            <a:bodyPr anchorCtr="0" anchor="ctr" bIns="91425" lIns="91425" spcFirstLastPara="1" rIns="91425" wrap="square" tIns="91425">
+            <a:bodyPr spcFirstLastPara="1" wrap="square" lIns="91425" tIns="91425" rIns="91425" bIns="91425" anchor="ctr" anchorCtr="0">
               <a:noAutofit/>
             </a:bodyPr>
             <a:lstStyle/>
             <a:p>
-              <a:pPr indent="0" lvl="0" marL="0" rtl="0" algn="l">
+              <a:pPr marL="0" lvl="0" indent="0" algn="l" rtl="0">
                 <a:spcBef>
                   <a:spcPts val="0"/>
                 </a:spcBef>
@@ -1544,9 +1530,6 @@
                 </a:spcAft>
                 <a:buNone/>
               </a:pPr>
-              <a:r>
-                <a:t/>
-              </a:r>
               <a:endParaRPr/>
             </a:p>
           </p:txBody>
@@ -1564,7 +1547,7 @@
             </a:xfrm>
             <a:prstGeom prst="parallelogram">
               <a:avLst>
-                <a:gd fmla="val 158024" name="adj"/>
+                <a:gd name="adj" fmla="val 158024"/>
               </a:avLst>
             </a:prstGeom>
             <a:solidFill>
@@ -1575,12 +1558,12 @@
             </a:ln>
           </p:spPr>
           <p:txBody>
-            <a:bodyPr anchorCtr="0" anchor="ctr" bIns="91425" lIns="91425" spcFirstLastPara="1" rIns="91425" wrap="square" tIns="91425">
+            <a:bodyPr spcFirstLastPara="1" wrap="square" lIns="91425" tIns="91425" rIns="91425" bIns="91425" anchor="ctr" anchorCtr="0">
               <a:noAutofit/>
             </a:bodyPr>
             <a:lstStyle/>
             <a:p>
-              <a:pPr indent="0" lvl="0" marL="0" rtl="0" algn="l">
+              <a:pPr marL="0" lvl="0" indent="0" algn="l" rtl="0">
                 <a:spcBef>
                   <a:spcPts val="0"/>
                 </a:spcBef>
@@ -1589,9 +1572,6 @@
                 </a:spcAft>
                 <a:buNone/>
               </a:pPr>
-              <a:r>
-                <a:t/>
-              </a:r>
               <a:endParaRPr/>
             </a:p>
           </p:txBody>
@@ -1624,7 +1604,7 @@
             </a:xfrm>
             <a:prstGeom prst="parallelogram">
               <a:avLst>
-                <a:gd fmla="val 158024" name="adj"/>
+                <a:gd name="adj" fmla="val 158024"/>
               </a:avLst>
             </a:prstGeom>
             <a:solidFill>
@@ -1635,12 +1615,12 @@
             </a:ln>
           </p:spPr>
           <p:txBody>
-            <a:bodyPr anchorCtr="0" anchor="ctr" bIns="91425" lIns="91425" spcFirstLastPara="1" rIns="91425" wrap="square" tIns="91425">
+            <a:bodyPr spcFirstLastPara="1" wrap="square" lIns="91425" tIns="91425" rIns="91425" bIns="91425" anchor="ctr" anchorCtr="0">
               <a:noAutofit/>
             </a:bodyPr>
             <a:lstStyle/>
             <a:p>
-              <a:pPr indent="0" lvl="0" marL="0" rtl="0" algn="l">
+              <a:pPr marL="0" lvl="0" indent="0" algn="l" rtl="0">
                 <a:spcBef>
                   <a:spcPts val="0"/>
                 </a:spcBef>
@@ -1649,9 +1629,6 @@
                 </a:spcAft>
                 <a:buNone/>
               </a:pPr>
-              <a:r>
-                <a:t/>
-              </a:r>
               <a:endParaRPr/>
             </a:p>
           </p:txBody>
@@ -1669,7 +1646,7 @@
             </a:xfrm>
             <a:prstGeom prst="parallelogram">
               <a:avLst>
-                <a:gd fmla="val 158024" name="adj"/>
+                <a:gd name="adj" fmla="val 158024"/>
               </a:avLst>
             </a:prstGeom>
             <a:solidFill>
@@ -1680,12 +1657,12 @@
             </a:ln>
           </p:spPr>
           <p:txBody>
-            <a:bodyPr anchorCtr="0" anchor="ctr" bIns="91425" lIns="91425" spcFirstLastPara="1" rIns="91425" wrap="square" tIns="91425">
+            <a:bodyPr spcFirstLastPara="1" wrap="square" lIns="91425" tIns="91425" rIns="91425" bIns="91425" anchor="ctr" anchorCtr="0">
               <a:noAutofit/>
             </a:bodyPr>
             <a:lstStyle/>
             <a:p>
-              <a:pPr indent="0" lvl="0" marL="0" rtl="0" algn="l">
+              <a:pPr marL="0" lvl="0" indent="0" algn="l" rtl="0">
                 <a:spcBef>
                   <a:spcPts val="0"/>
                 </a:spcBef>
@@ -1694,9 +1671,6 @@
                 </a:spcAft>
                 <a:buNone/>
               </a:pPr>
-              <a:r>
-                <a:t/>
-              </a:r>
               <a:endParaRPr/>
             </a:p>
           </p:txBody>
@@ -1714,7 +1688,7 @@
             </a:xfrm>
             <a:prstGeom prst="parallelogram">
               <a:avLst>
-                <a:gd fmla="val 158024" name="adj"/>
+                <a:gd name="adj" fmla="val 158024"/>
               </a:avLst>
             </a:prstGeom>
             <a:solidFill>
@@ -1725,12 +1699,12 @@
             </a:ln>
           </p:spPr>
           <p:txBody>
-            <a:bodyPr anchorCtr="0" anchor="ctr" bIns="91425" lIns="91425" spcFirstLastPara="1" rIns="91425" wrap="square" tIns="91425">
+            <a:bodyPr spcFirstLastPara="1" wrap="square" lIns="91425" tIns="91425" rIns="91425" bIns="91425" anchor="ctr" anchorCtr="0">
               <a:noAutofit/>
             </a:bodyPr>
             <a:lstStyle/>
             <a:p>
-              <a:pPr indent="0" lvl="0" marL="0" rtl="0" algn="l">
+              <a:pPr marL="0" lvl="0" indent="0" algn="l" rtl="0">
                 <a:spcBef>
                   <a:spcPts val="0"/>
                 </a:spcBef>
@@ -1739,9 +1713,6 @@
                 </a:spcAft>
                 <a:buNone/>
               </a:pPr>
-              <a:r>
-                <a:t/>
-              </a:r>
               <a:endParaRPr/>
             </a:p>
           </p:txBody>
@@ -1750,7 +1721,9 @@
       <p:sp>
         <p:nvSpPr>
           <p:cNvPr id="34" name="Google Shape;34;p2"/>
-          <p:cNvSpPr txBox="1"/>
+          <p:cNvSpPr txBox="1">
+            <a:spLocks noGrp="1"/>
+          </p:cNvSpPr>
           <p:nvPr>
             <p:ph type="ctrTitle"/>
           </p:nvPr>
@@ -1765,7 +1738,7 @@
           </a:prstGeom>
         </p:spPr>
         <p:txBody>
-          <a:bodyPr anchorCtr="0" anchor="ctr" bIns="91425" lIns="91425" spcFirstLastPara="1" rIns="91425" wrap="square" tIns="91425">
+          <a:bodyPr spcFirstLastPara="1" wrap="square" lIns="91425" tIns="91425" rIns="91425" bIns="91425" anchor="ctr" anchorCtr="0">
             <a:normAutofit/>
           </a:bodyPr>
           <a:lstStyle>
@@ -1869,15 +1842,19 @@
               <a:defRPr sz="3800"/>
             </a:lvl9pPr>
           </a:lstStyle>
-          <a:p/>
+          <a:p>
+            <a:endParaRPr/>
+          </a:p>
         </p:txBody>
       </p:sp>
       <p:sp>
         <p:nvSpPr>
           <p:cNvPr id="35" name="Google Shape;35;p2"/>
-          <p:cNvSpPr txBox="1"/>
+          <p:cNvSpPr txBox="1">
+            <a:spLocks noGrp="1"/>
+          </p:cNvSpPr>
           <p:nvPr>
-            <p:ph idx="1" type="subTitle"/>
+            <p:ph type="subTitle" idx="1"/>
           </p:nvPr>
         </p:nvSpPr>
         <p:spPr>
@@ -1890,7 +1867,7 @@
           </a:prstGeom>
         </p:spPr>
         <p:txBody>
-          <a:bodyPr anchorCtr="0" anchor="t" bIns="91425" lIns="91425" spcFirstLastPara="1" rIns="91425" wrap="square" tIns="91425">
+          <a:bodyPr spcFirstLastPara="1" wrap="square" lIns="91425" tIns="91425" rIns="91425" bIns="91425" anchor="t" anchorCtr="0">
             <a:normAutofit/>
           </a:bodyPr>
           <a:lstStyle>
@@ -2084,15 +2061,19 @@
               </a:defRPr>
             </a:lvl9pPr>
           </a:lstStyle>
-          <a:p/>
+          <a:p>
+            <a:endParaRPr/>
+          </a:p>
         </p:txBody>
       </p:sp>
       <p:sp>
         <p:nvSpPr>
           <p:cNvPr id="36" name="Google Shape;36;p2"/>
-          <p:cNvSpPr txBox="1"/>
+          <p:cNvSpPr txBox="1">
+            <a:spLocks noGrp="1"/>
+          </p:cNvSpPr>
           <p:nvPr>
-            <p:ph idx="12" type="sldNum"/>
+            <p:ph type="sldNum" idx="12"/>
           </p:nvPr>
         </p:nvSpPr>
         <p:spPr>
@@ -2105,7 +2086,7 @@
           </a:prstGeom>
         </p:spPr>
         <p:txBody>
-          <a:bodyPr anchorCtr="0" anchor="ctr" bIns="91425" lIns="91425" spcFirstLastPara="1" rIns="91425" wrap="square" tIns="91425">
+          <a:bodyPr spcFirstLastPara="1" wrap="square" lIns="91425" tIns="91425" rIns="91425" bIns="91425" anchor="ctr" anchorCtr="0">
             <a:normAutofit/>
           </a:bodyPr>
           <a:lstStyle>
@@ -2147,7 +2128,7 @@
             </a:lvl9pPr>
           </a:lstStyle>
           <a:p>
-            <a:pPr indent="0" lvl="0" marL="0" rtl="0" algn="r">
+            <a:pPr marL="0" lvl="0" indent="0" algn="r" rtl="0">
               <a:spcBef>
                 <a:spcPts val="0"/>
               </a:spcBef>
@@ -2158,6 +2139,15 @@
             </a:pPr>
             <a:fld id="{00000000-1234-1234-1234-123412341234}" type="slidenum">
               <a:rPr lang="en"/>
+              <a:pPr marL="0" lvl="0" indent="0" algn="r" rtl="0">
+                <a:spcBef>
+                  <a:spcPts val="0"/>
+                </a:spcBef>
+                <a:spcAft>
+                  <a:spcPts val="0"/>
+                </a:spcAft>
+                <a:buNone/>
+              </a:pPr>
               <a:t>‹#›</a:t>
             </a:fld>
             <a:endParaRPr/>
@@ -2173,18 +2163,19 @@
 </file>
 
 <file path=ppt/slideLayouts/slideLayout10.xml><?xml version="1.0" encoding="utf-8"?>
-<p:sldLayout xmlns:a="http://schemas.openxmlformats.org/drawingml/2006/main" xmlns:r="http://schemas.openxmlformats.org/officeDocument/2006/relationships" xmlns:mc="http://schemas.openxmlformats.org/markup-compatibility/2006" xmlns:mv="urn:schemas-microsoft-com:mac:vml" xmlns:p="http://schemas.openxmlformats.org/presentationml/2006/main" xmlns:c="http://schemas.openxmlformats.org/drawingml/2006/chart" xmlns:dgm="http://schemas.openxmlformats.org/drawingml/2006/diagram" xmlns:o="urn:schemas-microsoft-com:office:office" xmlns:v="urn:schemas-microsoft-com:vml" xmlns:pvml="urn:schemas-microsoft-com:office:powerpoint" xmlns:com="http://schemas.openxmlformats.org/drawingml/2006/compatibility" xmlns:p14="http://schemas.microsoft.com/office/powerpoint/2010/main" xmlns:p15="http://schemas.microsoft.com/office/powerpoint/2012/main" xmlns:ahyp="http://schemas.microsoft.com/office/drawing/2018/hyperlinkcolor" matchingName="Big number">
+<p:sldLayout xmlns:a="http://schemas.openxmlformats.org/drawingml/2006/main" xmlns:r="http://schemas.openxmlformats.org/officeDocument/2006/relationships" xmlns:p="http://schemas.openxmlformats.org/presentationml/2006/main" matchingName="Big number">
   <p:cSld name="BIG_NUMBER">
     <p:bg>
       <p:bgPr>
         <a:solidFill>
           <a:schemeClr val="accent3"/>
         </a:solidFill>
+        <a:effectLst/>
       </p:bgPr>
     </p:bg>
     <p:spTree>
       <p:nvGrpSpPr>
-        <p:cNvPr id="109" name="Shape 109"/>
+        <p:cNvPr id="1" name="Shape 109"/>
         <p:cNvGrpSpPr/>
         <p:nvPr/>
       </p:nvGrpSpPr>
@@ -2218,12 +2209,12 @@
           </a:ln>
         </p:spPr>
         <p:txBody>
-          <a:bodyPr anchorCtr="0" anchor="ctr" bIns="91425" lIns="91425" spcFirstLastPara="1" rIns="91425" wrap="square" tIns="91425">
+          <a:bodyPr spcFirstLastPara="1" wrap="square" lIns="91425" tIns="91425" rIns="91425" bIns="91425" anchor="ctr" anchorCtr="0">
             <a:noAutofit/>
           </a:bodyPr>
           <a:lstStyle/>
           <a:p>
-            <a:pPr indent="0" lvl="0" marL="0" rtl="0" algn="l">
+            <a:pPr marL="0" lvl="0" indent="0" algn="l" rtl="0">
               <a:spcBef>
                 <a:spcPts val="0"/>
               </a:spcBef>
@@ -2232,9 +2223,6 @@
               </a:spcAft>
               <a:buNone/>
             </a:pPr>
-            <a:r>
-              <a:t/>
-            </a:r>
             <a:endParaRPr/>
           </a:p>
         </p:txBody>
@@ -2266,7 +2254,7 @@
             </a:xfrm>
             <a:prstGeom prst="parallelogram">
               <a:avLst>
-                <a:gd fmla="val 158024" name="adj"/>
+                <a:gd name="adj" fmla="val 158024"/>
               </a:avLst>
             </a:prstGeom>
             <a:solidFill>
@@ -2277,12 +2265,12 @@
             </a:ln>
           </p:spPr>
           <p:txBody>
-            <a:bodyPr anchorCtr="0" anchor="ctr" bIns="91425" lIns="91425" spcFirstLastPara="1" rIns="91425" wrap="square" tIns="91425">
+            <a:bodyPr spcFirstLastPara="1" wrap="square" lIns="91425" tIns="91425" rIns="91425" bIns="91425" anchor="ctr" anchorCtr="0">
               <a:noAutofit/>
             </a:bodyPr>
             <a:lstStyle/>
             <a:p>
-              <a:pPr indent="0" lvl="0" marL="0" rtl="0" algn="l">
+              <a:pPr marL="0" lvl="0" indent="0" algn="l" rtl="0">
                 <a:spcBef>
                   <a:spcPts val="0"/>
                 </a:spcBef>
@@ -2291,9 +2279,6 @@
                 </a:spcAft>
                 <a:buNone/>
               </a:pPr>
-              <a:r>
-                <a:t/>
-              </a:r>
               <a:endParaRPr/>
             </a:p>
           </p:txBody>
@@ -2311,7 +2296,7 @@
             </a:xfrm>
             <a:prstGeom prst="parallelogram">
               <a:avLst>
-                <a:gd fmla="val 158024" name="adj"/>
+                <a:gd name="adj" fmla="val 158024"/>
               </a:avLst>
             </a:prstGeom>
             <a:solidFill>
@@ -2322,12 +2307,12 @@
             </a:ln>
           </p:spPr>
           <p:txBody>
-            <a:bodyPr anchorCtr="0" anchor="ctr" bIns="91425" lIns="91425" spcFirstLastPara="1" rIns="91425" wrap="square" tIns="91425">
+            <a:bodyPr spcFirstLastPara="1" wrap="square" lIns="91425" tIns="91425" rIns="91425" bIns="91425" anchor="ctr" anchorCtr="0">
               <a:noAutofit/>
             </a:bodyPr>
             <a:lstStyle/>
             <a:p>
-              <a:pPr indent="0" lvl="0" marL="0" rtl="0" algn="l">
+              <a:pPr marL="0" lvl="0" indent="0" algn="l" rtl="0">
                 <a:spcBef>
                   <a:spcPts val="0"/>
                 </a:spcBef>
@@ -2336,9 +2321,6 @@
                 </a:spcAft>
                 <a:buNone/>
               </a:pPr>
-              <a:r>
-                <a:t/>
-              </a:r>
               <a:endParaRPr/>
             </a:p>
           </p:txBody>
@@ -2356,7 +2338,7 @@
             </a:xfrm>
             <a:prstGeom prst="parallelogram">
               <a:avLst>
-                <a:gd fmla="val 158024" name="adj"/>
+                <a:gd name="adj" fmla="val 158024"/>
               </a:avLst>
             </a:prstGeom>
             <a:solidFill>
@@ -2367,12 +2349,12 @@
             </a:ln>
           </p:spPr>
           <p:txBody>
-            <a:bodyPr anchorCtr="0" anchor="ctr" bIns="91425" lIns="91425" spcFirstLastPara="1" rIns="91425" wrap="square" tIns="91425">
+            <a:bodyPr spcFirstLastPara="1" wrap="square" lIns="91425" tIns="91425" rIns="91425" bIns="91425" anchor="ctr" anchorCtr="0">
               <a:noAutofit/>
             </a:bodyPr>
             <a:lstStyle/>
             <a:p>
-              <a:pPr indent="0" lvl="0" marL="0" rtl="0" algn="l">
+              <a:pPr marL="0" lvl="0" indent="0" algn="l" rtl="0">
                 <a:spcBef>
                   <a:spcPts val="0"/>
                 </a:spcBef>
@@ -2381,9 +2363,6 @@
                 </a:spcAft>
                 <a:buNone/>
               </a:pPr>
-              <a:r>
-                <a:t/>
-              </a:r>
               <a:endParaRPr/>
             </a:p>
           </p:txBody>
@@ -2416,7 +2395,7 @@
             </a:xfrm>
             <a:prstGeom prst="parallelogram">
               <a:avLst>
-                <a:gd fmla="val 158024" name="adj"/>
+                <a:gd name="adj" fmla="val 158024"/>
               </a:avLst>
             </a:prstGeom>
             <a:solidFill>
@@ -2427,12 +2406,12 @@
             </a:ln>
           </p:spPr>
           <p:txBody>
-            <a:bodyPr anchorCtr="0" anchor="ctr" bIns="91425" lIns="91425" spcFirstLastPara="1" rIns="91425" wrap="square" tIns="91425">
+            <a:bodyPr spcFirstLastPara="1" wrap="square" lIns="91425" tIns="91425" rIns="91425" bIns="91425" anchor="ctr" anchorCtr="0">
               <a:noAutofit/>
             </a:bodyPr>
             <a:lstStyle/>
             <a:p>
-              <a:pPr indent="0" lvl="0" marL="0" rtl="0" algn="l">
+              <a:pPr marL="0" lvl="0" indent="0" algn="l" rtl="0">
                 <a:spcBef>
                   <a:spcPts val="0"/>
                 </a:spcBef>
@@ -2441,9 +2420,6 @@
                 </a:spcAft>
                 <a:buNone/>
               </a:pPr>
-              <a:r>
-                <a:t/>
-              </a:r>
               <a:endParaRPr/>
             </a:p>
           </p:txBody>
@@ -2461,7 +2437,7 @@
             </a:xfrm>
             <a:prstGeom prst="parallelogram">
               <a:avLst>
-                <a:gd fmla="val 158024" name="adj"/>
+                <a:gd name="adj" fmla="val 158024"/>
               </a:avLst>
             </a:prstGeom>
             <a:solidFill>
@@ -2472,12 +2448,12 @@
             </a:ln>
           </p:spPr>
           <p:txBody>
-            <a:bodyPr anchorCtr="0" anchor="ctr" bIns="91425" lIns="91425" spcFirstLastPara="1" rIns="91425" wrap="square" tIns="91425">
+            <a:bodyPr spcFirstLastPara="1" wrap="square" lIns="91425" tIns="91425" rIns="91425" bIns="91425" anchor="ctr" anchorCtr="0">
               <a:noAutofit/>
             </a:bodyPr>
             <a:lstStyle/>
             <a:p>
-              <a:pPr indent="0" lvl="0" marL="0" rtl="0" algn="l">
+              <a:pPr marL="0" lvl="0" indent="0" algn="l" rtl="0">
                 <a:spcBef>
                   <a:spcPts val="0"/>
                 </a:spcBef>
@@ -2486,9 +2462,6 @@
                 </a:spcAft>
                 <a:buNone/>
               </a:pPr>
-              <a:r>
-                <a:t/>
-              </a:r>
               <a:endParaRPr/>
             </a:p>
           </p:txBody>
@@ -2506,7 +2479,7 @@
             </a:xfrm>
             <a:prstGeom prst="parallelogram">
               <a:avLst>
-                <a:gd fmla="val 158024" name="adj"/>
+                <a:gd name="adj" fmla="val 158024"/>
               </a:avLst>
             </a:prstGeom>
             <a:solidFill>
@@ -2517,12 +2490,12 @@
             </a:ln>
           </p:spPr>
           <p:txBody>
-            <a:bodyPr anchorCtr="0" anchor="ctr" bIns="91425" lIns="91425" spcFirstLastPara="1" rIns="91425" wrap="square" tIns="91425">
+            <a:bodyPr spcFirstLastPara="1" wrap="square" lIns="91425" tIns="91425" rIns="91425" bIns="91425" anchor="ctr" anchorCtr="0">
               <a:noAutofit/>
             </a:bodyPr>
             <a:lstStyle/>
             <a:p>
-              <a:pPr indent="0" lvl="0" marL="0" rtl="0" algn="l">
+              <a:pPr marL="0" lvl="0" indent="0" algn="l" rtl="0">
                 <a:spcBef>
                   <a:spcPts val="0"/>
                 </a:spcBef>
@@ -2531,9 +2504,6 @@
                 </a:spcAft>
                 <a:buNone/>
               </a:pPr>
-              <a:r>
-                <a:t/>
-              </a:r>
               <a:endParaRPr/>
             </a:p>
           </p:txBody>
@@ -2542,9 +2512,11 @@
       <p:sp>
         <p:nvSpPr>
           <p:cNvPr id="119" name="Google Shape;119;p11"/>
-          <p:cNvSpPr txBox="1"/>
+          <p:cNvSpPr txBox="1">
+            <a:spLocks noGrp="1"/>
+          </p:cNvSpPr>
           <p:nvPr>
-            <p:ph hasCustomPrompt="1" type="title"/>
+            <p:ph type="title" hasCustomPrompt="1"/>
           </p:nvPr>
         </p:nvSpPr>
         <p:spPr>
@@ -2557,7 +2529,7 @@
           </a:prstGeom>
         </p:spPr>
         <p:txBody>
-          <a:bodyPr anchorCtr="0" anchor="ctr" bIns="91425" lIns="91425" spcFirstLastPara="1" rIns="91425" wrap="square" tIns="91425">
+          <a:bodyPr spcFirstLastPara="1" wrap="square" lIns="91425" tIns="91425" rIns="91425" bIns="91425" anchor="ctr" anchorCtr="0">
             <a:normAutofit/>
           </a:bodyPr>
           <a:lstStyle>
@@ -2734,9 +2706,11 @@
       <p:sp>
         <p:nvSpPr>
           <p:cNvPr id="120" name="Google Shape;120;p11"/>
-          <p:cNvSpPr txBox="1"/>
+          <p:cNvSpPr txBox="1">
+            <a:spLocks noGrp="1"/>
+          </p:cNvSpPr>
           <p:nvPr>
-            <p:ph idx="1" type="body"/>
+            <p:ph type="body" idx="1"/>
           </p:nvPr>
         </p:nvSpPr>
         <p:spPr>
@@ -2749,11 +2723,11 @@
           </a:prstGeom>
         </p:spPr>
         <p:txBody>
-          <a:bodyPr anchorCtr="0" anchor="t" bIns="91425" lIns="91425" spcFirstLastPara="1" rIns="91425" wrap="square" tIns="91425">
+          <a:bodyPr spcFirstLastPara="1" wrap="square" lIns="91425" tIns="91425" rIns="91425" bIns="91425" anchor="t" anchorCtr="0">
             <a:normAutofit/>
           </a:bodyPr>
           <a:lstStyle>
-            <a:lvl1pPr indent="-311150" lvl="0" marL="457200" algn="ctr">
+            <a:lvl1pPr marL="457200" lvl="0" indent="-311150" algn="ctr">
               <a:spcBef>
                 <a:spcPts val="0"/>
               </a:spcBef>
@@ -2764,7 +2738,7 @@
               <a:buChar char="●"/>
               <a:defRPr/>
             </a:lvl1pPr>
-            <a:lvl2pPr indent="-298450" lvl="1" marL="914400" algn="ctr">
+            <a:lvl2pPr marL="914400" lvl="1" indent="-298450" algn="ctr">
               <a:spcBef>
                 <a:spcPts val="0"/>
               </a:spcBef>
@@ -2775,7 +2749,7 @@
               <a:buChar char="○"/>
               <a:defRPr/>
             </a:lvl2pPr>
-            <a:lvl3pPr indent="-298450" lvl="2" marL="1371600" algn="ctr">
+            <a:lvl3pPr marL="1371600" lvl="2" indent="-298450" algn="ctr">
               <a:spcBef>
                 <a:spcPts val="0"/>
               </a:spcBef>
@@ -2786,7 +2760,7 @@
               <a:buChar char="■"/>
               <a:defRPr/>
             </a:lvl3pPr>
-            <a:lvl4pPr indent="-298450" lvl="3" marL="1828800" algn="ctr">
+            <a:lvl4pPr marL="1828800" lvl="3" indent="-298450" algn="ctr">
               <a:spcBef>
                 <a:spcPts val="0"/>
               </a:spcBef>
@@ -2797,7 +2771,7 @@
               <a:buChar char="●"/>
               <a:defRPr/>
             </a:lvl4pPr>
-            <a:lvl5pPr indent="-298450" lvl="4" marL="2286000" algn="ctr">
+            <a:lvl5pPr marL="2286000" lvl="4" indent="-298450" algn="ctr">
               <a:spcBef>
                 <a:spcPts val="0"/>
               </a:spcBef>
@@ -2808,7 +2782,7 @@
               <a:buChar char="○"/>
               <a:defRPr/>
             </a:lvl5pPr>
-            <a:lvl6pPr indent="-298450" lvl="5" marL="2743200" algn="ctr">
+            <a:lvl6pPr marL="2743200" lvl="5" indent="-298450" algn="ctr">
               <a:spcBef>
                 <a:spcPts val="0"/>
               </a:spcBef>
@@ -2819,7 +2793,7 @@
               <a:buChar char="■"/>
               <a:defRPr/>
             </a:lvl6pPr>
-            <a:lvl7pPr indent="-298450" lvl="6" marL="3200400" algn="ctr">
+            <a:lvl7pPr marL="3200400" lvl="6" indent="-298450" algn="ctr">
               <a:spcBef>
                 <a:spcPts val="0"/>
               </a:spcBef>
@@ -2830,7 +2804,7 @@
               <a:buChar char="●"/>
               <a:defRPr/>
             </a:lvl7pPr>
-            <a:lvl8pPr indent="-298450" lvl="7" marL="3657600" algn="ctr">
+            <a:lvl8pPr marL="3657600" lvl="7" indent="-298450" algn="ctr">
               <a:spcBef>
                 <a:spcPts val="0"/>
               </a:spcBef>
@@ -2841,7 +2815,7 @@
               <a:buChar char="○"/>
               <a:defRPr/>
             </a:lvl8pPr>
-            <a:lvl9pPr indent="-298450" lvl="8" marL="4114800" algn="ctr">
+            <a:lvl9pPr marL="4114800" lvl="8" indent="-298450" algn="ctr">
               <a:spcBef>
                 <a:spcPts val="0"/>
               </a:spcBef>
@@ -2853,15 +2827,19 @@
               <a:defRPr/>
             </a:lvl9pPr>
           </a:lstStyle>
-          <a:p/>
+          <a:p>
+            <a:endParaRPr/>
+          </a:p>
         </p:txBody>
       </p:sp>
       <p:sp>
         <p:nvSpPr>
           <p:cNvPr id="121" name="Google Shape;121;p11"/>
-          <p:cNvSpPr txBox="1"/>
+          <p:cNvSpPr txBox="1">
+            <a:spLocks noGrp="1"/>
+          </p:cNvSpPr>
           <p:nvPr>
-            <p:ph idx="12" type="sldNum"/>
+            <p:ph type="sldNum" idx="12"/>
           </p:nvPr>
         </p:nvSpPr>
         <p:spPr>
@@ -2874,7 +2852,7 @@
           </a:prstGeom>
         </p:spPr>
         <p:txBody>
-          <a:bodyPr anchorCtr="0" anchor="ctr" bIns="91425" lIns="91425" spcFirstLastPara="1" rIns="91425" wrap="square" tIns="91425">
+          <a:bodyPr spcFirstLastPara="1" wrap="square" lIns="91425" tIns="91425" rIns="91425" bIns="91425" anchor="ctr" anchorCtr="0">
             <a:normAutofit/>
           </a:bodyPr>
           <a:lstStyle>
@@ -2916,7 +2894,7 @@
             </a:lvl9pPr>
           </a:lstStyle>
           <a:p>
-            <a:pPr indent="0" lvl="0" marL="0" rtl="0" algn="r">
+            <a:pPr marL="0" lvl="0" indent="0" algn="r" rtl="0">
               <a:spcBef>
                 <a:spcPts val="0"/>
               </a:spcBef>
@@ -2927,6 +2905,15 @@
             </a:pPr>
             <a:fld id="{00000000-1234-1234-1234-123412341234}" type="slidenum">
               <a:rPr lang="en"/>
+              <a:pPr marL="0" lvl="0" indent="0" algn="r" rtl="0">
+                <a:spcBef>
+                  <a:spcPts val="0"/>
+                </a:spcBef>
+                <a:spcAft>
+                  <a:spcPts val="0"/>
+                </a:spcAft>
+                <a:buNone/>
+              </a:pPr>
               <a:t>‹#›</a:t>
             </a:fld>
             <a:endParaRPr/>
@@ -2942,11 +2929,11 @@
 </file>
 
 <file path=ppt/slideLayouts/slideLayout11.xml><?xml version="1.0" encoding="utf-8"?>
-<p:sldLayout xmlns:a="http://schemas.openxmlformats.org/drawingml/2006/main" xmlns:r="http://schemas.openxmlformats.org/officeDocument/2006/relationships" xmlns:mc="http://schemas.openxmlformats.org/markup-compatibility/2006" xmlns:mv="urn:schemas-microsoft-com:mac:vml" xmlns:p="http://schemas.openxmlformats.org/presentationml/2006/main" xmlns:c="http://schemas.openxmlformats.org/drawingml/2006/chart" xmlns:dgm="http://schemas.openxmlformats.org/drawingml/2006/diagram" xmlns:o="urn:schemas-microsoft-com:office:office" xmlns:v="urn:schemas-microsoft-com:vml" xmlns:pvml="urn:schemas-microsoft-com:office:powerpoint" xmlns:com="http://schemas.openxmlformats.org/drawingml/2006/compatibility" xmlns:p14="http://schemas.microsoft.com/office/powerpoint/2010/main" xmlns:p15="http://schemas.microsoft.com/office/powerpoint/2012/main" xmlns:ahyp="http://schemas.microsoft.com/office/drawing/2018/hyperlinkcolor" matchingName="Blank" type="blank">
+<p:sldLayout xmlns:a="http://schemas.openxmlformats.org/drawingml/2006/main" xmlns:r="http://schemas.openxmlformats.org/officeDocument/2006/relationships" xmlns:p="http://schemas.openxmlformats.org/presentationml/2006/main" matchingName="Blank" type="blank">
   <p:cSld name="BLANK">
     <p:spTree>
       <p:nvGrpSpPr>
-        <p:cNvPr id="122" name="Shape 122"/>
+        <p:cNvPr id="1" name="Shape 122"/>
         <p:cNvGrpSpPr/>
         <p:nvPr/>
       </p:nvGrpSpPr>
@@ -2961,9 +2948,11 @@
       <p:sp>
         <p:nvSpPr>
           <p:cNvPr id="123" name="Google Shape;123;p12"/>
-          <p:cNvSpPr txBox="1"/>
+          <p:cNvSpPr txBox="1">
+            <a:spLocks noGrp="1"/>
+          </p:cNvSpPr>
           <p:nvPr>
-            <p:ph idx="12" type="sldNum"/>
+            <p:ph type="sldNum" idx="12"/>
           </p:nvPr>
         </p:nvSpPr>
         <p:spPr>
@@ -2976,7 +2965,7 @@
           </a:prstGeom>
         </p:spPr>
         <p:txBody>
-          <a:bodyPr anchorCtr="0" anchor="ctr" bIns="91425" lIns="91425" spcFirstLastPara="1" rIns="91425" wrap="square" tIns="91425">
+          <a:bodyPr spcFirstLastPara="1" wrap="square" lIns="91425" tIns="91425" rIns="91425" bIns="91425" anchor="ctr" anchorCtr="0">
             <a:normAutofit/>
           </a:bodyPr>
           <a:lstStyle>
@@ -3018,7 +3007,7 @@
             </a:lvl9pPr>
           </a:lstStyle>
           <a:p>
-            <a:pPr indent="0" lvl="0" marL="0" rtl="0" algn="r">
+            <a:pPr marL="0" lvl="0" indent="0" algn="r" rtl="0">
               <a:spcBef>
                 <a:spcPts val="0"/>
               </a:spcBef>
@@ -3029,6 +3018,15 @@
             </a:pPr>
             <a:fld id="{00000000-1234-1234-1234-123412341234}" type="slidenum">
               <a:rPr lang="en"/>
+              <a:pPr marL="0" lvl="0" indent="0" algn="r" rtl="0">
+                <a:spcBef>
+                  <a:spcPts val="0"/>
+                </a:spcBef>
+                <a:spcAft>
+                  <a:spcPts val="0"/>
+                </a:spcAft>
+                <a:buNone/>
+              </a:pPr>
               <a:t>‹#›</a:t>
             </a:fld>
             <a:endParaRPr/>
@@ -3044,18 +3042,19 @@
 </file>
 
 <file path=ppt/slideLayouts/slideLayout2.xml><?xml version="1.0" encoding="utf-8"?>
-<p:sldLayout xmlns:a="http://schemas.openxmlformats.org/drawingml/2006/main" xmlns:r="http://schemas.openxmlformats.org/officeDocument/2006/relationships" xmlns:mc="http://schemas.openxmlformats.org/markup-compatibility/2006" xmlns:mv="urn:schemas-microsoft-com:mac:vml" xmlns:p="http://schemas.openxmlformats.org/presentationml/2006/main" xmlns:c="http://schemas.openxmlformats.org/drawingml/2006/chart" xmlns:dgm="http://schemas.openxmlformats.org/drawingml/2006/diagram" xmlns:o="urn:schemas-microsoft-com:office:office" xmlns:v="urn:schemas-microsoft-com:vml" xmlns:pvml="urn:schemas-microsoft-com:office:powerpoint" xmlns:com="http://schemas.openxmlformats.org/drawingml/2006/compatibility" xmlns:p14="http://schemas.microsoft.com/office/powerpoint/2010/main" xmlns:p15="http://schemas.microsoft.com/office/powerpoint/2012/main" xmlns:ahyp="http://schemas.microsoft.com/office/drawing/2018/hyperlinkcolor" matchingName="Section header" type="secHead">
+<p:sldLayout xmlns:a="http://schemas.openxmlformats.org/drawingml/2006/main" xmlns:r="http://schemas.openxmlformats.org/officeDocument/2006/relationships" xmlns:p="http://schemas.openxmlformats.org/presentationml/2006/main" matchingName="Section header" type="secHead">
   <p:cSld name="SECTION_HEADER">
     <p:bg>
       <p:bgPr>
         <a:solidFill>
           <a:schemeClr val="accent3"/>
         </a:solidFill>
+        <a:effectLst/>
       </p:bgPr>
     </p:bg>
     <p:spTree>
       <p:nvGrpSpPr>
-        <p:cNvPr id="37" name="Shape 37"/>
+        <p:cNvPr id="1" name="Shape 37"/>
         <p:cNvGrpSpPr/>
         <p:nvPr/>
       </p:nvGrpSpPr>
@@ -3089,12 +3088,12 @@
           </a:ln>
         </p:spPr>
         <p:txBody>
-          <a:bodyPr anchorCtr="0" anchor="ctr" bIns="91425" lIns="91425" spcFirstLastPara="1" rIns="91425" wrap="square" tIns="91425">
+          <a:bodyPr spcFirstLastPara="1" wrap="square" lIns="91425" tIns="91425" rIns="91425" bIns="91425" anchor="ctr" anchorCtr="0">
             <a:noAutofit/>
           </a:bodyPr>
           <a:lstStyle/>
           <a:p>
-            <a:pPr indent="0" lvl="0" marL="0" rtl="0" algn="l">
+            <a:pPr marL="0" lvl="0" indent="0" algn="l" rtl="0">
               <a:spcBef>
                 <a:spcPts val="0"/>
               </a:spcBef>
@@ -3103,9 +3102,6 @@
               </a:spcAft>
               <a:buNone/>
             </a:pPr>
-            <a:r>
-              <a:t/>
-            </a:r>
             <a:endParaRPr/>
           </a:p>
         </p:txBody>
@@ -3137,7 +3133,7 @@
             </a:xfrm>
             <a:prstGeom prst="parallelogram">
               <a:avLst>
-                <a:gd fmla="val 158024" name="adj"/>
+                <a:gd name="adj" fmla="val 158024"/>
               </a:avLst>
             </a:prstGeom>
             <a:solidFill>
@@ -3148,12 +3144,12 @@
             </a:ln>
           </p:spPr>
           <p:txBody>
-            <a:bodyPr anchorCtr="0" anchor="ctr" bIns="91425" lIns="91425" spcFirstLastPara="1" rIns="91425" wrap="square" tIns="91425">
+            <a:bodyPr spcFirstLastPara="1" wrap="square" lIns="91425" tIns="91425" rIns="91425" bIns="91425" anchor="ctr" anchorCtr="0">
               <a:noAutofit/>
             </a:bodyPr>
             <a:lstStyle/>
             <a:p>
-              <a:pPr indent="0" lvl="0" marL="0" rtl="0" algn="l">
+              <a:pPr marL="0" lvl="0" indent="0" algn="l" rtl="0">
                 <a:spcBef>
                   <a:spcPts val="0"/>
                 </a:spcBef>
@@ -3162,9 +3158,6 @@
                 </a:spcAft>
                 <a:buNone/>
               </a:pPr>
-              <a:r>
-                <a:t/>
-              </a:r>
               <a:endParaRPr/>
             </a:p>
           </p:txBody>
@@ -3182,7 +3175,7 @@
             </a:xfrm>
             <a:prstGeom prst="parallelogram">
               <a:avLst>
-                <a:gd fmla="val 158024" name="adj"/>
+                <a:gd name="adj" fmla="val 158024"/>
               </a:avLst>
             </a:prstGeom>
             <a:solidFill>
@@ -3193,12 +3186,12 @@
             </a:ln>
           </p:spPr>
           <p:txBody>
-            <a:bodyPr anchorCtr="0" anchor="ctr" bIns="91425" lIns="91425" spcFirstLastPara="1" rIns="91425" wrap="square" tIns="91425">
+            <a:bodyPr spcFirstLastPara="1" wrap="square" lIns="91425" tIns="91425" rIns="91425" bIns="91425" anchor="ctr" anchorCtr="0">
               <a:noAutofit/>
             </a:bodyPr>
             <a:lstStyle/>
             <a:p>
-              <a:pPr indent="0" lvl="0" marL="0" rtl="0" algn="l">
+              <a:pPr marL="0" lvl="0" indent="0" algn="l" rtl="0">
                 <a:spcBef>
                   <a:spcPts val="0"/>
                 </a:spcBef>
@@ -3207,9 +3200,6 @@
                 </a:spcAft>
                 <a:buNone/>
               </a:pPr>
-              <a:r>
-                <a:t/>
-              </a:r>
               <a:endParaRPr/>
             </a:p>
           </p:txBody>
@@ -3227,7 +3217,7 @@
             </a:xfrm>
             <a:prstGeom prst="parallelogram">
               <a:avLst>
-                <a:gd fmla="val 158024" name="adj"/>
+                <a:gd name="adj" fmla="val 158024"/>
               </a:avLst>
             </a:prstGeom>
             <a:solidFill>
@@ -3238,12 +3228,12 @@
             </a:ln>
           </p:spPr>
           <p:txBody>
-            <a:bodyPr anchorCtr="0" anchor="ctr" bIns="91425" lIns="91425" spcFirstLastPara="1" rIns="91425" wrap="square" tIns="91425">
+            <a:bodyPr spcFirstLastPara="1" wrap="square" lIns="91425" tIns="91425" rIns="91425" bIns="91425" anchor="ctr" anchorCtr="0">
               <a:noAutofit/>
             </a:bodyPr>
             <a:lstStyle/>
             <a:p>
-              <a:pPr indent="0" lvl="0" marL="0" rtl="0" algn="l">
+              <a:pPr marL="0" lvl="0" indent="0" algn="l" rtl="0">
                 <a:spcBef>
                   <a:spcPts val="0"/>
                 </a:spcBef>
@@ -3252,9 +3242,6 @@
                 </a:spcAft>
                 <a:buNone/>
               </a:pPr>
-              <a:r>
-                <a:t/>
-              </a:r>
               <a:endParaRPr/>
             </a:p>
           </p:txBody>
@@ -3287,7 +3274,7 @@
             </a:xfrm>
             <a:prstGeom prst="parallelogram">
               <a:avLst>
-                <a:gd fmla="val 158024" name="adj"/>
+                <a:gd name="adj" fmla="val 158024"/>
               </a:avLst>
             </a:prstGeom>
             <a:solidFill>
@@ -3298,12 +3285,12 @@
             </a:ln>
           </p:spPr>
           <p:txBody>
-            <a:bodyPr anchorCtr="0" anchor="ctr" bIns="91425" lIns="91425" spcFirstLastPara="1" rIns="91425" wrap="square" tIns="91425">
+            <a:bodyPr spcFirstLastPara="1" wrap="square" lIns="91425" tIns="91425" rIns="91425" bIns="91425" anchor="ctr" anchorCtr="0">
               <a:noAutofit/>
             </a:bodyPr>
             <a:lstStyle/>
             <a:p>
-              <a:pPr indent="0" lvl="0" marL="0" rtl="0" algn="l">
+              <a:pPr marL="0" lvl="0" indent="0" algn="l" rtl="0">
                 <a:spcBef>
                   <a:spcPts val="0"/>
                 </a:spcBef>
@@ -3312,9 +3299,6 @@
                 </a:spcAft>
                 <a:buNone/>
               </a:pPr>
-              <a:r>
-                <a:t/>
-              </a:r>
               <a:endParaRPr/>
             </a:p>
           </p:txBody>
@@ -3332,7 +3316,7 @@
             </a:xfrm>
             <a:prstGeom prst="parallelogram">
               <a:avLst>
-                <a:gd fmla="val 158024" name="adj"/>
+                <a:gd name="adj" fmla="val 158024"/>
               </a:avLst>
             </a:prstGeom>
             <a:solidFill>
@@ -3343,12 +3327,12 @@
             </a:ln>
           </p:spPr>
           <p:txBody>
-            <a:bodyPr anchorCtr="0" anchor="ctr" bIns="91425" lIns="91425" spcFirstLastPara="1" rIns="91425" wrap="square" tIns="91425">
+            <a:bodyPr spcFirstLastPara="1" wrap="square" lIns="91425" tIns="91425" rIns="91425" bIns="91425" anchor="ctr" anchorCtr="0">
               <a:noAutofit/>
             </a:bodyPr>
             <a:lstStyle/>
             <a:p>
-              <a:pPr indent="0" lvl="0" marL="0" rtl="0" algn="l">
+              <a:pPr marL="0" lvl="0" indent="0" algn="l" rtl="0">
                 <a:spcBef>
                   <a:spcPts val="0"/>
                 </a:spcBef>
@@ -3357,9 +3341,6 @@
                 </a:spcAft>
                 <a:buNone/>
               </a:pPr>
-              <a:r>
-                <a:t/>
-              </a:r>
               <a:endParaRPr/>
             </a:p>
           </p:txBody>
@@ -3377,7 +3358,7 @@
             </a:xfrm>
             <a:prstGeom prst="parallelogram">
               <a:avLst>
-                <a:gd fmla="val 158024" name="adj"/>
+                <a:gd name="adj" fmla="val 158024"/>
               </a:avLst>
             </a:prstGeom>
             <a:solidFill>
@@ -3388,12 +3369,12 @@
             </a:ln>
           </p:spPr>
           <p:txBody>
-            <a:bodyPr anchorCtr="0" anchor="ctr" bIns="91425" lIns="91425" spcFirstLastPara="1" rIns="91425" wrap="square" tIns="91425">
+            <a:bodyPr spcFirstLastPara="1" wrap="square" lIns="91425" tIns="91425" rIns="91425" bIns="91425" anchor="ctr" anchorCtr="0">
               <a:noAutofit/>
             </a:bodyPr>
             <a:lstStyle/>
             <a:p>
-              <a:pPr indent="0" lvl="0" marL="0" rtl="0" algn="l">
+              <a:pPr marL="0" lvl="0" indent="0" algn="l" rtl="0">
                 <a:spcBef>
                   <a:spcPts val="0"/>
                 </a:spcBef>
@@ -3402,9 +3383,6 @@
                 </a:spcAft>
                 <a:buNone/>
               </a:pPr>
-              <a:r>
-                <a:t/>
-              </a:r>
               <a:endParaRPr/>
             </a:p>
           </p:txBody>
@@ -3413,7 +3391,9 @@
       <p:sp>
         <p:nvSpPr>
           <p:cNvPr id="47" name="Google Shape;47;p3"/>
-          <p:cNvSpPr txBox="1"/>
+          <p:cNvSpPr txBox="1">
+            <a:spLocks noGrp="1"/>
+          </p:cNvSpPr>
           <p:nvPr>
             <p:ph type="title"/>
           </p:nvPr>
@@ -3428,7 +3408,7 @@
           </a:prstGeom>
         </p:spPr>
         <p:txBody>
-          <a:bodyPr anchorCtr="0" anchor="ctr" bIns="91425" lIns="91425" spcFirstLastPara="1" rIns="91425" wrap="square" tIns="91425">
+          <a:bodyPr spcFirstLastPara="1" wrap="square" lIns="91425" tIns="91425" rIns="91425" bIns="91425" anchor="ctr" anchorCtr="0">
             <a:normAutofit/>
           </a:bodyPr>
           <a:lstStyle>
@@ -3595,15 +3575,19 @@
               </a:defRPr>
             </a:lvl9pPr>
           </a:lstStyle>
-          <a:p/>
+          <a:p>
+            <a:endParaRPr/>
+          </a:p>
         </p:txBody>
       </p:sp>
       <p:sp>
         <p:nvSpPr>
           <p:cNvPr id="48" name="Google Shape;48;p3"/>
-          <p:cNvSpPr txBox="1"/>
+          <p:cNvSpPr txBox="1">
+            <a:spLocks noGrp="1"/>
+          </p:cNvSpPr>
           <p:nvPr>
-            <p:ph idx="12" type="sldNum"/>
+            <p:ph type="sldNum" idx="12"/>
           </p:nvPr>
         </p:nvSpPr>
         <p:spPr>
@@ -3616,7 +3600,7 @@
           </a:prstGeom>
         </p:spPr>
         <p:txBody>
-          <a:bodyPr anchorCtr="0" anchor="ctr" bIns="91425" lIns="91425" spcFirstLastPara="1" rIns="91425" wrap="square" tIns="91425">
+          <a:bodyPr spcFirstLastPara="1" wrap="square" lIns="91425" tIns="91425" rIns="91425" bIns="91425" anchor="ctr" anchorCtr="0">
             <a:normAutofit/>
           </a:bodyPr>
           <a:lstStyle>
@@ -3658,7 +3642,7 @@
             </a:lvl9pPr>
           </a:lstStyle>
           <a:p>
-            <a:pPr indent="0" lvl="0" marL="0" rtl="0" algn="r">
+            <a:pPr marL="0" lvl="0" indent="0" algn="r" rtl="0">
               <a:spcBef>
                 <a:spcPts val="0"/>
               </a:spcBef>
@@ -3669,6 +3653,15 @@
             </a:pPr>
             <a:fld id="{00000000-1234-1234-1234-123412341234}" type="slidenum">
               <a:rPr lang="en"/>
+              <a:pPr marL="0" lvl="0" indent="0" algn="r" rtl="0">
+                <a:spcBef>
+                  <a:spcPts val="0"/>
+                </a:spcBef>
+                <a:spcAft>
+                  <a:spcPts val="0"/>
+                </a:spcAft>
+                <a:buNone/>
+              </a:pPr>
               <a:t>‹#›</a:t>
             </a:fld>
             <a:endParaRPr/>
@@ -3684,18 +3677,19 @@
 </file>
 
 <file path=ppt/slideLayouts/slideLayout3.xml><?xml version="1.0" encoding="utf-8"?>
-<p:sldLayout xmlns:a="http://schemas.openxmlformats.org/drawingml/2006/main" xmlns:r="http://schemas.openxmlformats.org/officeDocument/2006/relationships" xmlns:mc="http://schemas.openxmlformats.org/markup-compatibility/2006" xmlns:mv="urn:schemas-microsoft-com:mac:vml" xmlns:p="http://schemas.openxmlformats.org/presentationml/2006/main" xmlns:c="http://schemas.openxmlformats.org/drawingml/2006/chart" xmlns:dgm="http://schemas.openxmlformats.org/drawingml/2006/diagram" xmlns:o="urn:schemas-microsoft-com:office:office" xmlns:v="urn:schemas-microsoft-com:vml" xmlns:pvml="urn:schemas-microsoft-com:office:powerpoint" xmlns:com="http://schemas.openxmlformats.org/drawingml/2006/compatibility" xmlns:p14="http://schemas.microsoft.com/office/powerpoint/2010/main" xmlns:p15="http://schemas.microsoft.com/office/powerpoint/2012/main" xmlns:ahyp="http://schemas.microsoft.com/office/drawing/2018/hyperlinkcolor" matchingName="Title and body" type="tx">
+<p:sldLayout xmlns:a="http://schemas.openxmlformats.org/drawingml/2006/main" xmlns:r="http://schemas.openxmlformats.org/officeDocument/2006/relationships" xmlns:p="http://schemas.openxmlformats.org/presentationml/2006/main" matchingName="Title and body" type="tx">
   <p:cSld name="TITLE_AND_BODY">
     <p:bg>
       <p:bgPr>
         <a:solidFill>
           <a:schemeClr val="dk2"/>
         </a:solidFill>
+        <a:effectLst/>
       </p:bgPr>
     </p:bg>
     <p:spTree>
       <p:nvGrpSpPr>
-        <p:cNvPr id="49" name="Shape 49"/>
+        <p:cNvPr id="1" name="Shape 49"/>
         <p:cNvGrpSpPr/>
         <p:nvPr/>
       </p:nvGrpSpPr>
@@ -3729,12 +3723,12 @@
           </a:ln>
         </p:spPr>
         <p:txBody>
-          <a:bodyPr anchorCtr="0" anchor="ctr" bIns="91425" lIns="91425" spcFirstLastPara="1" rIns="91425" wrap="square" tIns="91425">
+          <a:bodyPr spcFirstLastPara="1" wrap="square" lIns="91425" tIns="91425" rIns="91425" bIns="91425" anchor="ctr" anchorCtr="0">
             <a:noAutofit/>
           </a:bodyPr>
           <a:lstStyle/>
           <a:p>
-            <a:pPr indent="0" lvl="0" marL="0" rtl="0" algn="l">
+            <a:pPr marL="0" lvl="0" indent="0" algn="l" rtl="0">
               <a:spcBef>
                 <a:spcPts val="0"/>
               </a:spcBef>
@@ -3743,9 +3737,6 @@
               </a:spcAft>
               <a:buNone/>
             </a:pPr>
-            <a:r>
-              <a:t/>
-            </a:r>
             <a:endParaRPr/>
           </a:p>
         </p:txBody>
@@ -3772,12 +3763,12 @@
           </a:ln>
         </p:spPr>
         <p:txBody>
-          <a:bodyPr anchorCtr="0" anchor="ctr" bIns="91425" lIns="91425" spcFirstLastPara="1" rIns="91425" wrap="square" tIns="91425">
+          <a:bodyPr spcFirstLastPara="1" wrap="square" lIns="91425" tIns="91425" rIns="91425" bIns="91425" anchor="ctr" anchorCtr="0">
             <a:noAutofit/>
           </a:bodyPr>
           <a:lstStyle/>
           <a:p>
-            <a:pPr indent="0" lvl="0" marL="0" rtl="0" algn="l">
+            <a:pPr marL="0" lvl="0" indent="0" algn="l" rtl="0">
               <a:spcBef>
                 <a:spcPts val="0"/>
               </a:spcBef>
@@ -3786,9 +3777,6 @@
               </a:spcAft>
               <a:buNone/>
             </a:pPr>
-            <a:r>
-              <a:t/>
-            </a:r>
             <a:endParaRPr/>
           </a:p>
         </p:txBody>
@@ -3814,7 +3802,7 @@
             <a:noFill/>
           </a:ln>
           <a:effectLst>
-            <a:outerShdw blurRad="228600" sx="101000" rotWithShape="0" algn="ctr" sy="101000">
+            <a:outerShdw blurRad="228600" sx="101000" sy="101000" algn="ctr" rotWithShape="0">
               <a:srgbClr val="000000">
                 <a:alpha val="40000"/>
               </a:srgbClr>
@@ -3822,12 +3810,12 @@
           </a:effectLst>
         </p:spPr>
         <p:txBody>
-          <a:bodyPr anchorCtr="0" anchor="ctr" bIns="91425" lIns="91425" spcFirstLastPara="1" rIns="91425" wrap="square" tIns="91425">
+          <a:bodyPr spcFirstLastPara="1" wrap="square" lIns="91425" tIns="91425" rIns="91425" bIns="91425" anchor="ctr" anchorCtr="0">
             <a:noAutofit/>
           </a:bodyPr>
           <a:lstStyle/>
           <a:p>
-            <a:pPr indent="0" lvl="0" marL="0" rtl="0" algn="l">
+            <a:pPr marL="0" lvl="0" indent="0" algn="l" rtl="0">
               <a:spcBef>
                 <a:spcPts val="0"/>
               </a:spcBef>
@@ -3836,9 +3824,6 @@
               </a:spcAft>
               <a:buNone/>
             </a:pPr>
-            <a:r>
-              <a:t/>
-            </a:r>
             <a:endParaRPr/>
           </a:p>
         </p:txBody>
@@ -3846,7 +3831,9 @@
       <p:sp>
         <p:nvSpPr>
           <p:cNvPr id="53" name="Google Shape;53;p4"/>
-          <p:cNvSpPr txBox="1"/>
+          <p:cNvSpPr txBox="1">
+            <a:spLocks noGrp="1"/>
+          </p:cNvSpPr>
           <p:nvPr>
             <p:ph type="title"/>
           </p:nvPr>
@@ -3861,7 +3848,7 @@
           </a:prstGeom>
         </p:spPr>
         <p:txBody>
-          <a:bodyPr anchorCtr="0" anchor="t" bIns="91425" lIns="91425" spcFirstLastPara="1" rIns="91425" wrap="square" tIns="91425">
+          <a:bodyPr spcFirstLastPara="1" wrap="square" lIns="91425" tIns="91425" rIns="91425" bIns="91425" anchor="t" anchorCtr="0">
             <a:normAutofit/>
           </a:bodyPr>
           <a:lstStyle>
@@ -3965,15 +3952,19 @@
               <a:defRPr sz="3000"/>
             </a:lvl9pPr>
           </a:lstStyle>
-          <a:p/>
+          <a:p>
+            <a:endParaRPr/>
+          </a:p>
         </p:txBody>
       </p:sp>
       <p:sp>
         <p:nvSpPr>
           <p:cNvPr id="54" name="Google Shape;54;p4"/>
-          <p:cNvSpPr txBox="1"/>
+          <p:cNvSpPr txBox="1">
+            <a:spLocks noGrp="1"/>
+          </p:cNvSpPr>
           <p:nvPr>
-            <p:ph idx="1" type="body"/>
+            <p:ph type="body" idx="1"/>
           </p:nvPr>
         </p:nvSpPr>
         <p:spPr>
@@ -3986,11 +3977,11 @@
           </a:prstGeom>
         </p:spPr>
         <p:txBody>
-          <a:bodyPr anchorCtr="0" anchor="t" bIns="91425" lIns="91425" spcFirstLastPara="1" rIns="91425" wrap="square" tIns="91425">
+          <a:bodyPr spcFirstLastPara="1" wrap="square" lIns="91425" tIns="91425" rIns="91425" bIns="91425" anchor="t" anchorCtr="0">
             <a:normAutofit/>
           </a:bodyPr>
           <a:lstStyle>
-            <a:lvl1pPr indent="-311150" lvl="0" marL="457200">
+            <a:lvl1pPr marL="457200" lvl="0" indent="-311150">
               <a:spcBef>
                 <a:spcPts val="0"/>
               </a:spcBef>
@@ -4001,7 +3992,7 @@
               <a:buChar char="●"/>
               <a:defRPr/>
             </a:lvl1pPr>
-            <a:lvl2pPr indent="-298450" lvl="1" marL="914400">
+            <a:lvl2pPr marL="914400" lvl="1" indent="-298450">
               <a:spcBef>
                 <a:spcPts val="0"/>
               </a:spcBef>
@@ -4012,7 +4003,7 @@
               <a:buChar char="○"/>
               <a:defRPr/>
             </a:lvl2pPr>
-            <a:lvl3pPr indent="-298450" lvl="2" marL="1371600">
+            <a:lvl3pPr marL="1371600" lvl="2" indent="-298450">
               <a:spcBef>
                 <a:spcPts val="0"/>
               </a:spcBef>
@@ -4023,7 +4014,7 @@
               <a:buChar char="■"/>
               <a:defRPr/>
             </a:lvl3pPr>
-            <a:lvl4pPr indent="-298450" lvl="3" marL="1828800">
+            <a:lvl4pPr marL="1828800" lvl="3" indent="-298450">
               <a:spcBef>
                 <a:spcPts val="0"/>
               </a:spcBef>
@@ -4034,7 +4025,7 @@
               <a:buChar char="●"/>
               <a:defRPr/>
             </a:lvl4pPr>
-            <a:lvl5pPr indent="-298450" lvl="4" marL="2286000">
+            <a:lvl5pPr marL="2286000" lvl="4" indent="-298450">
               <a:spcBef>
                 <a:spcPts val="0"/>
               </a:spcBef>
@@ -4045,7 +4036,7 @@
               <a:buChar char="○"/>
               <a:defRPr/>
             </a:lvl5pPr>
-            <a:lvl6pPr indent="-298450" lvl="5" marL="2743200">
+            <a:lvl6pPr marL="2743200" lvl="5" indent="-298450">
               <a:spcBef>
                 <a:spcPts val="0"/>
               </a:spcBef>
@@ -4056,7 +4047,7 @@
               <a:buChar char="■"/>
               <a:defRPr/>
             </a:lvl6pPr>
-            <a:lvl7pPr indent="-298450" lvl="6" marL="3200400">
+            <a:lvl7pPr marL="3200400" lvl="6" indent="-298450">
               <a:spcBef>
                 <a:spcPts val="0"/>
               </a:spcBef>
@@ -4067,7 +4058,7 @@
               <a:buChar char="●"/>
               <a:defRPr/>
             </a:lvl7pPr>
-            <a:lvl8pPr indent="-298450" lvl="7" marL="3657600">
+            <a:lvl8pPr marL="3657600" lvl="7" indent="-298450">
               <a:spcBef>
                 <a:spcPts val="0"/>
               </a:spcBef>
@@ -4078,7 +4069,7 @@
               <a:buChar char="○"/>
               <a:defRPr/>
             </a:lvl8pPr>
-            <a:lvl9pPr indent="-298450" lvl="8" marL="4114800">
+            <a:lvl9pPr marL="4114800" lvl="8" indent="-298450">
               <a:spcBef>
                 <a:spcPts val="0"/>
               </a:spcBef>
@@ -4090,15 +4081,19 @@
               <a:defRPr/>
             </a:lvl9pPr>
           </a:lstStyle>
-          <a:p/>
+          <a:p>
+            <a:endParaRPr/>
+          </a:p>
         </p:txBody>
       </p:sp>
       <p:sp>
         <p:nvSpPr>
           <p:cNvPr id="55" name="Google Shape;55;p4"/>
-          <p:cNvSpPr txBox="1"/>
+          <p:cNvSpPr txBox="1">
+            <a:spLocks noGrp="1"/>
+          </p:cNvSpPr>
           <p:nvPr>
-            <p:ph idx="12" type="sldNum"/>
+            <p:ph type="sldNum" idx="12"/>
           </p:nvPr>
         </p:nvSpPr>
         <p:spPr>
@@ -4111,7 +4106,7 @@
           </a:prstGeom>
         </p:spPr>
         <p:txBody>
-          <a:bodyPr anchorCtr="0" anchor="ctr" bIns="91425" lIns="91425" spcFirstLastPara="1" rIns="91425" wrap="square" tIns="91425">
+          <a:bodyPr spcFirstLastPara="1" wrap="square" lIns="91425" tIns="91425" rIns="91425" bIns="91425" anchor="ctr" anchorCtr="0">
             <a:normAutofit/>
           </a:bodyPr>
           <a:lstStyle>
@@ -4153,7 +4148,7 @@
             </a:lvl9pPr>
           </a:lstStyle>
           <a:p>
-            <a:pPr indent="0" lvl="0" marL="0" rtl="0" algn="r">
+            <a:pPr marL="0" lvl="0" indent="0" algn="r" rtl="0">
               <a:spcBef>
                 <a:spcPts val="0"/>
               </a:spcBef>
@@ -4164,6 +4159,15 @@
             </a:pPr>
             <a:fld id="{00000000-1234-1234-1234-123412341234}" type="slidenum">
               <a:rPr lang="en"/>
+              <a:pPr marL="0" lvl="0" indent="0" algn="r" rtl="0">
+                <a:spcBef>
+                  <a:spcPts val="0"/>
+                </a:spcBef>
+                <a:spcAft>
+                  <a:spcPts val="0"/>
+                </a:spcAft>
+                <a:buNone/>
+              </a:pPr>
               <a:t>‹#›</a:t>
             </a:fld>
             <a:endParaRPr/>
@@ -4179,18 +4183,19 @@
 </file>
 
 <file path=ppt/slideLayouts/slideLayout4.xml><?xml version="1.0" encoding="utf-8"?>
-<p:sldLayout xmlns:a="http://schemas.openxmlformats.org/drawingml/2006/main" xmlns:r="http://schemas.openxmlformats.org/officeDocument/2006/relationships" xmlns:mc="http://schemas.openxmlformats.org/markup-compatibility/2006" xmlns:mv="urn:schemas-microsoft-com:mac:vml" xmlns:p="http://schemas.openxmlformats.org/presentationml/2006/main" xmlns:c="http://schemas.openxmlformats.org/drawingml/2006/chart" xmlns:dgm="http://schemas.openxmlformats.org/drawingml/2006/diagram" xmlns:o="urn:schemas-microsoft-com:office:office" xmlns:v="urn:schemas-microsoft-com:vml" xmlns:pvml="urn:schemas-microsoft-com:office:powerpoint" xmlns:com="http://schemas.openxmlformats.org/drawingml/2006/compatibility" xmlns:p14="http://schemas.microsoft.com/office/powerpoint/2010/main" xmlns:p15="http://schemas.microsoft.com/office/powerpoint/2012/main" xmlns:ahyp="http://schemas.microsoft.com/office/drawing/2018/hyperlinkcolor" matchingName="Title and two columns" type="twoColTx">
+<p:sldLayout xmlns:a="http://schemas.openxmlformats.org/drawingml/2006/main" xmlns:r="http://schemas.openxmlformats.org/officeDocument/2006/relationships" xmlns:p="http://schemas.openxmlformats.org/presentationml/2006/main" matchingName="Title and two columns" type="twoColTx">
   <p:cSld name="TITLE_AND_TWO_COLUMNS">
     <p:bg>
       <p:bgPr>
         <a:solidFill>
           <a:schemeClr val="dk2"/>
         </a:solidFill>
+        <a:effectLst/>
       </p:bgPr>
     </p:bg>
     <p:spTree>
       <p:nvGrpSpPr>
-        <p:cNvPr id="56" name="Shape 56"/>
+        <p:cNvPr id="1" name="Shape 56"/>
         <p:cNvGrpSpPr/>
         <p:nvPr/>
       </p:nvGrpSpPr>
@@ -4224,12 +4229,12 @@
           </a:ln>
         </p:spPr>
         <p:txBody>
-          <a:bodyPr anchorCtr="0" anchor="ctr" bIns="91425" lIns="91425" spcFirstLastPara="1" rIns="91425" wrap="square" tIns="91425">
+          <a:bodyPr spcFirstLastPara="1" wrap="square" lIns="91425" tIns="91425" rIns="91425" bIns="91425" anchor="ctr" anchorCtr="0">
             <a:noAutofit/>
           </a:bodyPr>
           <a:lstStyle/>
           <a:p>
-            <a:pPr indent="0" lvl="0" marL="0" rtl="0" algn="l">
+            <a:pPr marL="0" lvl="0" indent="0" algn="l" rtl="0">
               <a:spcBef>
                 <a:spcPts val="0"/>
               </a:spcBef>
@@ -4238,9 +4243,6 @@
               </a:spcAft>
               <a:buNone/>
             </a:pPr>
-            <a:r>
-              <a:t/>
-            </a:r>
             <a:endParaRPr/>
           </a:p>
         </p:txBody>
@@ -4267,12 +4269,12 @@
           </a:ln>
         </p:spPr>
         <p:txBody>
-          <a:bodyPr anchorCtr="0" anchor="ctr" bIns="91425" lIns="91425" spcFirstLastPara="1" rIns="91425" wrap="square" tIns="91425">
+          <a:bodyPr spcFirstLastPara="1" wrap="square" lIns="91425" tIns="91425" rIns="91425" bIns="91425" anchor="ctr" anchorCtr="0">
             <a:noAutofit/>
           </a:bodyPr>
           <a:lstStyle/>
           <a:p>
-            <a:pPr indent="0" lvl="0" marL="0" rtl="0" algn="l">
+            <a:pPr marL="0" lvl="0" indent="0" algn="l" rtl="0">
               <a:spcBef>
                 <a:spcPts val="0"/>
               </a:spcBef>
@@ -4281,9 +4283,6 @@
               </a:spcAft>
               <a:buNone/>
             </a:pPr>
-            <a:r>
-              <a:t/>
-            </a:r>
             <a:endParaRPr/>
           </a:p>
         </p:txBody>
@@ -4309,7 +4308,7 @@
             <a:noFill/>
           </a:ln>
           <a:effectLst>
-            <a:outerShdw blurRad="228600" sx="101000" rotWithShape="0" algn="ctr" sy="101000">
+            <a:outerShdw blurRad="228600" sx="101000" sy="101000" algn="ctr" rotWithShape="0">
               <a:srgbClr val="000000">
                 <a:alpha val="40000"/>
               </a:srgbClr>
@@ -4317,12 +4316,12 @@
           </a:effectLst>
         </p:spPr>
         <p:txBody>
-          <a:bodyPr anchorCtr="0" anchor="ctr" bIns="91425" lIns="91425" spcFirstLastPara="1" rIns="91425" wrap="square" tIns="91425">
+          <a:bodyPr spcFirstLastPara="1" wrap="square" lIns="91425" tIns="91425" rIns="91425" bIns="91425" anchor="ctr" anchorCtr="0">
             <a:noAutofit/>
           </a:bodyPr>
           <a:lstStyle/>
           <a:p>
-            <a:pPr indent="0" lvl="0" marL="0" rtl="0" algn="l">
+            <a:pPr marL="0" lvl="0" indent="0" algn="l" rtl="0">
               <a:spcBef>
                 <a:spcPts val="0"/>
               </a:spcBef>
@@ -4331,9 +4330,6 @@
               </a:spcAft>
               <a:buNone/>
             </a:pPr>
-            <a:r>
-              <a:t/>
-            </a:r>
             <a:endParaRPr/>
           </a:p>
         </p:txBody>
@@ -4341,7 +4337,9 @@
       <p:sp>
         <p:nvSpPr>
           <p:cNvPr id="60" name="Google Shape;60;p5"/>
-          <p:cNvSpPr txBox="1"/>
+          <p:cNvSpPr txBox="1">
+            <a:spLocks noGrp="1"/>
+          </p:cNvSpPr>
           <p:nvPr>
             <p:ph type="title"/>
           </p:nvPr>
@@ -4356,7 +4354,7 @@
           </a:prstGeom>
         </p:spPr>
         <p:txBody>
-          <a:bodyPr anchorCtr="0" anchor="t" bIns="91425" lIns="91425" spcFirstLastPara="1" rIns="91425" wrap="square" tIns="91425">
+          <a:bodyPr spcFirstLastPara="1" wrap="square" lIns="91425" tIns="91425" rIns="91425" bIns="91425" anchor="t" anchorCtr="0">
             <a:normAutofit/>
           </a:bodyPr>
           <a:lstStyle>
@@ -4460,15 +4458,19 @@
               <a:defRPr sz="3000"/>
             </a:lvl9pPr>
           </a:lstStyle>
-          <a:p/>
+          <a:p>
+            <a:endParaRPr/>
+          </a:p>
         </p:txBody>
       </p:sp>
       <p:sp>
         <p:nvSpPr>
           <p:cNvPr id="61" name="Google Shape;61;p5"/>
-          <p:cNvSpPr txBox="1"/>
+          <p:cNvSpPr txBox="1">
+            <a:spLocks noGrp="1"/>
+          </p:cNvSpPr>
           <p:nvPr>
-            <p:ph idx="1" type="body"/>
+            <p:ph type="body" idx="1"/>
           </p:nvPr>
         </p:nvSpPr>
         <p:spPr>
@@ -4481,11 +4483,11 @@
           </a:prstGeom>
         </p:spPr>
         <p:txBody>
-          <a:bodyPr anchorCtr="0" anchor="t" bIns="91425" lIns="91425" spcFirstLastPara="1" rIns="91425" wrap="square" tIns="91425">
+          <a:bodyPr spcFirstLastPara="1" wrap="square" lIns="91425" tIns="91425" rIns="91425" bIns="91425" anchor="t" anchorCtr="0">
             <a:normAutofit/>
           </a:bodyPr>
           <a:lstStyle>
-            <a:lvl1pPr indent="-311150" lvl="0" marL="457200">
+            <a:lvl1pPr marL="457200" lvl="0" indent="-311150">
               <a:spcBef>
                 <a:spcPts val="0"/>
               </a:spcBef>
@@ -4496,7 +4498,7 @@
               <a:buChar char="●"/>
               <a:defRPr/>
             </a:lvl1pPr>
-            <a:lvl2pPr indent="-298450" lvl="1" marL="914400">
+            <a:lvl2pPr marL="914400" lvl="1" indent="-298450">
               <a:spcBef>
                 <a:spcPts val="0"/>
               </a:spcBef>
@@ -4507,7 +4509,7 @@
               <a:buChar char="○"/>
               <a:defRPr/>
             </a:lvl2pPr>
-            <a:lvl3pPr indent="-298450" lvl="2" marL="1371600">
+            <a:lvl3pPr marL="1371600" lvl="2" indent="-298450">
               <a:spcBef>
                 <a:spcPts val="0"/>
               </a:spcBef>
@@ -4518,7 +4520,7 @@
               <a:buChar char="■"/>
               <a:defRPr/>
             </a:lvl3pPr>
-            <a:lvl4pPr indent="-298450" lvl="3" marL="1828800">
+            <a:lvl4pPr marL="1828800" lvl="3" indent="-298450">
               <a:spcBef>
                 <a:spcPts val="0"/>
               </a:spcBef>
@@ -4529,7 +4531,7 @@
               <a:buChar char="●"/>
               <a:defRPr/>
             </a:lvl4pPr>
-            <a:lvl5pPr indent="-298450" lvl="4" marL="2286000">
+            <a:lvl5pPr marL="2286000" lvl="4" indent="-298450">
               <a:spcBef>
                 <a:spcPts val="0"/>
               </a:spcBef>
@@ -4540,7 +4542,7 @@
               <a:buChar char="○"/>
               <a:defRPr/>
             </a:lvl5pPr>
-            <a:lvl6pPr indent="-298450" lvl="5" marL="2743200">
+            <a:lvl6pPr marL="2743200" lvl="5" indent="-298450">
               <a:spcBef>
                 <a:spcPts val="0"/>
               </a:spcBef>
@@ -4551,7 +4553,7 @@
               <a:buChar char="■"/>
               <a:defRPr/>
             </a:lvl6pPr>
-            <a:lvl7pPr indent="-298450" lvl="6" marL="3200400">
+            <a:lvl7pPr marL="3200400" lvl="6" indent="-298450">
               <a:spcBef>
                 <a:spcPts val="0"/>
               </a:spcBef>
@@ -4562,7 +4564,7 @@
               <a:buChar char="●"/>
               <a:defRPr/>
             </a:lvl7pPr>
-            <a:lvl8pPr indent="-298450" lvl="7" marL="3657600">
+            <a:lvl8pPr marL="3657600" lvl="7" indent="-298450">
               <a:spcBef>
                 <a:spcPts val="0"/>
               </a:spcBef>
@@ -4573,7 +4575,7 @@
               <a:buChar char="○"/>
               <a:defRPr/>
             </a:lvl8pPr>
-            <a:lvl9pPr indent="-298450" lvl="8" marL="4114800">
+            <a:lvl9pPr marL="4114800" lvl="8" indent="-298450">
               <a:spcBef>
                 <a:spcPts val="0"/>
               </a:spcBef>
@@ -4585,15 +4587,19 @@
               <a:defRPr/>
             </a:lvl9pPr>
           </a:lstStyle>
-          <a:p/>
+          <a:p>
+            <a:endParaRPr/>
+          </a:p>
         </p:txBody>
       </p:sp>
       <p:sp>
         <p:nvSpPr>
           <p:cNvPr id="62" name="Google Shape;62;p5"/>
-          <p:cNvSpPr txBox="1"/>
+          <p:cNvSpPr txBox="1">
+            <a:spLocks noGrp="1"/>
+          </p:cNvSpPr>
           <p:nvPr>
-            <p:ph idx="2" type="body"/>
+            <p:ph type="body" idx="2"/>
           </p:nvPr>
         </p:nvSpPr>
         <p:spPr>
@@ -4606,11 +4612,11 @@
           </a:prstGeom>
         </p:spPr>
         <p:txBody>
-          <a:bodyPr anchorCtr="0" anchor="t" bIns="91425" lIns="91425" spcFirstLastPara="1" rIns="91425" wrap="square" tIns="91425">
+          <a:bodyPr spcFirstLastPara="1" wrap="square" lIns="91425" tIns="91425" rIns="91425" bIns="91425" anchor="t" anchorCtr="0">
             <a:normAutofit/>
           </a:bodyPr>
           <a:lstStyle>
-            <a:lvl1pPr indent="-311150" lvl="0" marL="457200">
+            <a:lvl1pPr marL="457200" lvl="0" indent="-311150">
               <a:spcBef>
                 <a:spcPts val="0"/>
               </a:spcBef>
@@ -4621,7 +4627,7 @@
               <a:buChar char="●"/>
               <a:defRPr/>
             </a:lvl1pPr>
-            <a:lvl2pPr indent="-298450" lvl="1" marL="914400">
+            <a:lvl2pPr marL="914400" lvl="1" indent="-298450">
               <a:spcBef>
                 <a:spcPts val="0"/>
               </a:spcBef>
@@ -4632,7 +4638,7 @@
               <a:buChar char="○"/>
               <a:defRPr/>
             </a:lvl2pPr>
-            <a:lvl3pPr indent="-298450" lvl="2" marL="1371600">
+            <a:lvl3pPr marL="1371600" lvl="2" indent="-298450">
               <a:spcBef>
                 <a:spcPts val="0"/>
               </a:spcBef>
@@ -4643,7 +4649,7 @@
               <a:buChar char="■"/>
               <a:defRPr/>
             </a:lvl3pPr>
-            <a:lvl4pPr indent="-298450" lvl="3" marL="1828800">
+            <a:lvl4pPr marL="1828800" lvl="3" indent="-298450">
               <a:spcBef>
                 <a:spcPts val="0"/>
               </a:spcBef>
@@ -4654,7 +4660,7 @@
               <a:buChar char="●"/>
               <a:defRPr/>
             </a:lvl4pPr>
-            <a:lvl5pPr indent="-298450" lvl="4" marL="2286000">
+            <a:lvl5pPr marL="2286000" lvl="4" indent="-298450">
               <a:spcBef>
                 <a:spcPts val="0"/>
               </a:spcBef>
@@ -4665,7 +4671,7 @@
               <a:buChar char="○"/>
               <a:defRPr/>
             </a:lvl5pPr>
-            <a:lvl6pPr indent="-298450" lvl="5" marL="2743200">
+            <a:lvl6pPr marL="2743200" lvl="5" indent="-298450">
               <a:spcBef>
                 <a:spcPts val="0"/>
               </a:spcBef>
@@ -4676,7 +4682,7 @@
               <a:buChar char="■"/>
               <a:defRPr/>
             </a:lvl6pPr>
-            <a:lvl7pPr indent="-298450" lvl="6" marL="3200400">
+            <a:lvl7pPr marL="3200400" lvl="6" indent="-298450">
               <a:spcBef>
                 <a:spcPts val="0"/>
               </a:spcBef>
@@ -4687,7 +4693,7 @@
               <a:buChar char="●"/>
               <a:defRPr/>
             </a:lvl7pPr>
-            <a:lvl8pPr indent="-298450" lvl="7" marL="3657600">
+            <a:lvl8pPr marL="3657600" lvl="7" indent="-298450">
               <a:spcBef>
                 <a:spcPts val="0"/>
               </a:spcBef>
@@ -4698,7 +4704,7 @@
               <a:buChar char="○"/>
               <a:defRPr/>
             </a:lvl8pPr>
-            <a:lvl9pPr indent="-298450" lvl="8" marL="4114800">
+            <a:lvl9pPr marL="4114800" lvl="8" indent="-298450">
               <a:spcBef>
                 <a:spcPts val="0"/>
               </a:spcBef>
@@ -4710,15 +4716,19 @@
               <a:defRPr/>
             </a:lvl9pPr>
           </a:lstStyle>
-          <a:p/>
+          <a:p>
+            <a:endParaRPr/>
+          </a:p>
         </p:txBody>
       </p:sp>
       <p:sp>
         <p:nvSpPr>
           <p:cNvPr id="63" name="Google Shape;63;p5"/>
-          <p:cNvSpPr txBox="1"/>
+          <p:cNvSpPr txBox="1">
+            <a:spLocks noGrp="1"/>
+          </p:cNvSpPr>
           <p:nvPr>
-            <p:ph idx="12" type="sldNum"/>
+            <p:ph type="sldNum" idx="12"/>
           </p:nvPr>
         </p:nvSpPr>
         <p:spPr>
@@ -4731,7 +4741,7 @@
           </a:prstGeom>
         </p:spPr>
         <p:txBody>
-          <a:bodyPr anchorCtr="0" anchor="ctr" bIns="91425" lIns="91425" spcFirstLastPara="1" rIns="91425" wrap="square" tIns="91425">
+          <a:bodyPr spcFirstLastPara="1" wrap="square" lIns="91425" tIns="91425" rIns="91425" bIns="91425" anchor="ctr" anchorCtr="0">
             <a:normAutofit/>
           </a:bodyPr>
           <a:lstStyle>
@@ -4773,7 +4783,7 @@
             </a:lvl9pPr>
           </a:lstStyle>
           <a:p>
-            <a:pPr indent="0" lvl="0" marL="0" rtl="0" algn="r">
+            <a:pPr marL="0" lvl="0" indent="0" algn="r" rtl="0">
               <a:spcBef>
                 <a:spcPts val="0"/>
               </a:spcBef>
@@ -4784,6 +4794,15 @@
             </a:pPr>
             <a:fld id="{00000000-1234-1234-1234-123412341234}" type="slidenum">
               <a:rPr lang="en"/>
+              <a:pPr marL="0" lvl="0" indent="0" algn="r" rtl="0">
+                <a:spcBef>
+                  <a:spcPts val="0"/>
+                </a:spcBef>
+                <a:spcAft>
+                  <a:spcPts val="0"/>
+                </a:spcAft>
+                <a:buNone/>
+              </a:pPr>
               <a:t>‹#›</a:t>
             </a:fld>
             <a:endParaRPr/>
@@ -4799,18 +4818,19 @@
 </file>
 
 <file path=ppt/slideLayouts/slideLayout5.xml><?xml version="1.0" encoding="utf-8"?>
-<p:sldLayout xmlns:a="http://schemas.openxmlformats.org/drawingml/2006/main" xmlns:r="http://schemas.openxmlformats.org/officeDocument/2006/relationships" xmlns:mc="http://schemas.openxmlformats.org/markup-compatibility/2006" xmlns:mv="urn:schemas-microsoft-com:mac:vml" xmlns:p="http://schemas.openxmlformats.org/presentationml/2006/main" xmlns:c="http://schemas.openxmlformats.org/drawingml/2006/chart" xmlns:dgm="http://schemas.openxmlformats.org/drawingml/2006/diagram" xmlns:o="urn:schemas-microsoft-com:office:office" xmlns:v="urn:schemas-microsoft-com:vml" xmlns:pvml="urn:schemas-microsoft-com:office:powerpoint" xmlns:com="http://schemas.openxmlformats.org/drawingml/2006/compatibility" xmlns:p14="http://schemas.microsoft.com/office/powerpoint/2010/main" xmlns:p15="http://schemas.microsoft.com/office/powerpoint/2012/main" xmlns:ahyp="http://schemas.microsoft.com/office/drawing/2018/hyperlinkcolor" matchingName="Title only" type="titleOnly">
+<p:sldLayout xmlns:a="http://schemas.openxmlformats.org/drawingml/2006/main" xmlns:r="http://schemas.openxmlformats.org/officeDocument/2006/relationships" xmlns:p="http://schemas.openxmlformats.org/presentationml/2006/main" matchingName="Title only" type="titleOnly">
   <p:cSld name="TITLE_ONLY">
     <p:bg>
       <p:bgPr>
         <a:solidFill>
           <a:schemeClr val="dk2"/>
         </a:solidFill>
+        <a:effectLst/>
       </p:bgPr>
     </p:bg>
     <p:spTree>
       <p:nvGrpSpPr>
-        <p:cNvPr id="64" name="Shape 64"/>
+        <p:cNvPr id="1" name="Shape 64"/>
         <p:cNvGrpSpPr/>
         <p:nvPr/>
       </p:nvGrpSpPr>
@@ -4844,12 +4864,12 @@
           </a:ln>
         </p:spPr>
         <p:txBody>
-          <a:bodyPr anchorCtr="0" anchor="ctr" bIns="91425" lIns="91425" spcFirstLastPara="1" rIns="91425" wrap="square" tIns="91425">
+          <a:bodyPr spcFirstLastPara="1" wrap="square" lIns="91425" tIns="91425" rIns="91425" bIns="91425" anchor="ctr" anchorCtr="0">
             <a:noAutofit/>
           </a:bodyPr>
           <a:lstStyle/>
           <a:p>
-            <a:pPr indent="0" lvl="0" marL="0" rtl="0" algn="l">
+            <a:pPr marL="0" lvl="0" indent="0" algn="l" rtl="0">
               <a:spcBef>
                 <a:spcPts val="0"/>
               </a:spcBef>
@@ -4858,9 +4878,6 @@
               </a:spcAft>
               <a:buNone/>
             </a:pPr>
-            <a:r>
-              <a:t/>
-            </a:r>
             <a:endParaRPr/>
           </a:p>
         </p:txBody>
@@ -4887,12 +4904,12 @@
           </a:ln>
         </p:spPr>
         <p:txBody>
-          <a:bodyPr anchorCtr="0" anchor="ctr" bIns="91425" lIns="91425" spcFirstLastPara="1" rIns="91425" wrap="square" tIns="91425">
+          <a:bodyPr spcFirstLastPara="1" wrap="square" lIns="91425" tIns="91425" rIns="91425" bIns="91425" anchor="ctr" anchorCtr="0">
             <a:noAutofit/>
           </a:bodyPr>
           <a:lstStyle/>
           <a:p>
-            <a:pPr indent="0" lvl="0" marL="0" rtl="0" algn="l">
+            <a:pPr marL="0" lvl="0" indent="0" algn="l" rtl="0">
               <a:spcBef>
                 <a:spcPts val="0"/>
               </a:spcBef>
@@ -4901,9 +4918,6 @@
               </a:spcAft>
               <a:buNone/>
             </a:pPr>
-            <a:r>
-              <a:t/>
-            </a:r>
             <a:endParaRPr/>
           </a:p>
         </p:txBody>
@@ -4929,7 +4943,7 @@
             <a:noFill/>
           </a:ln>
           <a:effectLst>
-            <a:outerShdw blurRad="228600" sx="101000" rotWithShape="0" algn="ctr" sy="101000">
+            <a:outerShdw blurRad="228600" sx="101000" sy="101000" algn="ctr" rotWithShape="0">
               <a:srgbClr val="000000">
                 <a:alpha val="40000"/>
               </a:srgbClr>
@@ -4937,12 +4951,12 @@
           </a:effectLst>
         </p:spPr>
         <p:txBody>
-          <a:bodyPr anchorCtr="0" anchor="ctr" bIns="91425" lIns="91425" spcFirstLastPara="1" rIns="91425" wrap="square" tIns="91425">
+          <a:bodyPr spcFirstLastPara="1" wrap="square" lIns="91425" tIns="91425" rIns="91425" bIns="91425" anchor="ctr" anchorCtr="0">
             <a:noAutofit/>
           </a:bodyPr>
           <a:lstStyle/>
           <a:p>
-            <a:pPr indent="0" lvl="0" marL="0" rtl="0" algn="l">
+            <a:pPr marL="0" lvl="0" indent="0" algn="l" rtl="0">
               <a:spcBef>
                 <a:spcPts val="0"/>
               </a:spcBef>
@@ -4951,9 +4965,6 @@
               </a:spcAft>
               <a:buNone/>
             </a:pPr>
-            <a:r>
-              <a:t/>
-            </a:r>
             <a:endParaRPr/>
           </a:p>
         </p:txBody>
@@ -4961,7 +4972,9 @@
       <p:sp>
         <p:nvSpPr>
           <p:cNvPr id="68" name="Google Shape;68;p6"/>
-          <p:cNvSpPr txBox="1"/>
+          <p:cNvSpPr txBox="1">
+            <a:spLocks noGrp="1"/>
+          </p:cNvSpPr>
           <p:nvPr>
             <p:ph type="title"/>
           </p:nvPr>
@@ -4976,7 +4989,7 @@
           </a:prstGeom>
         </p:spPr>
         <p:txBody>
-          <a:bodyPr anchorCtr="0" anchor="t" bIns="91425" lIns="91425" spcFirstLastPara="1" rIns="91425" wrap="square" tIns="91425">
+          <a:bodyPr spcFirstLastPara="1" wrap="square" lIns="91425" tIns="91425" rIns="91425" bIns="91425" anchor="t" anchorCtr="0">
             <a:normAutofit/>
           </a:bodyPr>
           <a:lstStyle>
@@ -5080,15 +5093,19 @@
               <a:defRPr sz="3000"/>
             </a:lvl9pPr>
           </a:lstStyle>
-          <a:p/>
+          <a:p>
+            <a:endParaRPr/>
+          </a:p>
         </p:txBody>
       </p:sp>
       <p:sp>
         <p:nvSpPr>
           <p:cNvPr id="69" name="Google Shape;69;p6"/>
-          <p:cNvSpPr txBox="1"/>
+          <p:cNvSpPr txBox="1">
+            <a:spLocks noGrp="1"/>
+          </p:cNvSpPr>
           <p:nvPr>
-            <p:ph idx="12" type="sldNum"/>
+            <p:ph type="sldNum" idx="12"/>
           </p:nvPr>
         </p:nvSpPr>
         <p:spPr>
@@ -5101,7 +5118,7 @@
           </a:prstGeom>
         </p:spPr>
         <p:txBody>
-          <a:bodyPr anchorCtr="0" anchor="ctr" bIns="91425" lIns="91425" spcFirstLastPara="1" rIns="91425" wrap="square" tIns="91425">
+          <a:bodyPr spcFirstLastPara="1" wrap="square" lIns="91425" tIns="91425" rIns="91425" bIns="91425" anchor="ctr" anchorCtr="0">
             <a:normAutofit/>
           </a:bodyPr>
           <a:lstStyle>
@@ -5143,7 +5160,7 @@
             </a:lvl9pPr>
           </a:lstStyle>
           <a:p>
-            <a:pPr indent="0" lvl="0" marL="0" rtl="0" algn="r">
+            <a:pPr marL="0" lvl="0" indent="0" algn="r" rtl="0">
               <a:spcBef>
                 <a:spcPts val="0"/>
               </a:spcBef>
@@ -5154,6 +5171,15 @@
             </a:pPr>
             <a:fld id="{00000000-1234-1234-1234-123412341234}" type="slidenum">
               <a:rPr lang="en"/>
+              <a:pPr marL="0" lvl="0" indent="0" algn="r" rtl="0">
+                <a:spcBef>
+                  <a:spcPts val="0"/>
+                </a:spcBef>
+                <a:spcAft>
+                  <a:spcPts val="0"/>
+                </a:spcAft>
+                <a:buNone/>
+              </a:pPr>
               <a:t>‹#›</a:t>
             </a:fld>
             <a:endParaRPr/>
@@ -5169,18 +5195,19 @@
 </file>
 
 <file path=ppt/slideLayouts/slideLayout6.xml><?xml version="1.0" encoding="utf-8"?>
-<p:sldLayout xmlns:a="http://schemas.openxmlformats.org/drawingml/2006/main" xmlns:r="http://schemas.openxmlformats.org/officeDocument/2006/relationships" xmlns:mc="http://schemas.openxmlformats.org/markup-compatibility/2006" xmlns:mv="urn:schemas-microsoft-com:mac:vml" xmlns:p="http://schemas.openxmlformats.org/presentationml/2006/main" xmlns:c="http://schemas.openxmlformats.org/drawingml/2006/chart" xmlns:dgm="http://schemas.openxmlformats.org/drawingml/2006/diagram" xmlns:o="urn:schemas-microsoft-com:office:office" xmlns:v="urn:schemas-microsoft-com:vml" xmlns:pvml="urn:schemas-microsoft-com:office:powerpoint" xmlns:com="http://schemas.openxmlformats.org/drawingml/2006/compatibility" xmlns:p14="http://schemas.microsoft.com/office/powerpoint/2010/main" xmlns:p15="http://schemas.microsoft.com/office/powerpoint/2012/main" xmlns:ahyp="http://schemas.microsoft.com/office/drawing/2018/hyperlinkcolor" matchingName="One column text">
+<p:sldLayout xmlns:a="http://schemas.openxmlformats.org/drawingml/2006/main" xmlns:r="http://schemas.openxmlformats.org/officeDocument/2006/relationships" xmlns:p="http://schemas.openxmlformats.org/presentationml/2006/main" matchingName="One column text">
   <p:cSld name="ONE_COLUMN_TEXT">
     <p:bg>
       <p:bgPr>
         <a:solidFill>
           <a:schemeClr val="accent3"/>
         </a:solidFill>
+        <a:effectLst/>
       </p:bgPr>
     </p:bg>
     <p:spTree>
       <p:nvGrpSpPr>
-        <p:cNvPr id="70" name="Shape 70"/>
+        <p:cNvPr id="1" name="Shape 70"/>
         <p:cNvGrpSpPr/>
         <p:nvPr/>
       </p:nvGrpSpPr>
@@ -5214,12 +5241,12 @@
           </a:ln>
         </p:spPr>
         <p:txBody>
-          <a:bodyPr anchorCtr="0" anchor="ctr" bIns="91425" lIns="91425" spcFirstLastPara="1" rIns="91425" wrap="square" tIns="91425">
+          <a:bodyPr spcFirstLastPara="1" wrap="square" lIns="91425" tIns="91425" rIns="91425" bIns="91425" anchor="ctr" anchorCtr="0">
             <a:noAutofit/>
           </a:bodyPr>
           <a:lstStyle/>
           <a:p>
-            <a:pPr indent="0" lvl="0" marL="0" rtl="0" algn="l">
+            <a:pPr marL="0" lvl="0" indent="0" algn="l" rtl="0">
               <a:spcBef>
                 <a:spcPts val="0"/>
               </a:spcBef>
@@ -5228,9 +5255,6 @@
               </a:spcAft>
               <a:buNone/>
             </a:pPr>
-            <a:r>
-              <a:t/>
-            </a:r>
             <a:endParaRPr/>
           </a:p>
         </p:txBody>
@@ -5257,12 +5281,12 @@
           </a:ln>
         </p:spPr>
         <p:txBody>
-          <a:bodyPr anchorCtr="0" anchor="ctr" bIns="91425" lIns="91425" spcFirstLastPara="1" rIns="91425" wrap="square" tIns="91425">
+          <a:bodyPr spcFirstLastPara="1" wrap="square" lIns="91425" tIns="91425" rIns="91425" bIns="91425" anchor="ctr" anchorCtr="0">
             <a:noAutofit/>
           </a:bodyPr>
           <a:lstStyle/>
           <a:p>
-            <a:pPr indent="0" lvl="0" marL="0" rtl="0" algn="l">
+            <a:pPr marL="0" lvl="0" indent="0" algn="l" rtl="0">
               <a:spcBef>
                 <a:spcPts val="0"/>
               </a:spcBef>
@@ -5271,9 +5295,6 @@
               </a:spcAft>
               <a:buNone/>
             </a:pPr>
-            <a:r>
-              <a:t/>
-            </a:r>
             <a:endParaRPr/>
           </a:p>
         </p:txBody>
@@ -5299,7 +5320,7 @@
             <a:noFill/>
           </a:ln>
           <a:effectLst>
-            <a:outerShdw blurRad="228600" sx="101000" rotWithShape="0" algn="ctr" sy="101000">
+            <a:outerShdw blurRad="228600" sx="101000" sy="101000" algn="ctr" rotWithShape="0">
               <a:srgbClr val="000000">
                 <a:alpha val="40000"/>
               </a:srgbClr>
@@ -5307,12 +5328,12 @@
           </a:effectLst>
         </p:spPr>
         <p:txBody>
-          <a:bodyPr anchorCtr="0" anchor="ctr" bIns="91425" lIns="91425" spcFirstLastPara="1" rIns="91425" wrap="square" tIns="91425">
+          <a:bodyPr spcFirstLastPara="1" wrap="square" lIns="91425" tIns="91425" rIns="91425" bIns="91425" anchor="ctr" anchorCtr="0">
             <a:noAutofit/>
           </a:bodyPr>
           <a:lstStyle/>
           <a:p>
-            <a:pPr indent="0" lvl="0" marL="0" rtl="0" algn="l">
+            <a:pPr marL="0" lvl="0" indent="0" algn="l" rtl="0">
               <a:spcBef>
                 <a:spcPts val="0"/>
               </a:spcBef>
@@ -5321,9 +5342,6 @@
               </a:spcAft>
               <a:buNone/>
             </a:pPr>
-            <a:r>
-              <a:t/>
-            </a:r>
             <a:endParaRPr/>
           </a:p>
         </p:txBody>
@@ -5331,7 +5349,9 @@
       <p:sp>
         <p:nvSpPr>
           <p:cNvPr id="74" name="Google Shape;74;p7"/>
-          <p:cNvSpPr txBox="1"/>
+          <p:cNvSpPr txBox="1">
+            <a:spLocks noGrp="1"/>
+          </p:cNvSpPr>
           <p:nvPr>
             <p:ph type="title"/>
           </p:nvPr>
@@ -5346,7 +5366,7 @@
           </a:prstGeom>
         </p:spPr>
         <p:txBody>
-          <a:bodyPr anchorCtr="0" anchor="t" bIns="91425" lIns="91425" spcFirstLastPara="1" rIns="91425" wrap="square" tIns="91425">
+          <a:bodyPr spcFirstLastPara="1" wrap="square" lIns="91425" tIns="91425" rIns="91425" bIns="91425" anchor="t" anchorCtr="0">
             <a:normAutofit/>
           </a:bodyPr>
           <a:lstStyle>
@@ -5450,15 +5470,19 @@
               <a:defRPr sz="3000"/>
             </a:lvl9pPr>
           </a:lstStyle>
-          <a:p/>
+          <a:p>
+            <a:endParaRPr/>
+          </a:p>
         </p:txBody>
       </p:sp>
       <p:sp>
         <p:nvSpPr>
           <p:cNvPr id="75" name="Google Shape;75;p7"/>
-          <p:cNvSpPr txBox="1"/>
+          <p:cNvSpPr txBox="1">
+            <a:spLocks noGrp="1"/>
+          </p:cNvSpPr>
           <p:nvPr>
-            <p:ph idx="1" type="body"/>
+            <p:ph type="body" idx="1"/>
           </p:nvPr>
         </p:nvSpPr>
         <p:spPr>
@@ -5471,11 +5495,11 @@
           </a:prstGeom>
         </p:spPr>
         <p:txBody>
-          <a:bodyPr anchorCtr="0" anchor="t" bIns="91425" lIns="91425" spcFirstLastPara="1" rIns="91425" wrap="square" tIns="91425">
+          <a:bodyPr spcFirstLastPara="1" wrap="square" lIns="91425" tIns="91425" rIns="91425" bIns="91425" anchor="t" anchorCtr="0">
             <a:normAutofit/>
           </a:bodyPr>
           <a:lstStyle>
-            <a:lvl1pPr indent="-311150" lvl="0" marL="457200">
+            <a:lvl1pPr marL="457200" lvl="0" indent="-311150">
               <a:spcBef>
                 <a:spcPts val="0"/>
               </a:spcBef>
@@ -5486,7 +5510,7 @@
               <a:buChar char="●"/>
               <a:defRPr/>
             </a:lvl1pPr>
-            <a:lvl2pPr indent="-298450" lvl="1" marL="914400">
+            <a:lvl2pPr marL="914400" lvl="1" indent="-298450">
               <a:spcBef>
                 <a:spcPts val="0"/>
               </a:spcBef>
@@ -5497,7 +5521,7 @@
               <a:buChar char="○"/>
               <a:defRPr/>
             </a:lvl2pPr>
-            <a:lvl3pPr indent="-298450" lvl="2" marL="1371600">
+            <a:lvl3pPr marL="1371600" lvl="2" indent="-298450">
               <a:spcBef>
                 <a:spcPts val="0"/>
               </a:spcBef>
@@ -5508,7 +5532,7 @@
               <a:buChar char="■"/>
               <a:defRPr/>
             </a:lvl3pPr>
-            <a:lvl4pPr indent="-298450" lvl="3" marL="1828800">
+            <a:lvl4pPr marL="1828800" lvl="3" indent="-298450">
               <a:spcBef>
                 <a:spcPts val="0"/>
               </a:spcBef>
@@ -5519,7 +5543,7 @@
               <a:buChar char="●"/>
               <a:defRPr/>
             </a:lvl4pPr>
-            <a:lvl5pPr indent="-298450" lvl="4" marL="2286000">
+            <a:lvl5pPr marL="2286000" lvl="4" indent="-298450">
               <a:spcBef>
                 <a:spcPts val="0"/>
               </a:spcBef>
@@ -5530,7 +5554,7 @@
               <a:buChar char="○"/>
               <a:defRPr/>
             </a:lvl5pPr>
-            <a:lvl6pPr indent="-298450" lvl="5" marL="2743200">
+            <a:lvl6pPr marL="2743200" lvl="5" indent="-298450">
               <a:spcBef>
                 <a:spcPts val="0"/>
               </a:spcBef>
@@ -5541,7 +5565,7 @@
               <a:buChar char="■"/>
               <a:defRPr/>
             </a:lvl6pPr>
-            <a:lvl7pPr indent="-298450" lvl="6" marL="3200400">
+            <a:lvl7pPr marL="3200400" lvl="6" indent="-298450">
               <a:spcBef>
                 <a:spcPts val="0"/>
               </a:spcBef>
@@ -5552,7 +5576,7 @@
               <a:buChar char="●"/>
               <a:defRPr/>
             </a:lvl7pPr>
-            <a:lvl8pPr indent="-298450" lvl="7" marL="3657600">
+            <a:lvl8pPr marL="3657600" lvl="7" indent="-298450">
               <a:spcBef>
                 <a:spcPts val="0"/>
               </a:spcBef>
@@ -5563,7 +5587,7 @@
               <a:buChar char="○"/>
               <a:defRPr/>
             </a:lvl8pPr>
-            <a:lvl9pPr indent="-298450" lvl="8" marL="4114800">
+            <a:lvl9pPr marL="4114800" lvl="8" indent="-298450">
               <a:spcBef>
                 <a:spcPts val="0"/>
               </a:spcBef>
@@ -5575,15 +5599,19 @@
               <a:defRPr/>
             </a:lvl9pPr>
           </a:lstStyle>
-          <a:p/>
+          <a:p>
+            <a:endParaRPr/>
+          </a:p>
         </p:txBody>
       </p:sp>
       <p:sp>
         <p:nvSpPr>
           <p:cNvPr id="76" name="Google Shape;76;p7"/>
-          <p:cNvSpPr txBox="1"/>
+          <p:cNvSpPr txBox="1">
+            <a:spLocks noGrp="1"/>
+          </p:cNvSpPr>
           <p:nvPr>
-            <p:ph idx="12" type="sldNum"/>
+            <p:ph type="sldNum" idx="12"/>
           </p:nvPr>
         </p:nvSpPr>
         <p:spPr>
@@ -5596,7 +5624,7 @@
           </a:prstGeom>
         </p:spPr>
         <p:txBody>
-          <a:bodyPr anchorCtr="0" anchor="ctr" bIns="91425" lIns="91425" spcFirstLastPara="1" rIns="91425" wrap="square" tIns="91425">
+          <a:bodyPr spcFirstLastPara="1" wrap="square" lIns="91425" tIns="91425" rIns="91425" bIns="91425" anchor="ctr" anchorCtr="0">
             <a:normAutofit/>
           </a:bodyPr>
           <a:lstStyle>
@@ -5638,7 +5666,7 @@
             </a:lvl9pPr>
           </a:lstStyle>
           <a:p>
-            <a:pPr indent="0" lvl="0" marL="0" rtl="0" algn="r">
+            <a:pPr marL="0" lvl="0" indent="0" algn="r" rtl="0">
               <a:spcBef>
                 <a:spcPts val="0"/>
               </a:spcBef>
@@ -5649,6 +5677,15 @@
             </a:pPr>
             <a:fld id="{00000000-1234-1234-1234-123412341234}" type="slidenum">
               <a:rPr lang="en"/>
+              <a:pPr marL="0" lvl="0" indent="0" algn="r" rtl="0">
+                <a:spcBef>
+                  <a:spcPts val="0"/>
+                </a:spcBef>
+                <a:spcAft>
+                  <a:spcPts val="0"/>
+                </a:spcAft>
+                <a:buNone/>
+              </a:pPr>
               <a:t>‹#›</a:t>
             </a:fld>
             <a:endParaRPr/>
@@ -5664,18 +5701,19 @@
 </file>
 
 <file path=ppt/slideLayouts/slideLayout7.xml><?xml version="1.0" encoding="utf-8"?>
-<p:sldLayout xmlns:a="http://schemas.openxmlformats.org/drawingml/2006/main" xmlns:r="http://schemas.openxmlformats.org/officeDocument/2006/relationships" xmlns:mc="http://schemas.openxmlformats.org/markup-compatibility/2006" xmlns:mv="urn:schemas-microsoft-com:mac:vml" xmlns:p="http://schemas.openxmlformats.org/presentationml/2006/main" xmlns:c="http://schemas.openxmlformats.org/drawingml/2006/chart" xmlns:dgm="http://schemas.openxmlformats.org/drawingml/2006/diagram" xmlns:o="urn:schemas-microsoft-com:office:office" xmlns:v="urn:schemas-microsoft-com:vml" xmlns:pvml="urn:schemas-microsoft-com:office:powerpoint" xmlns:com="http://schemas.openxmlformats.org/drawingml/2006/compatibility" xmlns:p14="http://schemas.microsoft.com/office/powerpoint/2010/main" xmlns:p15="http://schemas.microsoft.com/office/powerpoint/2012/main" xmlns:ahyp="http://schemas.microsoft.com/office/drawing/2018/hyperlinkcolor" matchingName="Main point">
+<p:sldLayout xmlns:a="http://schemas.openxmlformats.org/drawingml/2006/main" xmlns:r="http://schemas.openxmlformats.org/officeDocument/2006/relationships" xmlns:p="http://schemas.openxmlformats.org/presentationml/2006/main" matchingName="Main point">
   <p:cSld name="MAIN_POINT">
     <p:bg>
       <p:bgPr>
         <a:solidFill>
           <a:schemeClr val="accent1"/>
         </a:solidFill>
+        <a:effectLst/>
       </p:bgPr>
     </p:bg>
     <p:spTree>
       <p:nvGrpSpPr>
-        <p:cNvPr id="77" name="Shape 77"/>
+        <p:cNvPr id="1" name="Shape 77"/>
         <p:cNvGrpSpPr/>
         <p:nvPr/>
       </p:nvGrpSpPr>
@@ -5709,12 +5747,12 @@
           </a:ln>
         </p:spPr>
         <p:txBody>
-          <a:bodyPr anchorCtr="0" anchor="ctr" bIns="91425" lIns="91425" spcFirstLastPara="1" rIns="91425" wrap="square" tIns="91425">
+          <a:bodyPr spcFirstLastPara="1" wrap="square" lIns="91425" tIns="91425" rIns="91425" bIns="91425" anchor="ctr" anchorCtr="0">
             <a:noAutofit/>
           </a:bodyPr>
           <a:lstStyle/>
           <a:p>
-            <a:pPr indent="0" lvl="0" marL="0" rtl="0" algn="l">
+            <a:pPr marL="0" lvl="0" indent="0" algn="l" rtl="0">
               <a:spcBef>
                 <a:spcPts val="0"/>
               </a:spcBef>
@@ -5723,9 +5761,6 @@
               </a:spcAft>
               <a:buNone/>
             </a:pPr>
-            <a:r>
-              <a:t/>
-            </a:r>
             <a:endParaRPr/>
           </a:p>
         </p:txBody>
@@ -5752,12 +5787,12 @@
           </a:ln>
         </p:spPr>
         <p:txBody>
-          <a:bodyPr anchorCtr="0" anchor="ctr" bIns="91425" lIns="91425" spcFirstLastPara="1" rIns="91425" wrap="square" tIns="91425">
+          <a:bodyPr spcFirstLastPara="1" wrap="square" lIns="91425" tIns="91425" rIns="91425" bIns="91425" anchor="ctr" anchorCtr="0">
             <a:noAutofit/>
           </a:bodyPr>
           <a:lstStyle/>
           <a:p>
-            <a:pPr indent="0" lvl="0" marL="0" rtl="0" algn="l">
+            <a:pPr marL="0" lvl="0" indent="0" algn="l" rtl="0">
               <a:spcBef>
                 <a:spcPts val="0"/>
               </a:spcBef>
@@ -5766,9 +5801,6 @@
               </a:spcAft>
               <a:buNone/>
             </a:pPr>
-            <a:r>
-              <a:t/>
-            </a:r>
             <a:endParaRPr/>
           </a:p>
         </p:txBody>
@@ -5800,7 +5832,7 @@
             </a:xfrm>
             <a:prstGeom prst="parallelogram">
               <a:avLst>
-                <a:gd fmla="val 153193" name="adj"/>
+                <a:gd name="adj" fmla="val 153193"/>
               </a:avLst>
             </a:prstGeom>
             <a:solidFill>
@@ -5811,12 +5843,12 @@
             </a:ln>
           </p:spPr>
           <p:txBody>
-            <a:bodyPr anchorCtr="0" anchor="ctr" bIns="91425" lIns="91425" spcFirstLastPara="1" rIns="91425" wrap="square" tIns="91425">
+            <a:bodyPr spcFirstLastPara="1" wrap="square" lIns="91425" tIns="91425" rIns="91425" bIns="91425" anchor="ctr" anchorCtr="0">
               <a:noAutofit/>
             </a:bodyPr>
             <a:lstStyle/>
             <a:p>
-              <a:pPr indent="0" lvl="0" marL="0" rtl="0" algn="l">
+              <a:pPr marL="0" lvl="0" indent="0" algn="l" rtl="0">
                 <a:spcBef>
                   <a:spcPts val="0"/>
                 </a:spcBef>
@@ -5825,9 +5857,6 @@
                 </a:spcAft>
                 <a:buNone/>
               </a:pPr>
-              <a:r>
-                <a:t/>
-              </a:r>
               <a:endParaRPr/>
             </a:p>
           </p:txBody>
@@ -5845,7 +5874,7 @@
             </a:xfrm>
             <a:prstGeom prst="parallelogram">
               <a:avLst>
-                <a:gd fmla="val 153193" name="adj"/>
+                <a:gd name="adj" fmla="val 153193"/>
               </a:avLst>
             </a:prstGeom>
             <a:solidFill>
@@ -5856,12 +5885,12 @@
             </a:ln>
           </p:spPr>
           <p:txBody>
-            <a:bodyPr anchorCtr="0" anchor="ctr" bIns="91425" lIns="91425" spcFirstLastPara="1" rIns="91425" wrap="square" tIns="91425">
+            <a:bodyPr spcFirstLastPara="1" wrap="square" lIns="91425" tIns="91425" rIns="91425" bIns="91425" anchor="ctr" anchorCtr="0">
               <a:noAutofit/>
             </a:bodyPr>
             <a:lstStyle/>
             <a:p>
-              <a:pPr indent="0" lvl="0" marL="0" rtl="0" algn="l">
+              <a:pPr marL="0" lvl="0" indent="0" algn="l" rtl="0">
                 <a:spcBef>
                   <a:spcPts val="0"/>
                 </a:spcBef>
@@ -5870,9 +5899,6 @@
                 </a:spcAft>
                 <a:buNone/>
               </a:pPr>
-              <a:r>
-                <a:t/>
-              </a:r>
               <a:endParaRPr/>
             </a:p>
           </p:txBody>
@@ -5890,7 +5916,7 @@
             </a:xfrm>
             <a:prstGeom prst="parallelogram">
               <a:avLst>
-                <a:gd fmla="val 153193" name="adj"/>
+                <a:gd name="adj" fmla="val 153193"/>
               </a:avLst>
             </a:prstGeom>
             <a:solidFill>
@@ -5901,12 +5927,12 @@
             </a:ln>
           </p:spPr>
           <p:txBody>
-            <a:bodyPr anchorCtr="0" anchor="ctr" bIns="91425" lIns="91425" spcFirstLastPara="1" rIns="91425" wrap="square" tIns="91425">
+            <a:bodyPr spcFirstLastPara="1" wrap="square" lIns="91425" tIns="91425" rIns="91425" bIns="91425" anchor="ctr" anchorCtr="0">
               <a:noAutofit/>
             </a:bodyPr>
             <a:lstStyle/>
             <a:p>
-              <a:pPr indent="0" lvl="0" marL="0" rtl="0" algn="l">
+              <a:pPr marL="0" lvl="0" indent="0" algn="l" rtl="0">
                 <a:spcBef>
                   <a:spcPts val="0"/>
                 </a:spcBef>
@@ -5915,9 +5941,6 @@
                 </a:spcAft>
                 <a:buNone/>
               </a:pPr>
-              <a:r>
-                <a:t/>
-              </a:r>
               <a:endParaRPr/>
             </a:p>
           </p:txBody>
@@ -5944,7 +5967,7 @@
             <a:noFill/>
           </a:ln>
           <a:effectLst>
-            <a:outerShdw blurRad="228600" sx="101000" rotWithShape="0" algn="ctr" sy="101000">
+            <a:outerShdw blurRad="228600" sx="101000" sy="101000" algn="ctr" rotWithShape="0">
               <a:srgbClr val="000000">
                 <a:alpha val="40000"/>
               </a:srgbClr>
@@ -5952,12 +5975,12 @@
           </a:effectLst>
         </p:spPr>
         <p:txBody>
-          <a:bodyPr anchorCtr="0" anchor="ctr" bIns="91425" lIns="91425" spcFirstLastPara="1" rIns="91425" wrap="square" tIns="91425">
+          <a:bodyPr spcFirstLastPara="1" wrap="square" lIns="91425" tIns="91425" rIns="91425" bIns="91425" anchor="ctr" anchorCtr="0">
             <a:noAutofit/>
           </a:bodyPr>
           <a:lstStyle/>
           <a:p>
-            <a:pPr indent="0" lvl="0" marL="0" rtl="0" algn="l">
+            <a:pPr marL="0" lvl="0" indent="0" algn="l" rtl="0">
               <a:spcBef>
                 <a:spcPts val="0"/>
               </a:spcBef>
@@ -5966,9 +5989,6 @@
               </a:spcAft>
               <a:buNone/>
             </a:pPr>
-            <a:r>
-              <a:t/>
-            </a:r>
             <a:endParaRPr/>
           </a:p>
         </p:txBody>
@@ -6000,7 +6020,7 @@
             </a:xfrm>
             <a:prstGeom prst="parallelogram">
               <a:avLst>
-                <a:gd fmla="val 158024" name="adj"/>
+                <a:gd name="adj" fmla="val 158024"/>
               </a:avLst>
             </a:prstGeom>
             <a:solidFill>
@@ -6011,12 +6031,12 @@
             </a:ln>
           </p:spPr>
           <p:txBody>
-            <a:bodyPr anchorCtr="0" anchor="ctr" bIns="91425" lIns="91425" spcFirstLastPara="1" rIns="91425" wrap="square" tIns="91425">
+            <a:bodyPr spcFirstLastPara="1" wrap="square" lIns="91425" tIns="91425" rIns="91425" bIns="91425" anchor="ctr" anchorCtr="0">
               <a:noAutofit/>
             </a:bodyPr>
             <a:lstStyle/>
             <a:p>
-              <a:pPr indent="0" lvl="0" marL="0" rtl="0" algn="l">
+              <a:pPr marL="0" lvl="0" indent="0" algn="l" rtl="0">
                 <a:spcBef>
                   <a:spcPts val="0"/>
                 </a:spcBef>
@@ -6025,9 +6045,6 @@
                 </a:spcAft>
                 <a:buNone/>
               </a:pPr>
-              <a:r>
-                <a:t/>
-              </a:r>
               <a:endParaRPr/>
             </a:p>
           </p:txBody>
@@ -6045,7 +6062,7 @@
             </a:xfrm>
             <a:prstGeom prst="parallelogram">
               <a:avLst>
-                <a:gd fmla="val 158024" name="adj"/>
+                <a:gd name="adj" fmla="val 158024"/>
               </a:avLst>
             </a:prstGeom>
             <a:solidFill>
@@ -6056,12 +6073,12 @@
             </a:ln>
           </p:spPr>
           <p:txBody>
-            <a:bodyPr anchorCtr="0" anchor="ctr" bIns="91425" lIns="91425" spcFirstLastPara="1" rIns="91425" wrap="square" tIns="91425">
+            <a:bodyPr spcFirstLastPara="1" wrap="square" lIns="91425" tIns="91425" rIns="91425" bIns="91425" anchor="ctr" anchorCtr="0">
               <a:noAutofit/>
             </a:bodyPr>
             <a:lstStyle/>
             <a:p>
-              <a:pPr indent="0" lvl="0" marL="0" rtl="0" algn="l">
+              <a:pPr marL="0" lvl="0" indent="0" algn="l" rtl="0">
                 <a:spcBef>
                   <a:spcPts val="0"/>
                 </a:spcBef>
@@ -6070,9 +6087,6 @@
                 </a:spcAft>
                 <a:buNone/>
               </a:pPr>
-              <a:r>
-                <a:t/>
-              </a:r>
               <a:endParaRPr/>
             </a:p>
           </p:txBody>
@@ -6090,7 +6104,7 @@
             </a:xfrm>
             <a:prstGeom prst="parallelogram">
               <a:avLst>
-                <a:gd fmla="val 158024" name="adj"/>
+                <a:gd name="adj" fmla="val 158024"/>
               </a:avLst>
             </a:prstGeom>
             <a:solidFill>
@@ -6101,12 +6115,12 @@
             </a:ln>
           </p:spPr>
           <p:txBody>
-            <a:bodyPr anchorCtr="0" anchor="ctr" bIns="91425" lIns="91425" spcFirstLastPara="1" rIns="91425" wrap="square" tIns="91425">
+            <a:bodyPr spcFirstLastPara="1" wrap="square" lIns="91425" tIns="91425" rIns="91425" bIns="91425" anchor="ctr" anchorCtr="0">
               <a:noAutofit/>
             </a:bodyPr>
             <a:lstStyle/>
             <a:p>
-              <a:pPr indent="0" lvl="0" marL="0" rtl="0" algn="l">
+              <a:pPr marL="0" lvl="0" indent="0" algn="l" rtl="0">
                 <a:spcBef>
                   <a:spcPts val="0"/>
                 </a:spcBef>
@@ -6115,9 +6129,6 @@
                 </a:spcAft>
                 <a:buNone/>
               </a:pPr>
-              <a:r>
-                <a:t/>
-              </a:r>
               <a:endParaRPr/>
             </a:p>
           </p:txBody>
@@ -6150,7 +6161,7 @@
             </a:xfrm>
             <a:prstGeom prst="parallelogram">
               <a:avLst>
-                <a:gd fmla="val 158024" name="adj"/>
+                <a:gd name="adj" fmla="val 158024"/>
               </a:avLst>
             </a:prstGeom>
             <a:solidFill>
@@ -6161,12 +6172,12 @@
             </a:ln>
           </p:spPr>
           <p:txBody>
-            <a:bodyPr anchorCtr="0" anchor="ctr" bIns="91425" lIns="91425" spcFirstLastPara="1" rIns="91425" wrap="square" tIns="91425">
+            <a:bodyPr spcFirstLastPara="1" wrap="square" lIns="91425" tIns="91425" rIns="91425" bIns="91425" anchor="ctr" anchorCtr="0">
               <a:noAutofit/>
             </a:bodyPr>
             <a:lstStyle/>
             <a:p>
-              <a:pPr indent="0" lvl="0" marL="0" rtl="0" algn="l">
+              <a:pPr marL="0" lvl="0" indent="0" algn="l" rtl="0">
                 <a:spcBef>
                   <a:spcPts val="0"/>
                 </a:spcBef>
@@ -6175,9 +6186,6 @@
                 </a:spcAft>
                 <a:buNone/>
               </a:pPr>
-              <a:r>
-                <a:t/>
-              </a:r>
               <a:endParaRPr/>
             </a:p>
           </p:txBody>
@@ -6195,7 +6203,7 @@
             </a:xfrm>
             <a:prstGeom prst="parallelogram">
               <a:avLst>
-                <a:gd fmla="val 158024" name="adj"/>
+                <a:gd name="adj" fmla="val 158024"/>
               </a:avLst>
             </a:prstGeom>
             <a:solidFill>
@@ -6206,12 +6214,12 @@
             </a:ln>
           </p:spPr>
           <p:txBody>
-            <a:bodyPr anchorCtr="0" anchor="ctr" bIns="91425" lIns="91425" spcFirstLastPara="1" rIns="91425" wrap="square" tIns="91425">
+            <a:bodyPr spcFirstLastPara="1" wrap="square" lIns="91425" tIns="91425" rIns="91425" bIns="91425" anchor="ctr" anchorCtr="0">
               <a:noAutofit/>
             </a:bodyPr>
             <a:lstStyle/>
             <a:p>
-              <a:pPr indent="0" lvl="0" marL="0" rtl="0" algn="l">
+              <a:pPr marL="0" lvl="0" indent="0" algn="l" rtl="0">
                 <a:spcBef>
                   <a:spcPts val="0"/>
                 </a:spcBef>
@@ -6220,9 +6228,6 @@
                 </a:spcAft>
                 <a:buNone/>
               </a:pPr>
-              <a:r>
-                <a:t/>
-              </a:r>
               <a:endParaRPr/>
             </a:p>
           </p:txBody>
@@ -6240,7 +6245,7 @@
             </a:xfrm>
             <a:prstGeom prst="parallelogram">
               <a:avLst>
-                <a:gd fmla="val 158024" name="adj"/>
+                <a:gd name="adj" fmla="val 158024"/>
               </a:avLst>
             </a:prstGeom>
             <a:solidFill>
@@ -6251,12 +6256,12 @@
             </a:ln>
           </p:spPr>
           <p:txBody>
-            <a:bodyPr anchorCtr="0" anchor="ctr" bIns="91425" lIns="91425" spcFirstLastPara="1" rIns="91425" wrap="square" tIns="91425">
+            <a:bodyPr spcFirstLastPara="1" wrap="square" lIns="91425" tIns="91425" rIns="91425" bIns="91425" anchor="ctr" anchorCtr="0">
               <a:noAutofit/>
             </a:bodyPr>
             <a:lstStyle/>
             <a:p>
-              <a:pPr indent="0" lvl="0" marL="0" rtl="0" algn="l">
+              <a:pPr marL="0" lvl="0" indent="0" algn="l" rtl="0">
                 <a:spcBef>
                   <a:spcPts val="0"/>
                 </a:spcBef>
@@ -6265,9 +6270,6 @@
                 </a:spcAft>
                 <a:buNone/>
               </a:pPr>
-              <a:r>
-                <a:t/>
-              </a:r>
               <a:endParaRPr/>
             </a:p>
           </p:txBody>
@@ -6276,7 +6278,9 @@
       <p:sp>
         <p:nvSpPr>
           <p:cNvPr id="93" name="Google Shape;93;p8"/>
-          <p:cNvSpPr txBox="1"/>
+          <p:cNvSpPr txBox="1">
+            <a:spLocks noGrp="1"/>
+          </p:cNvSpPr>
           <p:nvPr>
             <p:ph type="title"/>
           </p:nvPr>
@@ -6291,7 +6295,7 @@
           </a:prstGeom>
         </p:spPr>
         <p:txBody>
-          <a:bodyPr anchorCtr="0" anchor="ctr" bIns="91425" lIns="91425" spcFirstLastPara="1" rIns="91425" wrap="square" tIns="91425">
+          <a:bodyPr spcFirstLastPara="1" wrap="square" lIns="91425" tIns="91425" rIns="91425" bIns="91425" anchor="ctr" anchorCtr="0">
             <a:normAutofit/>
           </a:bodyPr>
           <a:lstStyle>
@@ -6395,15 +6399,19 @@
               <a:defRPr sz="3200"/>
             </a:lvl9pPr>
           </a:lstStyle>
-          <a:p/>
+          <a:p>
+            <a:endParaRPr/>
+          </a:p>
         </p:txBody>
       </p:sp>
       <p:sp>
         <p:nvSpPr>
           <p:cNvPr id="94" name="Google Shape;94;p8"/>
-          <p:cNvSpPr txBox="1"/>
+          <p:cNvSpPr txBox="1">
+            <a:spLocks noGrp="1"/>
+          </p:cNvSpPr>
           <p:nvPr>
-            <p:ph idx="12" type="sldNum"/>
+            <p:ph type="sldNum" idx="12"/>
           </p:nvPr>
         </p:nvSpPr>
         <p:spPr>
@@ -6416,7 +6424,7 @@
           </a:prstGeom>
         </p:spPr>
         <p:txBody>
-          <a:bodyPr anchorCtr="0" anchor="ctr" bIns="91425" lIns="91425" spcFirstLastPara="1" rIns="91425" wrap="square" tIns="91425">
+          <a:bodyPr spcFirstLastPara="1" wrap="square" lIns="91425" tIns="91425" rIns="91425" bIns="91425" anchor="ctr" anchorCtr="0">
             <a:normAutofit/>
           </a:bodyPr>
           <a:lstStyle>
@@ -6458,7 +6466,7 @@
             </a:lvl9pPr>
           </a:lstStyle>
           <a:p>
-            <a:pPr indent="0" lvl="0" marL="0" rtl="0" algn="r">
+            <a:pPr marL="0" lvl="0" indent="0" algn="r" rtl="0">
               <a:spcBef>
                 <a:spcPts val="0"/>
               </a:spcBef>
@@ -6469,6 +6477,15 @@
             </a:pPr>
             <a:fld id="{00000000-1234-1234-1234-123412341234}" type="slidenum">
               <a:rPr lang="en"/>
+              <a:pPr marL="0" lvl="0" indent="0" algn="r" rtl="0">
+                <a:spcBef>
+                  <a:spcPts val="0"/>
+                </a:spcBef>
+                <a:spcAft>
+                  <a:spcPts val="0"/>
+                </a:spcAft>
+                <a:buNone/>
+              </a:pPr>
               <a:t>‹#›</a:t>
             </a:fld>
             <a:endParaRPr/>
@@ -6484,18 +6501,19 @@
 </file>
 
 <file path=ppt/slideLayouts/slideLayout8.xml><?xml version="1.0" encoding="utf-8"?>
-<p:sldLayout xmlns:a="http://schemas.openxmlformats.org/drawingml/2006/main" xmlns:r="http://schemas.openxmlformats.org/officeDocument/2006/relationships" xmlns:mc="http://schemas.openxmlformats.org/markup-compatibility/2006" xmlns:mv="urn:schemas-microsoft-com:mac:vml" xmlns:p="http://schemas.openxmlformats.org/presentationml/2006/main" xmlns:c="http://schemas.openxmlformats.org/drawingml/2006/chart" xmlns:dgm="http://schemas.openxmlformats.org/drawingml/2006/diagram" xmlns:o="urn:schemas-microsoft-com:office:office" xmlns:v="urn:schemas-microsoft-com:vml" xmlns:pvml="urn:schemas-microsoft-com:office:powerpoint" xmlns:com="http://schemas.openxmlformats.org/drawingml/2006/compatibility" xmlns:p14="http://schemas.microsoft.com/office/powerpoint/2010/main" xmlns:p15="http://schemas.microsoft.com/office/powerpoint/2012/main" xmlns:ahyp="http://schemas.microsoft.com/office/drawing/2018/hyperlinkcolor" matchingName="Section title and description">
+<p:sldLayout xmlns:a="http://schemas.openxmlformats.org/drawingml/2006/main" xmlns:r="http://schemas.openxmlformats.org/officeDocument/2006/relationships" xmlns:p="http://schemas.openxmlformats.org/presentationml/2006/main" matchingName="Section title and description">
   <p:cSld name="SECTION_TITLE_AND_DESCRIPTION">
     <p:bg>
       <p:bgPr>
         <a:solidFill>
           <a:schemeClr val="dk2"/>
         </a:solidFill>
+        <a:effectLst/>
       </p:bgPr>
     </p:bg>
     <p:spTree>
       <p:nvGrpSpPr>
-        <p:cNvPr id="95" name="Shape 95"/>
+        <p:cNvPr id="1" name="Shape 95"/>
         <p:cNvGrpSpPr/>
         <p:nvPr/>
       </p:nvGrpSpPr>
@@ -6529,12 +6547,12 @@
           </a:ln>
         </p:spPr>
         <p:txBody>
-          <a:bodyPr anchorCtr="0" anchor="ctr" bIns="91425" lIns="91425" spcFirstLastPara="1" rIns="91425" wrap="square" tIns="91425">
+          <a:bodyPr spcFirstLastPara="1" wrap="square" lIns="91425" tIns="91425" rIns="91425" bIns="91425" anchor="ctr" anchorCtr="0">
             <a:noAutofit/>
           </a:bodyPr>
           <a:lstStyle/>
           <a:p>
-            <a:pPr indent="0" lvl="0" marL="0" rtl="0" algn="l">
+            <a:pPr marL="0" lvl="0" indent="0" algn="l" rtl="0">
               <a:spcBef>
                 <a:spcPts val="0"/>
               </a:spcBef>
@@ -6543,9 +6561,6 @@
               </a:spcAft>
               <a:buNone/>
             </a:pPr>
-            <a:r>
-              <a:t/>
-            </a:r>
             <a:endParaRPr/>
           </a:p>
         </p:txBody>
@@ -6572,12 +6587,12 @@
           </a:ln>
         </p:spPr>
         <p:txBody>
-          <a:bodyPr anchorCtr="0" anchor="ctr" bIns="91425" lIns="91425" spcFirstLastPara="1" rIns="91425" wrap="square" tIns="91425">
+          <a:bodyPr spcFirstLastPara="1" wrap="square" lIns="91425" tIns="91425" rIns="91425" bIns="91425" anchor="ctr" anchorCtr="0">
             <a:noAutofit/>
           </a:bodyPr>
           <a:lstStyle/>
           <a:p>
-            <a:pPr indent="0" lvl="0" marL="0" rtl="0" algn="l">
+            <a:pPr marL="0" lvl="0" indent="0" algn="l" rtl="0">
               <a:spcBef>
                 <a:spcPts val="0"/>
               </a:spcBef>
@@ -6586,9 +6601,6 @@
               </a:spcAft>
               <a:buNone/>
             </a:pPr>
-            <a:r>
-              <a:t/>
-            </a:r>
             <a:endParaRPr/>
           </a:p>
         </p:txBody>
@@ -6614,7 +6626,7 @@
             <a:noFill/>
           </a:ln>
           <a:effectLst>
-            <a:outerShdw blurRad="228600" sx="101000" rotWithShape="0" algn="ctr" sy="101000">
+            <a:outerShdw blurRad="228600" sx="101000" sy="101000" algn="ctr" rotWithShape="0">
               <a:srgbClr val="000000">
                 <a:alpha val="40000"/>
               </a:srgbClr>
@@ -6622,12 +6634,12 @@
           </a:effectLst>
         </p:spPr>
         <p:txBody>
-          <a:bodyPr anchorCtr="0" anchor="ctr" bIns="91425" lIns="91425" spcFirstLastPara="1" rIns="91425" wrap="square" tIns="91425">
+          <a:bodyPr spcFirstLastPara="1" wrap="square" lIns="91425" tIns="91425" rIns="91425" bIns="91425" anchor="ctr" anchorCtr="0">
             <a:noAutofit/>
           </a:bodyPr>
           <a:lstStyle/>
           <a:p>
-            <a:pPr indent="0" lvl="0" marL="0" rtl="0" algn="l">
+            <a:pPr marL="0" lvl="0" indent="0" algn="l" rtl="0">
               <a:spcBef>
                 <a:spcPts val="0"/>
               </a:spcBef>
@@ -6636,9 +6648,6 @@
               </a:spcAft>
               <a:buNone/>
             </a:pPr>
-            <a:r>
-              <a:t/>
-            </a:r>
             <a:endParaRPr/>
           </a:p>
         </p:txBody>
@@ -6646,7 +6655,9 @@
       <p:sp>
         <p:nvSpPr>
           <p:cNvPr id="99" name="Google Shape;99;p9"/>
-          <p:cNvSpPr txBox="1"/>
+          <p:cNvSpPr txBox="1">
+            <a:spLocks noGrp="1"/>
+          </p:cNvSpPr>
           <p:nvPr>
             <p:ph type="title"/>
           </p:nvPr>
@@ -6661,7 +6672,7 @@
           </a:prstGeom>
         </p:spPr>
         <p:txBody>
-          <a:bodyPr anchorCtr="0" anchor="t" bIns="91425" lIns="91425" spcFirstLastPara="1" rIns="91425" wrap="square" tIns="91425">
+          <a:bodyPr spcFirstLastPara="1" wrap="square" lIns="91425" tIns="91425" rIns="91425" bIns="91425" anchor="t" anchorCtr="0">
             <a:normAutofit/>
           </a:bodyPr>
           <a:lstStyle>
@@ -6765,15 +6776,19 @@
               <a:defRPr sz="3000"/>
             </a:lvl9pPr>
           </a:lstStyle>
-          <a:p/>
+          <a:p>
+            <a:endParaRPr/>
+          </a:p>
         </p:txBody>
       </p:sp>
       <p:sp>
         <p:nvSpPr>
           <p:cNvPr id="100" name="Google Shape;100;p9"/>
-          <p:cNvSpPr txBox="1"/>
+          <p:cNvSpPr txBox="1">
+            <a:spLocks noGrp="1"/>
+          </p:cNvSpPr>
           <p:nvPr>
-            <p:ph idx="1" type="subTitle"/>
+            <p:ph type="subTitle" idx="1"/>
           </p:nvPr>
         </p:nvSpPr>
         <p:spPr>
@@ -6786,7 +6801,7 @@
           </a:prstGeom>
         </p:spPr>
         <p:txBody>
-          <a:bodyPr anchorCtr="0" anchor="t" bIns="91425" lIns="91425" spcFirstLastPara="1" rIns="91425" wrap="square" tIns="91425">
+          <a:bodyPr spcFirstLastPara="1" wrap="square" lIns="91425" tIns="91425" rIns="91425" bIns="91425" anchor="t" anchorCtr="0">
             <a:normAutofit/>
           </a:bodyPr>
           <a:lstStyle>
@@ -6980,15 +6995,19 @@
               </a:defRPr>
             </a:lvl9pPr>
           </a:lstStyle>
-          <a:p/>
+          <a:p>
+            <a:endParaRPr/>
+          </a:p>
         </p:txBody>
       </p:sp>
       <p:sp>
         <p:nvSpPr>
           <p:cNvPr id="101" name="Google Shape;101;p9"/>
-          <p:cNvSpPr txBox="1"/>
+          <p:cNvSpPr txBox="1">
+            <a:spLocks noGrp="1"/>
+          </p:cNvSpPr>
           <p:nvPr>
-            <p:ph idx="2" type="body"/>
+            <p:ph type="body" idx="2"/>
           </p:nvPr>
         </p:nvSpPr>
         <p:spPr>
@@ -7001,11 +7020,11 @@
           </a:prstGeom>
         </p:spPr>
         <p:txBody>
-          <a:bodyPr anchorCtr="0" anchor="t" bIns="91425" lIns="91425" spcFirstLastPara="1" rIns="91425" wrap="square" tIns="91425">
+          <a:bodyPr spcFirstLastPara="1" wrap="square" lIns="91425" tIns="91425" rIns="91425" bIns="91425" anchor="t" anchorCtr="0">
             <a:normAutofit/>
           </a:bodyPr>
           <a:lstStyle>
-            <a:lvl1pPr indent="-311150" lvl="0" marL="457200">
+            <a:lvl1pPr marL="457200" lvl="0" indent="-311150">
               <a:spcBef>
                 <a:spcPts val="0"/>
               </a:spcBef>
@@ -7016,7 +7035,7 @@
               <a:buChar char="●"/>
               <a:defRPr/>
             </a:lvl1pPr>
-            <a:lvl2pPr indent="-298450" lvl="1" marL="914400">
+            <a:lvl2pPr marL="914400" lvl="1" indent="-298450">
               <a:spcBef>
                 <a:spcPts val="0"/>
               </a:spcBef>
@@ -7027,7 +7046,7 @@
               <a:buChar char="○"/>
               <a:defRPr/>
             </a:lvl2pPr>
-            <a:lvl3pPr indent="-298450" lvl="2" marL="1371600">
+            <a:lvl3pPr marL="1371600" lvl="2" indent="-298450">
               <a:spcBef>
                 <a:spcPts val="0"/>
               </a:spcBef>
@@ -7038,7 +7057,7 @@
               <a:buChar char="■"/>
               <a:defRPr/>
             </a:lvl3pPr>
-            <a:lvl4pPr indent="-298450" lvl="3" marL="1828800">
+            <a:lvl4pPr marL="1828800" lvl="3" indent="-298450">
               <a:spcBef>
                 <a:spcPts val="0"/>
               </a:spcBef>
@@ -7049,7 +7068,7 @@
               <a:buChar char="●"/>
               <a:defRPr/>
             </a:lvl4pPr>
-            <a:lvl5pPr indent="-298450" lvl="4" marL="2286000">
+            <a:lvl5pPr marL="2286000" lvl="4" indent="-298450">
               <a:spcBef>
                 <a:spcPts val="0"/>
               </a:spcBef>
@@ -7060,7 +7079,7 @@
               <a:buChar char="○"/>
               <a:defRPr/>
             </a:lvl5pPr>
-            <a:lvl6pPr indent="-298450" lvl="5" marL="2743200">
+            <a:lvl6pPr marL="2743200" lvl="5" indent="-298450">
               <a:spcBef>
                 <a:spcPts val="0"/>
               </a:spcBef>
@@ -7071,7 +7090,7 @@
               <a:buChar char="■"/>
               <a:defRPr/>
             </a:lvl6pPr>
-            <a:lvl7pPr indent="-298450" lvl="6" marL="3200400">
+            <a:lvl7pPr marL="3200400" lvl="6" indent="-298450">
               <a:spcBef>
                 <a:spcPts val="0"/>
               </a:spcBef>
@@ -7082,7 +7101,7 @@
               <a:buChar char="●"/>
               <a:defRPr/>
             </a:lvl7pPr>
-            <a:lvl8pPr indent="-298450" lvl="7" marL="3657600">
+            <a:lvl8pPr marL="3657600" lvl="7" indent="-298450">
               <a:spcBef>
                 <a:spcPts val="0"/>
               </a:spcBef>
@@ -7093,7 +7112,7 @@
               <a:buChar char="○"/>
               <a:defRPr/>
             </a:lvl8pPr>
-            <a:lvl9pPr indent="-298450" lvl="8" marL="4114800">
+            <a:lvl9pPr marL="4114800" lvl="8" indent="-298450">
               <a:spcBef>
                 <a:spcPts val="0"/>
               </a:spcBef>
@@ -7105,15 +7124,19 @@
               <a:defRPr/>
             </a:lvl9pPr>
           </a:lstStyle>
-          <a:p/>
+          <a:p>
+            <a:endParaRPr/>
+          </a:p>
         </p:txBody>
       </p:sp>
       <p:sp>
         <p:nvSpPr>
           <p:cNvPr id="102" name="Google Shape;102;p9"/>
-          <p:cNvSpPr txBox="1"/>
+          <p:cNvSpPr txBox="1">
+            <a:spLocks noGrp="1"/>
+          </p:cNvSpPr>
           <p:nvPr>
-            <p:ph idx="12" type="sldNum"/>
+            <p:ph type="sldNum" idx="12"/>
           </p:nvPr>
         </p:nvSpPr>
         <p:spPr>
@@ -7126,7 +7149,7 @@
           </a:prstGeom>
         </p:spPr>
         <p:txBody>
-          <a:bodyPr anchorCtr="0" anchor="ctr" bIns="91425" lIns="91425" spcFirstLastPara="1" rIns="91425" wrap="square" tIns="91425">
+          <a:bodyPr spcFirstLastPara="1" wrap="square" lIns="91425" tIns="91425" rIns="91425" bIns="91425" anchor="ctr" anchorCtr="0">
             <a:normAutofit/>
           </a:bodyPr>
           <a:lstStyle>
@@ -7168,7 +7191,7 @@
             </a:lvl9pPr>
           </a:lstStyle>
           <a:p>
-            <a:pPr indent="0" lvl="0" marL="0" rtl="0" algn="r">
+            <a:pPr marL="0" lvl="0" indent="0" algn="r" rtl="0">
               <a:spcBef>
                 <a:spcPts val="0"/>
               </a:spcBef>
@@ -7179,6 +7202,15 @@
             </a:pPr>
             <a:fld id="{00000000-1234-1234-1234-123412341234}" type="slidenum">
               <a:rPr lang="en"/>
+              <a:pPr marL="0" lvl="0" indent="0" algn="r" rtl="0">
+                <a:spcBef>
+                  <a:spcPts val="0"/>
+                </a:spcBef>
+                <a:spcAft>
+                  <a:spcPts val="0"/>
+                </a:spcAft>
+                <a:buNone/>
+              </a:pPr>
               <a:t>‹#›</a:t>
             </a:fld>
             <a:endParaRPr/>
@@ -7194,18 +7226,19 @@
 </file>
 
 <file path=ppt/slideLayouts/slideLayout9.xml><?xml version="1.0" encoding="utf-8"?>
-<p:sldLayout xmlns:a="http://schemas.openxmlformats.org/drawingml/2006/main" xmlns:r="http://schemas.openxmlformats.org/officeDocument/2006/relationships" xmlns:mc="http://schemas.openxmlformats.org/markup-compatibility/2006" xmlns:mv="urn:schemas-microsoft-com:mac:vml" xmlns:p="http://schemas.openxmlformats.org/presentationml/2006/main" xmlns:c="http://schemas.openxmlformats.org/drawingml/2006/chart" xmlns:dgm="http://schemas.openxmlformats.org/drawingml/2006/diagram" xmlns:o="urn:schemas-microsoft-com:office:office" xmlns:v="urn:schemas-microsoft-com:vml" xmlns:pvml="urn:schemas-microsoft-com:office:powerpoint" xmlns:com="http://schemas.openxmlformats.org/drawingml/2006/compatibility" xmlns:p14="http://schemas.microsoft.com/office/powerpoint/2010/main" xmlns:p15="http://schemas.microsoft.com/office/powerpoint/2012/main" xmlns:ahyp="http://schemas.microsoft.com/office/drawing/2018/hyperlinkcolor" matchingName="Caption">
+<p:sldLayout xmlns:a="http://schemas.openxmlformats.org/drawingml/2006/main" xmlns:r="http://schemas.openxmlformats.org/officeDocument/2006/relationships" xmlns:p="http://schemas.openxmlformats.org/presentationml/2006/main" matchingName="Caption">
   <p:cSld name="CAPTION_ONLY">
     <p:bg>
       <p:bgPr>
         <a:solidFill>
           <a:schemeClr val="accent1"/>
         </a:solidFill>
+        <a:effectLst/>
       </p:bgPr>
     </p:bg>
     <p:spTree>
       <p:nvGrpSpPr>
-        <p:cNvPr id="103" name="Shape 103"/>
+        <p:cNvPr id="1" name="Shape 103"/>
         <p:cNvGrpSpPr/>
         <p:nvPr/>
       </p:nvGrpSpPr>
@@ -7239,12 +7272,12 @@
           </a:ln>
         </p:spPr>
         <p:txBody>
-          <a:bodyPr anchorCtr="0" anchor="ctr" bIns="91425" lIns="91425" spcFirstLastPara="1" rIns="91425" wrap="square" tIns="91425">
+          <a:bodyPr spcFirstLastPara="1" wrap="square" lIns="91425" tIns="91425" rIns="91425" bIns="91425" anchor="ctr" anchorCtr="0">
             <a:noAutofit/>
           </a:bodyPr>
           <a:lstStyle/>
           <a:p>
-            <a:pPr indent="0" lvl="0" marL="0" rtl="0" algn="l">
+            <a:pPr marL="0" lvl="0" indent="0" algn="l" rtl="0">
               <a:spcBef>
                 <a:spcPts val="0"/>
               </a:spcBef>
@@ -7253,9 +7286,6 @@
               </a:spcAft>
               <a:buNone/>
             </a:pPr>
-            <a:r>
-              <a:t/>
-            </a:r>
             <a:endParaRPr/>
           </a:p>
         </p:txBody>
@@ -7282,12 +7312,12 @@
           </a:ln>
         </p:spPr>
         <p:txBody>
-          <a:bodyPr anchorCtr="0" anchor="ctr" bIns="91425" lIns="91425" spcFirstLastPara="1" rIns="91425" wrap="square" tIns="91425">
+          <a:bodyPr spcFirstLastPara="1" wrap="square" lIns="91425" tIns="91425" rIns="91425" bIns="91425" anchor="ctr" anchorCtr="0">
             <a:noAutofit/>
           </a:bodyPr>
           <a:lstStyle/>
           <a:p>
-            <a:pPr indent="0" lvl="0" marL="0" rtl="0" algn="l">
+            <a:pPr marL="0" lvl="0" indent="0" algn="l" rtl="0">
               <a:spcBef>
                 <a:spcPts val="0"/>
               </a:spcBef>
@@ -7296,9 +7326,6 @@
               </a:spcAft>
               <a:buNone/>
             </a:pPr>
-            <a:r>
-              <a:t/>
-            </a:r>
             <a:endParaRPr/>
           </a:p>
         </p:txBody>
@@ -7324,7 +7351,7 @@
             <a:noFill/>
           </a:ln>
           <a:effectLst>
-            <a:outerShdw blurRad="228600" sx="101000" rotWithShape="0" algn="ctr" sy="101000">
+            <a:outerShdw blurRad="228600" sx="101000" sy="101000" algn="ctr" rotWithShape="0">
               <a:srgbClr val="000000">
                 <a:alpha val="40000"/>
               </a:srgbClr>
@@ -7332,12 +7359,12 @@
           </a:effectLst>
         </p:spPr>
         <p:txBody>
-          <a:bodyPr anchorCtr="0" anchor="ctr" bIns="91425" lIns="91425" spcFirstLastPara="1" rIns="91425" wrap="square" tIns="91425">
+          <a:bodyPr spcFirstLastPara="1" wrap="square" lIns="91425" tIns="91425" rIns="91425" bIns="91425" anchor="ctr" anchorCtr="0">
             <a:noAutofit/>
           </a:bodyPr>
           <a:lstStyle/>
           <a:p>
-            <a:pPr indent="0" lvl="0" marL="0" rtl="0" algn="l">
+            <a:pPr marL="0" lvl="0" indent="0" algn="l" rtl="0">
               <a:spcBef>
                 <a:spcPts val="0"/>
               </a:spcBef>
@@ -7346,9 +7373,6 @@
               </a:spcAft>
               <a:buNone/>
             </a:pPr>
-            <a:r>
-              <a:t/>
-            </a:r>
             <a:endParaRPr/>
           </a:p>
         </p:txBody>
@@ -7356,9 +7380,11 @@
       <p:sp>
         <p:nvSpPr>
           <p:cNvPr id="107" name="Google Shape;107;p10"/>
-          <p:cNvSpPr txBox="1"/>
+          <p:cNvSpPr txBox="1">
+            <a:spLocks noGrp="1"/>
+          </p:cNvSpPr>
           <p:nvPr>
-            <p:ph idx="1" type="body"/>
+            <p:ph type="body" idx="1"/>
           </p:nvPr>
         </p:nvSpPr>
         <p:spPr>
@@ -7371,11 +7397,11 @@
           </a:prstGeom>
         </p:spPr>
         <p:txBody>
-          <a:bodyPr anchorCtr="0" anchor="b" bIns="91425" lIns="91425" spcFirstLastPara="1" rIns="91425" wrap="square" tIns="91425">
+          <a:bodyPr spcFirstLastPara="1" wrap="square" lIns="91425" tIns="91425" rIns="91425" bIns="91425" anchor="b" anchorCtr="0">
             <a:normAutofit/>
           </a:bodyPr>
           <a:lstStyle>
-            <a:lvl1pPr indent="-228600" lvl="0" marL="457200">
+            <a:lvl1pPr marL="457200" lvl="0" indent="-228600">
               <a:lnSpc>
                 <a:spcPct val="100000"/>
               </a:lnSpc>
@@ -7390,15 +7416,19 @@
               <a:defRPr/>
             </a:lvl1pPr>
           </a:lstStyle>
-          <a:p/>
+          <a:p>
+            <a:endParaRPr/>
+          </a:p>
         </p:txBody>
       </p:sp>
       <p:sp>
         <p:nvSpPr>
           <p:cNvPr id="108" name="Google Shape;108;p10"/>
-          <p:cNvSpPr txBox="1"/>
+          <p:cNvSpPr txBox="1">
+            <a:spLocks noGrp="1"/>
+          </p:cNvSpPr>
           <p:nvPr>
-            <p:ph idx="12" type="sldNum"/>
+            <p:ph type="sldNum" idx="12"/>
           </p:nvPr>
         </p:nvSpPr>
         <p:spPr>
@@ -7411,7 +7441,7 @@
           </a:prstGeom>
         </p:spPr>
         <p:txBody>
-          <a:bodyPr anchorCtr="0" anchor="ctr" bIns="91425" lIns="91425" spcFirstLastPara="1" rIns="91425" wrap="square" tIns="91425">
+          <a:bodyPr spcFirstLastPara="1" wrap="square" lIns="91425" tIns="91425" rIns="91425" bIns="91425" anchor="ctr" anchorCtr="0">
             <a:normAutofit/>
           </a:bodyPr>
           <a:lstStyle>
@@ -7453,7 +7483,7 @@
             </a:lvl9pPr>
           </a:lstStyle>
           <a:p>
-            <a:pPr indent="0" lvl="0" marL="0" rtl="0" algn="r">
+            <a:pPr marL="0" lvl="0" indent="0" algn="r" rtl="0">
               <a:spcBef>
                 <a:spcPts val="0"/>
               </a:spcBef>
@@ -7464,6 +7494,15 @@
             </a:pPr>
             <a:fld id="{00000000-1234-1234-1234-123412341234}" type="slidenum">
               <a:rPr lang="en"/>
+              <a:pPr marL="0" lvl="0" indent="0" algn="r" rtl="0">
+                <a:spcBef>
+                  <a:spcPts val="0"/>
+                </a:spcBef>
+                <a:spcAft>
+                  <a:spcPts val="0"/>
+                </a:spcAft>
+                <a:buNone/>
+              </a:pPr>
               <a:t>‹#›</a:t>
             </a:fld>
             <a:endParaRPr/>
@@ -7479,18 +7518,19 @@
 </file>
 
 <file path=ppt/slideMasters/slideMaster1.xml><?xml version="1.0" encoding="utf-8"?>
-<p:sldMaster xmlns:a="http://schemas.openxmlformats.org/drawingml/2006/main" xmlns:r="http://schemas.openxmlformats.org/officeDocument/2006/relationships" xmlns:mc="http://schemas.openxmlformats.org/markup-compatibility/2006" xmlns:mv="urn:schemas-microsoft-com:mac:vml" xmlns:p="http://schemas.openxmlformats.org/presentationml/2006/main" xmlns:c="http://schemas.openxmlformats.org/drawingml/2006/chart" xmlns:dgm="http://schemas.openxmlformats.org/drawingml/2006/diagram" xmlns:o="urn:schemas-microsoft-com:office:office" xmlns:v="urn:schemas-microsoft-com:vml" xmlns:pvml="urn:schemas-microsoft-com:office:powerpoint" xmlns:com="http://schemas.openxmlformats.org/drawingml/2006/compatibility" xmlns:p14="http://schemas.microsoft.com/office/powerpoint/2010/main" xmlns:p15="http://schemas.microsoft.com/office/powerpoint/2012/main" xmlns:ahyp="http://schemas.microsoft.com/office/drawing/2018/hyperlinkcolor">
+<p:sldMaster xmlns:a="http://schemas.openxmlformats.org/drawingml/2006/main" xmlns:r="http://schemas.openxmlformats.org/officeDocument/2006/relationships" xmlns:p="http://schemas.openxmlformats.org/presentationml/2006/main">
   <p:cSld name="shift">
     <p:bg>
       <p:bgPr>
         <a:solidFill>
           <a:schemeClr val="dk1"/>
         </a:solidFill>
+        <a:effectLst/>
       </p:bgPr>
     </p:bg>
     <p:spTree>
       <p:nvGrpSpPr>
-        <p:cNvPr id="5" name="Shape 5"/>
+        <p:cNvPr id="1" name="Shape 5"/>
         <p:cNvGrpSpPr/>
         <p:nvPr/>
       </p:nvGrpSpPr>
@@ -7505,7 +7545,9 @@
       <p:sp>
         <p:nvSpPr>
           <p:cNvPr id="6" name="Google Shape;6;p1"/>
-          <p:cNvSpPr txBox="1"/>
+          <p:cNvSpPr txBox="1">
+            <a:spLocks noGrp="1"/>
+          </p:cNvSpPr>
           <p:nvPr>
             <p:ph type="title"/>
           </p:nvPr>
@@ -7524,7 +7566,7 @@
           </a:ln>
         </p:spPr>
         <p:txBody>
-          <a:bodyPr anchorCtr="0" anchor="t" bIns="91425" lIns="91425" spcFirstLastPara="1" rIns="91425" wrap="square" tIns="91425">
+          <a:bodyPr spcFirstLastPara="1" wrap="square" lIns="91425" tIns="91425" rIns="91425" bIns="91425" anchor="t" anchorCtr="0">
             <a:normAutofit/>
           </a:bodyPr>
           <a:lstStyle>
@@ -7736,15 +7778,19 @@
               </a:defRPr>
             </a:lvl9pPr>
           </a:lstStyle>
-          <a:p/>
+          <a:p>
+            <a:endParaRPr/>
+          </a:p>
         </p:txBody>
       </p:sp>
       <p:sp>
         <p:nvSpPr>
           <p:cNvPr id="7" name="Google Shape;7;p1"/>
-          <p:cNvSpPr txBox="1"/>
+          <p:cNvSpPr txBox="1">
+            <a:spLocks noGrp="1"/>
+          </p:cNvSpPr>
           <p:nvPr>
-            <p:ph idx="1" type="body"/>
+            <p:ph type="body" idx="1"/>
           </p:nvPr>
         </p:nvSpPr>
         <p:spPr>
@@ -7761,11 +7807,11 @@
           </a:ln>
         </p:spPr>
         <p:txBody>
-          <a:bodyPr anchorCtr="0" anchor="t" bIns="91425" lIns="91425" spcFirstLastPara="1" rIns="91425" wrap="square" tIns="91425">
+          <a:bodyPr spcFirstLastPara="1" wrap="square" lIns="91425" tIns="91425" rIns="91425" bIns="91425" anchor="t" anchorCtr="0">
             <a:normAutofit/>
           </a:bodyPr>
           <a:lstStyle>
-            <a:lvl1pPr indent="-311150" lvl="0" marL="457200">
+            <a:lvl1pPr marL="457200" lvl="0" indent="-311150">
               <a:lnSpc>
                 <a:spcPct val="115000"/>
               </a:lnSpc>
@@ -7791,7 +7837,7 @@
                 <a:sym typeface="Calibri"/>
               </a:defRPr>
             </a:lvl1pPr>
-            <a:lvl2pPr indent="-298450" lvl="1" marL="914400">
+            <a:lvl2pPr marL="914400" lvl="1" indent="-298450">
               <a:lnSpc>
                 <a:spcPct val="115000"/>
               </a:lnSpc>
@@ -7817,7 +7863,7 @@
                 <a:sym typeface="Calibri"/>
               </a:defRPr>
             </a:lvl2pPr>
-            <a:lvl3pPr indent="-298450" lvl="2" marL="1371600">
+            <a:lvl3pPr marL="1371600" lvl="2" indent="-298450">
               <a:lnSpc>
                 <a:spcPct val="115000"/>
               </a:lnSpc>
@@ -7843,7 +7889,7 @@
                 <a:sym typeface="Calibri"/>
               </a:defRPr>
             </a:lvl3pPr>
-            <a:lvl4pPr indent="-298450" lvl="3" marL="1828800">
+            <a:lvl4pPr marL="1828800" lvl="3" indent="-298450">
               <a:lnSpc>
                 <a:spcPct val="115000"/>
               </a:lnSpc>
@@ -7869,7 +7915,7 @@
                 <a:sym typeface="Calibri"/>
               </a:defRPr>
             </a:lvl4pPr>
-            <a:lvl5pPr indent="-298450" lvl="4" marL="2286000">
+            <a:lvl5pPr marL="2286000" lvl="4" indent="-298450">
               <a:lnSpc>
                 <a:spcPct val="115000"/>
               </a:lnSpc>
@@ -7895,7 +7941,7 @@
                 <a:sym typeface="Calibri"/>
               </a:defRPr>
             </a:lvl5pPr>
-            <a:lvl6pPr indent="-298450" lvl="5" marL="2743200">
+            <a:lvl6pPr marL="2743200" lvl="5" indent="-298450">
               <a:lnSpc>
                 <a:spcPct val="115000"/>
               </a:lnSpc>
@@ -7921,7 +7967,7 @@
                 <a:sym typeface="Calibri"/>
               </a:defRPr>
             </a:lvl6pPr>
-            <a:lvl7pPr indent="-298450" lvl="6" marL="3200400">
+            <a:lvl7pPr marL="3200400" lvl="6" indent="-298450">
               <a:lnSpc>
                 <a:spcPct val="115000"/>
               </a:lnSpc>
@@ -7947,7 +7993,7 @@
                 <a:sym typeface="Calibri"/>
               </a:defRPr>
             </a:lvl7pPr>
-            <a:lvl8pPr indent="-298450" lvl="7" marL="3657600">
+            <a:lvl8pPr marL="3657600" lvl="7" indent="-298450">
               <a:lnSpc>
                 <a:spcPct val="115000"/>
               </a:lnSpc>
@@ -7973,7 +8019,7 @@
                 <a:sym typeface="Calibri"/>
               </a:defRPr>
             </a:lvl8pPr>
-            <a:lvl9pPr indent="-298450" lvl="8" marL="4114800">
+            <a:lvl9pPr marL="4114800" lvl="8" indent="-298450">
               <a:lnSpc>
                 <a:spcPct val="115000"/>
               </a:lnSpc>
@@ -8000,15 +8046,19 @@
               </a:defRPr>
             </a:lvl9pPr>
           </a:lstStyle>
-          <a:p/>
+          <a:p>
+            <a:endParaRPr/>
+          </a:p>
         </p:txBody>
       </p:sp>
       <p:sp>
         <p:nvSpPr>
           <p:cNvPr id="8" name="Google Shape;8;p1"/>
-          <p:cNvSpPr txBox="1"/>
+          <p:cNvSpPr txBox="1">
+            <a:spLocks noGrp="1"/>
+          </p:cNvSpPr>
           <p:nvPr>
-            <p:ph idx="12" type="sldNum"/>
+            <p:ph type="sldNum" idx="12"/>
           </p:nvPr>
         </p:nvSpPr>
         <p:spPr>
@@ -8025,7 +8075,7 @@
           </a:ln>
         </p:spPr>
         <p:txBody>
-          <a:bodyPr anchorCtr="0" anchor="ctr" bIns="91425" lIns="91425" spcFirstLastPara="1" rIns="91425" wrap="square" tIns="91425">
+          <a:bodyPr spcFirstLastPara="1" wrap="square" lIns="91425" tIns="91425" rIns="91425" bIns="91425" anchor="ctr" anchorCtr="0">
             <a:normAutofit/>
           </a:bodyPr>
           <a:lstStyle>
@@ -8139,7 +8189,7 @@
             </a:lvl9pPr>
           </a:lstStyle>
           <a:p>
-            <a:pPr indent="0" lvl="0" marL="0" rtl="0" algn="r">
+            <a:pPr marL="0" lvl="0" indent="0" algn="r" rtl="0">
               <a:spcBef>
                 <a:spcPts val="0"/>
               </a:spcBef>
@@ -8150,6 +8200,15 @@
             </a:pPr>
             <a:fld id="{00000000-1234-1234-1234-123412341234}" type="slidenum">
               <a:rPr lang="en"/>
+              <a:pPr marL="0" lvl="0" indent="0" algn="r" rtl="0">
+                <a:spcBef>
+                  <a:spcPts val="0"/>
+                </a:spcBef>
+                <a:spcAft>
+                  <a:spcPts val="0"/>
+                </a:spcAft>
+                <a:buNone/>
+              </a:pPr>
               <a:t>‹#›</a:t>
             </a:fld>
             <a:endParaRPr/>
@@ -8158,7 +8217,7 @@
       </p:sp>
     </p:spTree>
   </p:cSld>
-  <p:clrMap accent1="accent1" accent2="accent2" accent3="accent3" accent4="accent4" accent5="accent5" accent6="accent6" bg1="lt1" bg2="dk2" tx1="dk1" tx2="lt2" folHlink="folHlink" hlink="hlink"/>
+  <p:clrMap bg1="lt1" tx1="dk1" bg2="dk2" tx2="lt2" accent1="accent1" accent2="accent2" accent3="accent3" accent4="accent4" accent5="accent5" accent6="accent6" hlink="hlink" folHlink="folHlink"/>
   <p:sldLayoutIdLst>
     <p:sldLayoutId id="2147483648" r:id="rId1"/>
     <p:sldLayoutId id="2147483649" r:id="rId2"/>
@@ -8172,10 +8231,10 @@
     <p:sldLayoutId id="2147483657" r:id="rId10"/>
     <p:sldLayoutId id="2147483658" r:id="rId11"/>
   </p:sldLayoutIdLst>
-  <p:hf dt="0" ftr="0" hdr="0" sldNum="0"/>
+  <p:hf sldNum="0" hdr="0" ftr="0" dt="0"/>
   <p:txStyles>
     <p:titleStyle>
-      <a:defPPr lvl="0" marR="0" rtl="0" algn="l">
+      <a:defPPr marR="0" lvl="0" algn="l" rtl="0">
         <a:lnSpc>
           <a:spcPct val="100000"/>
         </a:lnSpc>
@@ -8186,7 +8245,7 @@
           <a:spcPts val="0"/>
         </a:spcAft>
       </a:defPPr>
-      <a:lvl1pPr lvl="0" marR="0" rtl="0" algn="l">
+      <a:lvl1pPr marR="0" lvl="0" algn="l" rtl="0">
         <a:lnSpc>
           <a:spcPct val="100000"/>
         </a:lnSpc>
@@ -8200,7 +8259,7 @@
           <a:srgbClr val="000000"/>
         </a:buClr>
         <a:buFont typeface="Arial"/>
-        <a:defRPr b="0" i="0" sz="1400" u="none" cap="none" strike="noStrike">
+        <a:defRPr sz="1400" b="0" i="0" u="none" strike="noStrike" cap="none">
           <a:solidFill>
             <a:srgbClr val="000000"/>
           </a:solidFill>
@@ -8210,7 +8269,7 @@
           <a:sym typeface="Arial"/>
         </a:defRPr>
       </a:lvl1pPr>
-      <a:lvl2pPr lvl="1" marR="0" rtl="0" algn="l">
+      <a:lvl2pPr marR="0" lvl="1" algn="l" rtl="0">
         <a:lnSpc>
           <a:spcPct val="100000"/>
         </a:lnSpc>
@@ -8224,7 +8283,7 @@
           <a:srgbClr val="000000"/>
         </a:buClr>
         <a:buFont typeface="Arial"/>
-        <a:defRPr b="0" i="0" sz="1400" u="none" cap="none" strike="noStrike">
+        <a:defRPr sz="1400" b="0" i="0" u="none" strike="noStrike" cap="none">
           <a:solidFill>
             <a:srgbClr val="000000"/>
           </a:solidFill>
@@ -8234,7 +8293,7 @@
           <a:sym typeface="Arial"/>
         </a:defRPr>
       </a:lvl2pPr>
-      <a:lvl3pPr lvl="2" marR="0" rtl="0" algn="l">
+      <a:lvl3pPr marR="0" lvl="2" algn="l" rtl="0">
         <a:lnSpc>
           <a:spcPct val="100000"/>
         </a:lnSpc>
@@ -8248,7 +8307,7 @@
           <a:srgbClr val="000000"/>
         </a:buClr>
         <a:buFont typeface="Arial"/>
-        <a:defRPr b="0" i="0" sz="1400" u="none" cap="none" strike="noStrike">
+        <a:defRPr sz="1400" b="0" i="0" u="none" strike="noStrike" cap="none">
           <a:solidFill>
             <a:srgbClr val="000000"/>
           </a:solidFill>
@@ -8258,7 +8317,7 @@
           <a:sym typeface="Arial"/>
         </a:defRPr>
       </a:lvl3pPr>
-      <a:lvl4pPr lvl="3" marR="0" rtl="0" algn="l">
+      <a:lvl4pPr marR="0" lvl="3" algn="l" rtl="0">
         <a:lnSpc>
           <a:spcPct val="100000"/>
         </a:lnSpc>
@@ -8272,7 +8331,7 @@
           <a:srgbClr val="000000"/>
         </a:buClr>
         <a:buFont typeface="Arial"/>
-        <a:defRPr b="0" i="0" sz="1400" u="none" cap="none" strike="noStrike">
+        <a:defRPr sz="1400" b="0" i="0" u="none" strike="noStrike" cap="none">
           <a:solidFill>
             <a:srgbClr val="000000"/>
           </a:solidFill>
@@ -8282,7 +8341,7 @@
           <a:sym typeface="Arial"/>
         </a:defRPr>
       </a:lvl4pPr>
-      <a:lvl5pPr lvl="4" marR="0" rtl="0" algn="l">
+      <a:lvl5pPr marR="0" lvl="4" algn="l" rtl="0">
         <a:lnSpc>
           <a:spcPct val="100000"/>
         </a:lnSpc>
@@ -8296,7 +8355,7 @@
           <a:srgbClr val="000000"/>
         </a:buClr>
         <a:buFont typeface="Arial"/>
-        <a:defRPr b="0" i="0" sz="1400" u="none" cap="none" strike="noStrike">
+        <a:defRPr sz="1400" b="0" i="0" u="none" strike="noStrike" cap="none">
           <a:solidFill>
             <a:srgbClr val="000000"/>
           </a:solidFill>
@@ -8306,7 +8365,7 @@
           <a:sym typeface="Arial"/>
         </a:defRPr>
       </a:lvl5pPr>
-      <a:lvl6pPr lvl="5" marR="0" rtl="0" algn="l">
+      <a:lvl6pPr marR="0" lvl="5" algn="l" rtl="0">
         <a:lnSpc>
           <a:spcPct val="100000"/>
         </a:lnSpc>
@@ -8320,7 +8379,7 @@
           <a:srgbClr val="000000"/>
         </a:buClr>
         <a:buFont typeface="Arial"/>
-        <a:defRPr b="0" i="0" sz="1400" u="none" cap="none" strike="noStrike">
+        <a:defRPr sz="1400" b="0" i="0" u="none" strike="noStrike" cap="none">
           <a:solidFill>
             <a:srgbClr val="000000"/>
           </a:solidFill>
@@ -8330,7 +8389,7 @@
           <a:sym typeface="Arial"/>
         </a:defRPr>
       </a:lvl6pPr>
-      <a:lvl7pPr lvl="6" marR="0" rtl="0" algn="l">
+      <a:lvl7pPr marR="0" lvl="6" algn="l" rtl="0">
         <a:lnSpc>
           <a:spcPct val="100000"/>
         </a:lnSpc>
@@ -8344,7 +8403,7 @@
           <a:srgbClr val="000000"/>
         </a:buClr>
         <a:buFont typeface="Arial"/>
-        <a:defRPr b="0" i="0" sz="1400" u="none" cap="none" strike="noStrike">
+        <a:defRPr sz="1400" b="0" i="0" u="none" strike="noStrike" cap="none">
           <a:solidFill>
             <a:srgbClr val="000000"/>
           </a:solidFill>
@@ -8354,7 +8413,7 @@
           <a:sym typeface="Arial"/>
         </a:defRPr>
       </a:lvl7pPr>
-      <a:lvl8pPr lvl="7" marR="0" rtl="0" algn="l">
+      <a:lvl8pPr marR="0" lvl="7" algn="l" rtl="0">
         <a:lnSpc>
           <a:spcPct val="100000"/>
         </a:lnSpc>
@@ -8368,7 +8427,7 @@
           <a:srgbClr val="000000"/>
         </a:buClr>
         <a:buFont typeface="Arial"/>
-        <a:defRPr b="0" i="0" sz="1400" u="none" cap="none" strike="noStrike">
+        <a:defRPr sz="1400" b="0" i="0" u="none" strike="noStrike" cap="none">
           <a:solidFill>
             <a:srgbClr val="000000"/>
           </a:solidFill>
@@ -8378,7 +8437,7 @@
           <a:sym typeface="Arial"/>
         </a:defRPr>
       </a:lvl8pPr>
-      <a:lvl9pPr lvl="8" marR="0" rtl="0" algn="l">
+      <a:lvl9pPr marR="0" lvl="8" algn="l" rtl="0">
         <a:lnSpc>
           <a:spcPct val="100000"/>
         </a:lnSpc>
@@ -8392,7 +8451,7 @@
           <a:srgbClr val="000000"/>
         </a:buClr>
         <a:buFont typeface="Arial"/>
-        <a:defRPr b="0" i="0" sz="1400" u="none" cap="none" strike="noStrike">
+        <a:defRPr sz="1400" b="0" i="0" u="none" strike="noStrike" cap="none">
           <a:solidFill>
             <a:srgbClr val="000000"/>
           </a:solidFill>
@@ -8404,7 +8463,7 @@
       </a:lvl9pPr>
     </p:titleStyle>
     <p:bodyStyle>
-      <a:defPPr lvl="0" marR="0" rtl="0" algn="l">
+      <a:defPPr marR="0" lvl="0" algn="l" rtl="0">
         <a:lnSpc>
           <a:spcPct val="100000"/>
         </a:lnSpc>
@@ -8415,7 +8474,7 @@
           <a:spcPts val="0"/>
         </a:spcAft>
       </a:defPPr>
-      <a:lvl1pPr lvl="0" marR="0" rtl="0" algn="l">
+      <a:lvl1pPr marR="0" lvl="0" algn="l" rtl="0">
         <a:lnSpc>
           <a:spcPct val="100000"/>
         </a:lnSpc>
@@ -8429,7 +8488,7 @@
           <a:srgbClr val="000000"/>
         </a:buClr>
         <a:buFont typeface="Arial"/>
-        <a:defRPr b="0" i="0" sz="1400" u="none" cap="none" strike="noStrike">
+        <a:defRPr sz="1400" b="0" i="0" u="none" strike="noStrike" cap="none">
           <a:solidFill>
             <a:srgbClr val="000000"/>
           </a:solidFill>
@@ -8439,7 +8498,7 @@
           <a:sym typeface="Arial"/>
         </a:defRPr>
       </a:lvl1pPr>
-      <a:lvl2pPr lvl="1" marR="0" rtl="0" algn="l">
+      <a:lvl2pPr marR="0" lvl="1" algn="l" rtl="0">
         <a:lnSpc>
           <a:spcPct val="100000"/>
         </a:lnSpc>
@@ -8453,7 +8512,7 @@
           <a:srgbClr val="000000"/>
         </a:buClr>
         <a:buFont typeface="Arial"/>
-        <a:defRPr b="0" i="0" sz="1400" u="none" cap="none" strike="noStrike">
+        <a:defRPr sz="1400" b="0" i="0" u="none" strike="noStrike" cap="none">
           <a:solidFill>
             <a:srgbClr val="000000"/>
           </a:solidFill>
@@ -8463,7 +8522,7 @@
           <a:sym typeface="Arial"/>
         </a:defRPr>
       </a:lvl2pPr>
-      <a:lvl3pPr lvl="2" marR="0" rtl="0" algn="l">
+      <a:lvl3pPr marR="0" lvl="2" algn="l" rtl="0">
         <a:lnSpc>
           <a:spcPct val="100000"/>
         </a:lnSpc>
@@ -8477,7 +8536,7 @@
           <a:srgbClr val="000000"/>
         </a:buClr>
         <a:buFont typeface="Arial"/>
-        <a:defRPr b="0" i="0" sz="1400" u="none" cap="none" strike="noStrike">
+        <a:defRPr sz="1400" b="0" i="0" u="none" strike="noStrike" cap="none">
           <a:solidFill>
             <a:srgbClr val="000000"/>
           </a:solidFill>
@@ -8487,7 +8546,7 @@
           <a:sym typeface="Arial"/>
         </a:defRPr>
       </a:lvl3pPr>
-      <a:lvl4pPr lvl="3" marR="0" rtl="0" algn="l">
+      <a:lvl4pPr marR="0" lvl="3" algn="l" rtl="0">
         <a:lnSpc>
           <a:spcPct val="100000"/>
         </a:lnSpc>
@@ -8501,7 +8560,7 @@
           <a:srgbClr val="000000"/>
         </a:buClr>
         <a:buFont typeface="Arial"/>
-        <a:defRPr b="0" i="0" sz="1400" u="none" cap="none" strike="noStrike">
+        <a:defRPr sz="1400" b="0" i="0" u="none" strike="noStrike" cap="none">
           <a:solidFill>
             <a:srgbClr val="000000"/>
           </a:solidFill>
@@ -8511,7 +8570,7 @@
           <a:sym typeface="Arial"/>
         </a:defRPr>
       </a:lvl4pPr>
-      <a:lvl5pPr lvl="4" marR="0" rtl="0" algn="l">
+      <a:lvl5pPr marR="0" lvl="4" algn="l" rtl="0">
         <a:lnSpc>
           <a:spcPct val="100000"/>
         </a:lnSpc>
@@ -8525,7 +8584,7 @@
           <a:srgbClr val="000000"/>
         </a:buClr>
         <a:buFont typeface="Arial"/>
-        <a:defRPr b="0" i="0" sz="1400" u="none" cap="none" strike="noStrike">
+        <a:defRPr sz="1400" b="0" i="0" u="none" strike="noStrike" cap="none">
           <a:solidFill>
             <a:srgbClr val="000000"/>
           </a:solidFill>
@@ -8535,7 +8594,7 @@
           <a:sym typeface="Arial"/>
         </a:defRPr>
       </a:lvl5pPr>
-      <a:lvl6pPr lvl="5" marR="0" rtl="0" algn="l">
+      <a:lvl6pPr marR="0" lvl="5" algn="l" rtl="0">
         <a:lnSpc>
           <a:spcPct val="100000"/>
         </a:lnSpc>
@@ -8549,7 +8608,7 @@
           <a:srgbClr val="000000"/>
         </a:buClr>
         <a:buFont typeface="Arial"/>
-        <a:defRPr b="0" i="0" sz="1400" u="none" cap="none" strike="noStrike">
+        <a:defRPr sz="1400" b="0" i="0" u="none" strike="noStrike" cap="none">
           <a:solidFill>
             <a:srgbClr val="000000"/>
           </a:solidFill>
@@ -8559,7 +8618,7 @@
           <a:sym typeface="Arial"/>
         </a:defRPr>
       </a:lvl6pPr>
-      <a:lvl7pPr lvl="6" marR="0" rtl="0" algn="l">
+      <a:lvl7pPr marR="0" lvl="6" algn="l" rtl="0">
         <a:lnSpc>
           <a:spcPct val="100000"/>
         </a:lnSpc>
@@ -8573,7 +8632,7 @@
           <a:srgbClr val="000000"/>
         </a:buClr>
         <a:buFont typeface="Arial"/>
-        <a:defRPr b="0" i="0" sz="1400" u="none" cap="none" strike="noStrike">
+        <a:defRPr sz="1400" b="0" i="0" u="none" strike="noStrike" cap="none">
           <a:solidFill>
             <a:srgbClr val="000000"/>
           </a:solidFill>
@@ -8583,7 +8642,7 @@
           <a:sym typeface="Arial"/>
         </a:defRPr>
       </a:lvl7pPr>
-      <a:lvl8pPr lvl="7" marR="0" rtl="0" algn="l">
+      <a:lvl8pPr marR="0" lvl="7" algn="l" rtl="0">
         <a:lnSpc>
           <a:spcPct val="100000"/>
         </a:lnSpc>
@@ -8597,7 +8656,7 @@
           <a:srgbClr val="000000"/>
         </a:buClr>
         <a:buFont typeface="Arial"/>
-        <a:defRPr b="0" i="0" sz="1400" u="none" cap="none" strike="noStrike">
+        <a:defRPr sz="1400" b="0" i="0" u="none" strike="noStrike" cap="none">
           <a:solidFill>
             <a:srgbClr val="000000"/>
           </a:solidFill>
@@ -8607,7 +8666,7 @@
           <a:sym typeface="Arial"/>
         </a:defRPr>
       </a:lvl8pPr>
-      <a:lvl9pPr lvl="8" marR="0" rtl="0" algn="l">
+      <a:lvl9pPr marR="0" lvl="8" algn="l" rtl="0">
         <a:lnSpc>
           <a:spcPct val="100000"/>
         </a:lnSpc>
@@ -8621,7 +8680,7 @@
           <a:srgbClr val="000000"/>
         </a:buClr>
         <a:buFont typeface="Arial"/>
-        <a:defRPr b="0" i="0" sz="1400" u="none" cap="none" strike="noStrike">
+        <a:defRPr sz="1400" b="0" i="0" u="none" strike="noStrike" cap="none">
           <a:solidFill>
             <a:srgbClr val="000000"/>
           </a:solidFill>
@@ -8633,7 +8692,7 @@
       </a:lvl9pPr>
     </p:bodyStyle>
     <p:otherStyle>
-      <a:defPPr lvl="0" marR="0" rtl="0" algn="l">
+      <a:defPPr marR="0" lvl="0" algn="l" rtl="0">
         <a:lnSpc>
           <a:spcPct val="100000"/>
         </a:lnSpc>
@@ -8644,7 +8703,7 @@
           <a:spcPts val="0"/>
         </a:spcAft>
       </a:defPPr>
-      <a:lvl1pPr lvl="0" marR="0" rtl="0" algn="l">
+      <a:lvl1pPr marR="0" lvl="0" algn="l" rtl="0">
         <a:lnSpc>
           <a:spcPct val="100000"/>
         </a:lnSpc>
@@ -8658,7 +8717,7 @@
           <a:srgbClr val="000000"/>
         </a:buClr>
         <a:buFont typeface="Arial"/>
-        <a:defRPr b="0" i="0" sz="1400" u="none" cap="none" strike="noStrike">
+        <a:defRPr sz="1400" b="0" i="0" u="none" strike="noStrike" cap="none">
           <a:solidFill>
             <a:srgbClr val="000000"/>
           </a:solidFill>
@@ -8668,7 +8727,7 @@
           <a:sym typeface="Arial"/>
         </a:defRPr>
       </a:lvl1pPr>
-      <a:lvl2pPr lvl="1" marR="0" rtl="0" algn="l">
+      <a:lvl2pPr marR="0" lvl="1" algn="l" rtl="0">
         <a:lnSpc>
           <a:spcPct val="100000"/>
         </a:lnSpc>
@@ -8682,7 +8741,7 @@
           <a:srgbClr val="000000"/>
         </a:buClr>
         <a:buFont typeface="Arial"/>
-        <a:defRPr b="0" i="0" sz="1400" u="none" cap="none" strike="noStrike">
+        <a:defRPr sz="1400" b="0" i="0" u="none" strike="noStrike" cap="none">
           <a:solidFill>
             <a:srgbClr val="000000"/>
           </a:solidFill>
@@ -8692,7 +8751,7 @@
           <a:sym typeface="Arial"/>
         </a:defRPr>
       </a:lvl2pPr>
-      <a:lvl3pPr lvl="2" marR="0" rtl="0" algn="l">
+      <a:lvl3pPr marR="0" lvl="2" algn="l" rtl="0">
         <a:lnSpc>
           <a:spcPct val="100000"/>
         </a:lnSpc>
@@ -8706,7 +8765,7 @@
           <a:srgbClr val="000000"/>
         </a:buClr>
         <a:buFont typeface="Arial"/>
-        <a:defRPr b="0" i="0" sz="1400" u="none" cap="none" strike="noStrike">
+        <a:defRPr sz="1400" b="0" i="0" u="none" strike="noStrike" cap="none">
           <a:solidFill>
             <a:srgbClr val="000000"/>
           </a:solidFill>
@@ -8716,7 +8775,7 @@
           <a:sym typeface="Arial"/>
         </a:defRPr>
       </a:lvl3pPr>
-      <a:lvl4pPr lvl="3" marR="0" rtl="0" algn="l">
+      <a:lvl4pPr marR="0" lvl="3" algn="l" rtl="0">
         <a:lnSpc>
           <a:spcPct val="100000"/>
         </a:lnSpc>
@@ -8730,7 +8789,7 @@
           <a:srgbClr val="000000"/>
         </a:buClr>
         <a:buFont typeface="Arial"/>
-        <a:defRPr b="0" i="0" sz="1400" u="none" cap="none" strike="noStrike">
+        <a:defRPr sz="1400" b="0" i="0" u="none" strike="noStrike" cap="none">
           <a:solidFill>
             <a:srgbClr val="000000"/>
           </a:solidFill>
@@ -8740,7 +8799,7 @@
           <a:sym typeface="Arial"/>
         </a:defRPr>
       </a:lvl4pPr>
-      <a:lvl5pPr lvl="4" marR="0" rtl="0" algn="l">
+      <a:lvl5pPr marR="0" lvl="4" algn="l" rtl="0">
         <a:lnSpc>
           <a:spcPct val="100000"/>
         </a:lnSpc>
@@ -8754,7 +8813,7 @@
           <a:srgbClr val="000000"/>
         </a:buClr>
         <a:buFont typeface="Arial"/>
-        <a:defRPr b="0" i="0" sz="1400" u="none" cap="none" strike="noStrike">
+        <a:defRPr sz="1400" b="0" i="0" u="none" strike="noStrike" cap="none">
           <a:solidFill>
             <a:srgbClr val="000000"/>
           </a:solidFill>
@@ -8764,7 +8823,7 @@
           <a:sym typeface="Arial"/>
         </a:defRPr>
       </a:lvl5pPr>
-      <a:lvl6pPr lvl="5" marR="0" rtl="0" algn="l">
+      <a:lvl6pPr marR="0" lvl="5" algn="l" rtl="0">
         <a:lnSpc>
           <a:spcPct val="100000"/>
         </a:lnSpc>
@@ -8778,7 +8837,7 @@
           <a:srgbClr val="000000"/>
         </a:buClr>
         <a:buFont typeface="Arial"/>
-        <a:defRPr b="0" i="0" sz="1400" u="none" cap="none" strike="noStrike">
+        <a:defRPr sz="1400" b="0" i="0" u="none" strike="noStrike" cap="none">
           <a:solidFill>
             <a:srgbClr val="000000"/>
           </a:solidFill>
@@ -8788,7 +8847,7 @@
           <a:sym typeface="Arial"/>
         </a:defRPr>
       </a:lvl6pPr>
-      <a:lvl7pPr lvl="6" marR="0" rtl="0" algn="l">
+      <a:lvl7pPr marR="0" lvl="6" algn="l" rtl="0">
         <a:lnSpc>
           <a:spcPct val="100000"/>
         </a:lnSpc>
@@ -8802,7 +8861,7 @@
           <a:srgbClr val="000000"/>
         </a:buClr>
         <a:buFont typeface="Arial"/>
-        <a:defRPr b="0" i="0" sz="1400" u="none" cap="none" strike="noStrike">
+        <a:defRPr sz="1400" b="0" i="0" u="none" strike="noStrike" cap="none">
           <a:solidFill>
             <a:srgbClr val="000000"/>
           </a:solidFill>
@@ -8812,7 +8871,7 @@
           <a:sym typeface="Arial"/>
         </a:defRPr>
       </a:lvl7pPr>
-      <a:lvl8pPr lvl="7" marR="0" rtl="0" algn="l">
+      <a:lvl8pPr marR="0" lvl="7" algn="l" rtl="0">
         <a:lnSpc>
           <a:spcPct val="100000"/>
         </a:lnSpc>
@@ -8826,7 +8885,7 @@
           <a:srgbClr val="000000"/>
         </a:buClr>
         <a:buFont typeface="Arial"/>
-        <a:defRPr b="0" i="0" sz="1400" u="none" cap="none" strike="noStrike">
+        <a:defRPr sz="1400" b="0" i="0" u="none" strike="noStrike" cap="none">
           <a:solidFill>
             <a:srgbClr val="000000"/>
           </a:solidFill>
@@ -8836,7 +8895,7 @@
           <a:sym typeface="Arial"/>
         </a:defRPr>
       </a:lvl8pPr>
-      <a:lvl9pPr lvl="8" marR="0" rtl="0" algn="l">
+      <a:lvl9pPr marR="0" lvl="8" algn="l" rtl="0">
         <a:lnSpc>
           <a:spcPct val="100000"/>
         </a:lnSpc>
@@ -8850,7 +8909,7 @@
           <a:srgbClr val="000000"/>
         </a:buClr>
         <a:buFont typeface="Arial"/>
-        <a:defRPr b="0" i="0" sz="1400" u="none" cap="none" strike="noStrike">
+        <a:defRPr sz="1400" b="0" i="0" u="none" strike="noStrike" cap="none">
           <a:solidFill>
             <a:srgbClr val="000000"/>
           </a:solidFill>
@@ -8866,11 +8925,11 @@
 </file>
 
 <file path=ppt/slides/slide1.xml><?xml version="1.0" encoding="utf-8"?>
-<p:sld xmlns:a="http://schemas.openxmlformats.org/drawingml/2006/main" xmlns:r="http://schemas.openxmlformats.org/officeDocument/2006/relationships" xmlns:mc="http://schemas.openxmlformats.org/markup-compatibility/2006" xmlns:mv="urn:schemas-microsoft-com:mac:vml" xmlns:p="http://schemas.openxmlformats.org/presentationml/2006/main" xmlns:c="http://schemas.openxmlformats.org/drawingml/2006/chart" xmlns:dgm="http://schemas.openxmlformats.org/drawingml/2006/diagram" xmlns:o="urn:schemas-microsoft-com:office:office" xmlns:v="urn:schemas-microsoft-com:vml" xmlns:pvml="urn:schemas-microsoft-com:office:powerpoint" xmlns:com="http://schemas.openxmlformats.org/drawingml/2006/compatibility" xmlns:p14="http://schemas.microsoft.com/office/powerpoint/2010/main" xmlns:p15="http://schemas.microsoft.com/office/powerpoint/2012/main" xmlns:ahyp="http://schemas.microsoft.com/office/drawing/2018/hyperlinkcolor">
+<p:sld xmlns:a="http://schemas.openxmlformats.org/drawingml/2006/main" xmlns:r="http://schemas.openxmlformats.org/officeDocument/2006/relationships" xmlns:p="http://schemas.openxmlformats.org/presentationml/2006/main">
   <p:cSld>
     <p:spTree>
       <p:nvGrpSpPr>
-        <p:cNvPr id="127" name="Shape 127"/>
+        <p:cNvPr id="1" name="Shape 127"/>
         <p:cNvGrpSpPr/>
         <p:nvPr/>
       </p:nvGrpSpPr>
@@ -8885,7 +8944,9 @@
       <p:sp>
         <p:nvSpPr>
           <p:cNvPr id="128" name="Google Shape;128;p13"/>
-          <p:cNvSpPr txBox="1"/>
+          <p:cNvSpPr txBox="1">
+            <a:spLocks noGrp="1"/>
+          </p:cNvSpPr>
           <p:nvPr>
             <p:ph type="ctrTitle"/>
           </p:nvPr>
@@ -8900,12 +8961,12 @@
           </a:prstGeom>
         </p:spPr>
         <p:txBody>
-          <a:bodyPr anchorCtr="0" anchor="ctr" bIns="91425" lIns="91425" spcFirstLastPara="1" rIns="91425" wrap="square" tIns="91425">
+          <a:bodyPr spcFirstLastPara="1" wrap="square" lIns="91425" tIns="91425" rIns="91425" bIns="91425" anchor="ctr" anchorCtr="0">
             <a:normAutofit fontScale="90000"/>
           </a:bodyPr>
           <a:lstStyle/>
           <a:p>
-            <a:pPr indent="0" lvl="0" marL="0" rtl="0" algn="ctr">
+            <a:pPr marL="0" lvl="0" indent="0" algn="ctr" rtl="0">
               <a:spcBef>
                 <a:spcPts val="0"/>
               </a:spcBef>
@@ -8915,13 +8976,13 @@
               <a:buNone/>
             </a:pPr>
             <a:r>
-              <a:rPr lang="en"/>
+              <a:rPr lang="en" dirty="0"/>
               <a:t>This is to certify that</a:t>
             </a:r>
             <a:endParaRPr/>
           </a:p>
           <a:p>
-            <a:pPr indent="0" lvl="0" marL="0" rtl="0" algn="ctr">
+            <a:pPr marL="0" lvl="0" indent="0" algn="ctr" rtl="0">
               <a:spcBef>
                 <a:spcPts val="0"/>
               </a:spcBef>
@@ -8931,13 +8992,21 @@
               <a:buNone/>
             </a:pPr>
             <a:r>
-              <a:rPr lang="en"/>
-              <a:t>&lt;Name&gt;</a:t>
+              <a:rPr lang="en" dirty="0"/>
+              <a:t>&lt;Name</a:t>
+            </a:r>
+            <a:r>
+              <a:rPr lang="en" smtClean="0"/>
+              <a:t>&gt; from </a:t>
+            </a:r>
+            <a:r>
+              <a:rPr lang="en" dirty="0" smtClean="0"/>
+              <a:t>&lt;College&gt;</a:t>
             </a:r>
             <a:endParaRPr/>
           </a:p>
           <a:p>
-            <a:pPr indent="0" lvl="0" marL="0" rtl="0" algn="ctr">
+            <a:pPr marL="0" lvl="0" indent="0" algn="ctr" rtl="0">
               <a:spcBef>
                 <a:spcPts val="0"/>
               </a:spcBef>
@@ -8947,13 +9016,21 @@
               <a:buNone/>
             </a:pPr>
             <a:r>
-              <a:rPr lang="en"/>
-              <a:t>Has secured &lt;Position&gt; in </a:t>
+              <a:rPr lang="en" dirty="0"/>
+              <a:t>h</a:t>
+            </a:r>
+            <a:r>
+              <a:rPr lang="en" dirty="0" smtClean="0"/>
+              <a:t>as </a:t>
+            </a:r>
+            <a:r>
+              <a:rPr lang="en" dirty="0"/>
+              <a:t>secured &lt;Position&gt; in </a:t>
             </a:r>
             <a:endParaRPr/>
           </a:p>
           <a:p>
-            <a:pPr indent="0" lvl="0" marL="0" rtl="0" algn="ctr">
+            <a:pPr marL="0" lvl="0" indent="0" algn="ctr" rtl="0">
               <a:spcBef>
                 <a:spcPts val="0"/>
               </a:spcBef>
@@ -8963,8 +9040,16 @@
               <a:buNone/>
             </a:pPr>
             <a:r>
-              <a:rPr lang="en"/>
-              <a:t>&lt;Competition&gt; held on &lt;Date&gt;.</a:t>
+              <a:rPr lang="en" dirty="0" smtClean="0"/>
+              <a:t>&lt;</a:t>
+            </a:r>
+            <a:r>
+              <a:rPr lang="en" dirty="0" smtClean="0"/>
+              <a:t>Society</a:t>
+            </a:r>
+            <a:r>
+              <a:rPr lang="en" dirty="0" smtClean="0"/>
+              <a:t>&gt;.</a:t>
             </a:r>
             <a:endParaRPr/>
           </a:p>
@@ -8979,7 +9064,7 @@
 </file>
 
 <file path=ppt/theme/theme1.xml><?xml version="1.0" encoding="utf-8"?>
-<a:theme xmlns:a="http://schemas.openxmlformats.org/drawingml/2006/main" xmlns:r="http://schemas.openxmlformats.org/officeDocument/2006/relationships" name="Shift">
+<a:theme xmlns:a="http://schemas.openxmlformats.org/drawingml/2006/main" name="Shift">
   <a:themeElements>
     <a:clrScheme name="Shift">
       <a:dk1>
@@ -9254,11 +9339,13 @@
       </a:bgFillStyleLst>
     </a:fmtScheme>
   </a:themeElements>
+  <a:objectDefaults/>
+  <a:extraClrSchemeLst/>
 </a:theme>
 </file>
 
 <file path=ppt/theme/theme2.xml><?xml version="1.0" encoding="utf-8"?>
-<a:theme xmlns:a="http://schemas.openxmlformats.org/drawingml/2006/main" xmlns:r="http://schemas.openxmlformats.org/officeDocument/2006/relationships">
+<a:theme xmlns:a="http://schemas.openxmlformats.org/drawingml/2006/main">
   <a:themeElements>
     <a:clrScheme name="Default">
       <a:dk1>
@@ -9533,5 +9620,7 @@
       </a:bgFillStyleLst>
     </a:fmtScheme>
   </a:themeElements>
+  <a:objectDefaults/>
+  <a:extraClrSchemeLst/>
 </a:theme>
 </file>